--- a/Honours_Project.pptx
+++ b/Honours_Project.pptx
@@ -5,7 +5,7 @@
     <p:sldMasterId id="2147483648" r:id="rId1"/>
   </p:sldMasterIdLst>
   <p:notesMasterIdLst>
-    <p:notesMasterId r:id="rId42"/>
+    <p:notesMasterId r:id="rId44"/>
   </p:notesMasterIdLst>
   <p:sldIdLst>
     <p:sldId id="256" r:id="rId2"/>
@@ -20,45 +20,47 @@
     <p:sldId id="318" r:id="rId11"/>
     <p:sldId id="320" r:id="rId12"/>
     <p:sldId id="321" r:id="rId13"/>
-    <p:sldId id="322" r:id="rId14"/>
-    <p:sldId id="323" r:id="rId15"/>
-    <p:sldId id="324" r:id="rId16"/>
-    <p:sldId id="325" r:id="rId17"/>
-    <p:sldId id="327" r:id="rId18"/>
-    <p:sldId id="328" r:id="rId19"/>
-    <p:sldId id="329" r:id="rId20"/>
-    <p:sldId id="330" r:id="rId21"/>
-    <p:sldId id="331" r:id="rId22"/>
-    <p:sldId id="352" r:id="rId23"/>
-    <p:sldId id="353" r:id="rId24"/>
-    <p:sldId id="332" r:id="rId25"/>
-    <p:sldId id="333" r:id="rId26"/>
-    <p:sldId id="344" r:id="rId27"/>
-    <p:sldId id="345" r:id="rId28"/>
-    <p:sldId id="334" r:id="rId29"/>
-    <p:sldId id="346" r:id="rId30"/>
-    <p:sldId id="347" r:id="rId31"/>
-    <p:sldId id="335" r:id="rId32"/>
-    <p:sldId id="336" r:id="rId33"/>
-    <p:sldId id="337" r:id="rId34"/>
-    <p:sldId id="338" r:id="rId35"/>
-    <p:sldId id="339" r:id="rId36"/>
-    <p:sldId id="340" r:id="rId37"/>
-    <p:sldId id="341" r:id="rId38"/>
-    <p:sldId id="280" r:id="rId39"/>
-    <p:sldId id="342" r:id="rId40"/>
-    <p:sldId id="264" r:id="rId41"/>
+    <p:sldId id="354" r:id="rId14"/>
+    <p:sldId id="322" r:id="rId15"/>
+    <p:sldId id="323" r:id="rId16"/>
+    <p:sldId id="324" r:id="rId17"/>
+    <p:sldId id="325" r:id="rId18"/>
+    <p:sldId id="327" r:id="rId19"/>
+    <p:sldId id="328" r:id="rId20"/>
+    <p:sldId id="329" r:id="rId21"/>
+    <p:sldId id="330" r:id="rId22"/>
+    <p:sldId id="331" r:id="rId23"/>
+    <p:sldId id="352" r:id="rId24"/>
+    <p:sldId id="353" r:id="rId25"/>
+    <p:sldId id="332" r:id="rId26"/>
+    <p:sldId id="333" r:id="rId27"/>
+    <p:sldId id="344" r:id="rId28"/>
+    <p:sldId id="345" r:id="rId29"/>
+    <p:sldId id="334" r:id="rId30"/>
+    <p:sldId id="346" r:id="rId31"/>
+    <p:sldId id="347" r:id="rId32"/>
+    <p:sldId id="355" r:id="rId33"/>
+    <p:sldId id="335" r:id="rId34"/>
+    <p:sldId id="336" r:id="rId35"/>
+    <p:sldId id="337" r:id="rId36"/>
+    <p:sldId id="338" r:id="rId37"/>
+    <p:sldId id="339" r:id="rId38"/>
+    <p:sldId id="340" r:id="rId39"/>
+    <p:sldId id="341" r:id="rId40"/>
+    <p:sldId id="280" r:id="rId41"/>
+    <p:sldId id="342" r:id="rId42"/>
+    <p:sldId id="264" r:id="rId43"/>
   </p:sldIdLst>
   <p:sldSz cx="12192000" cy="6858000"/>
   <p:notesSz cx="6858000" cy="9144000"/>
   <p:embeddedFontLst>
     <p:embeddedFont>
       <p:font typeface="Arial Black" panose="020B0A04020102020204" pitchFamily="34" charset="0"/>
-      <p:bold r:id="rId43"/>
+      <p:bold r:id="rId45"/>
     </p:embeddedFont>
     <p:embeddedFont>
       <p:font typeface="Cooper Black" panose="0208090404030B020404" pitchFamily="18" charset="0"/>
-      <p:regular r:id="rId44"/>
+      <p:regular r:id="rId46"/>
     </p:embeddedFont>
   </p:embeddedFontLst>
   <p:defaultTextStyle>
@@ -306,7 +308,7 @@
       </p15:sldGuideLst>
     </p:ext>
     <p:ext uri="http://customooxmlschemas.google.com/">
-      <go:slidesCustomData xmlns="" xmlns:mc="http://schemas.openxmlformats.org/markup-compatibility/2006" xmlns:mv="urn:schemas-microsoft-com:mac:vml" xmlns:c="http://schemas.openxmlformats.org/drawingml/2006/chart" xmlns:dgm="http://schemas.openxmlformats.org/drawingml/2006/diagram" xmlns:o="urn:schemas-microsoft-com:office:office" xmlns:v="urn:schemas-microsoft-com:vml" xmlns:pvml="urn:schemas-microsoft-com:office:powerpoint" xmlns:com="http://schemas.openxmlformats.org/drawingml/2006/compatibility" xmlns:p14="http://schemas.microsoft.com/office/powerpoint/2010/main" xmlns:p15="http://schemas.microsoft.com/office/powerpoint/2012/main" xmlns:ahyp="http://schemas.microsoft.com/office/drawing/2018/hyperlinkcolor" xmlns:go="http://customooxmlschemas.google.com/" r:id="rId48" roundtripDataSignature="AMtx7mgOTeGwvpyXv+WHXkZujPTG/Ddnmw=="/>
+      <go:slidesCustomData xmlns:go="http://customooxmlschemas.google.com/" xmlns:ahyp="http://schemas.microsoft.com/office/drawing/2018/hyperlinkcolor" xmlns:p15="http://schemas.microsoft.com/office/powerpoint/2012/main" xmlns:p14="http://schemas.microsoft.com/office/powerpoint/2010/main" xmlns:com="http://schemas.openxmlformats.org/drawingml/2006/compatibility" xmlns:pvml="urn:schemas-microsoft-com:office:powerpoint" xmlns:v="urn:schemas-microsoft-com:vml" xmlns:o="urn:schemas-microsoft-com:office:office" xmlns:dgm="http://schemas.openxmlformats.org/drawingml/2006/diagram" xmlns:c="http://schemas.openxmlformats.org/drawingml/2006/chart" xmlns:mv="urn:schemas-microsoft-com:mac:vml" xmlns:mc="http://schemas.openxmlformats.org/markup-compatibility/2006" xmlns="" r:id="rId48" roundtripDataSignature="AMtx7mgOTeGwvpyXv+WHXkZujPTG/Ddnmw=="/>
     </p:ext>
   </p:extLst>
 </p:presentation>
@@ -1461,7 +1463,7 @@
         <p:cNvPr id="1" name="Shape 106">
           <a:extLst>
             <a:ext uri="{FF2B5EF4-FFF2-40B4-BE49-F238E27FC236}">
-              <a16:creationId xmlns:a16="http://schemas.microsoft.com/office/drawing/2014/main" id="{71C7A48F-6A46-D0B4-81F7-26094EE2524D}"/>
+              <a16:creationId xmlns:a16="http://schemas.microsoft.com/office/drawing/2014/main" id="{6E0B857A-E9D3-B2E0-5DBF-4337735E71A4}"/>
             </a:ext>
           </a:extLst>
         </p:cNvPr>
@@ -1481,7 +1483,7 @@
           <p:cNvPr id="107" name="Google Shape;107;p3:notes">
             <a:extLst>
               <a:ext uri="{FF2B5EF4-FFF2-40B4-BE49-F238E27FC236}">
-                <a16:creationId xmlns:a16="http://schemas.microsoft.com/office/drawing/2014/main" id="{9EE17748-2915-F462-6222-865609042E26}"/>
+                <a16:creationId xmlns:a16="http://schemas.microsoft.com/office/drawing/2014/main" id="{23FDD36E-E242-187F-CFA1-DCA63EF131E4}"/>
               </a:ext>
             </a:extLst>
           </p:cNvPr>
@@ -1533,7 +1535,7 @@
           <p:cNvPr id="108" name="Google Shape;108;p3:notes">
             <a:extLst>
               <a:ext uri="{FF2B5EF4-FFF2-40B4-BE49-F238E27FC236}">
-                <a16:creationId xmlns:a16="http://schemas.microsoft.com/office/drawing/2014/main" id="{4873FB6C-9F9E-55FE-4AF7-7139E49B5E9B}"/>
+                <a16:creationId xmlns:a16="http://schemas.microsoft.com/office/drawing/2014/main" id="{755C7AE8-B915-8A98-A6B8-1E0453622651}"/>
               </a:ext>
             </a:extLst>
           </p:cNvPr>
@@ -1588,7 +1590,7 @@
     </p:spTree>
     <p:extLst>
       <p:ext uri="{BB962C8B-B14F-4D97-AF65-F5344CB8AC3E}">
-        <p14:creationId xmlns:p14="http://schemas.microsoft.com/office/powerpoint/2010/main" val="3940216139"/>
+        <p14:creationId xmlns:p14="http://schemas.microsoft.com/office/powerpoint/2010/main" val="1355066699"/>
       </p:ext>
     </p:extLst>
   </p:cSld>
@@ -2888,6 +2890,151 @@
         <p:cNvPr id="1" name="Shape 106">
           <a:extLst>
             <a:ext uri="{FF2B5EF4-FFF2-40B4-BE49-F238E27FC236}">
+              <a16:creationId xmlns:a16="http://schemas.microsoft.com/office/drawing/2014/main" id="{71C7A48F-6A46-D0B4-81F7-26094EE2524D}"/>
+            </a:ext>
+          </a:extLst>
+        </p:cNvPr>
+        <p:cNvGrpSpPr/>
+        <p:nvPr/>
+      </p:nvGrpSpPr>
+      <p:grpSpPr>
+        <a:xfrm>
+          <a:off x="0" y="0"/>
+          <a:ext cx="0" cy="0"/>
+          <a:chOff x="0" y="0"/>
+          <a:chExt cx="0" cy="0"/>
+        </a:xfrm>
+      </p:grpSpPr>
+      <p:sp>
+        <p:nvSpPr>
+          <p:cNvPr id="107" name="Google Shape;107;p3:notes">
+            <a:extLst>
+              <a:ext uri="{FF2B5EF4-FFF2-40B4-BE49-F238E27FC236}">
+                <a16:creationId xmlns:a16="http://schemas.microsoft.com/office/drawing/2014/main" id="{9EE17748-2915-F462-6222-865609042E26}"/>
+              </a:ext>
+            </a:extLst>
+          </p:cNvPr>
+          <p:cNvSpPr txBox="1">
+            <a:spLocks noGrp="1"/>
+          </p:cNvSpPr>
+          <p:nvPr>
+            <p:ph type="body" idx="1"/>
+          </p:nvPr>
+        </p:nvSpPr>
+        <p:spPr>
+          <a:xfrm>
+            <a:off x="685800" y="4343400"/>
+            <a:ext cx="5486400" cy="4114800"/>
+          </a:xfrm>
+          <a:prstGeom prst="rect">
+            <a:avLst/>
+          </a:prstGeom>
+          <a:noFill/>
+          <a:ln>
+            <a:noFill/>
+          </a:ln>
+        </p:spPr>
+        <p:txBody>
+          <a:bodyPr spcFirstLastPara="1" wrap="square" lIns="91425" tIns="91425" rIns="91425" bIns="91425" anchor="t" anchorCtr="0">
+            <a:noAutofit/>
+          </a:bodyPr>
+          <a:lstStyle/>
+          <a:p>
+            <a:pPr marL="0" lvl="0" indent="0" algn="l" rtl="0">
+              <a:lnSpc>
+                <a:spcPct val="100000"/>
+              </a:lnSpc>
+              <a:spcBef>
+                <a:spcPts val="0"/>
+              </a:spcBef>
+              <a:spcAft>
+                <a:spcPts val="0"/>
+              </a:spcAft>
+              <a:buSzPts val="1100"/>
+              <a:buNone/>
+            </a:pPr>
+            <a:endParaRPr/>
+          </a:p>
+        </p:txBody>
+      </p:sp>
+      <p:sp>
+        <p:nvSpPr>
+          <p:cNvPr id="108" name="Google Shape;108;p3:notes">
+            <a:extLst>
+              <a:ext uri="{FF2B5EF4-FFF2-40B4-BE49-F238E27FC236}">
+                <a16:creationId xmlns:a16="http://schemas.microsoft.com/office/drawing/2014/main" id="{4873FB6C-9F9E-55FE-4AF7-7139E49B5E9B}"/>
+              </a:ext>
+            </a:extLst>
+          </p:cNvPr>
+          <p:cNvSpPr>
+            <a:spLocks noGrp="1" noRot="1" noChangeAspect="1"/>
+          </p:cNvSpPr>
+          <p:nvPr>
+            <p:ph type="sldImg" idx="2"/>
+          </p:nvPr>
+        </p:nvSpPr>
+        <p:spPr>
+          <a:xfrm>
+            <a:off x="381000" y="685800"/>
+            <a:ext cx="6096000" cy="3429000"/>
+          </a:xfrm>
+          <a:custGeom>
+            <a:avLst/>
+            <a:gdLst/>
+            <a:ahLst/>
+            <a:cxnLst/>
+            <a:rect l="l" t="t" r="r" b="b"/>
+            <a:pathLst>
+              <a:path w="120000" h="120000" extrusionOk="0">
+                <a:moveTo>
+                  <a:pt x="0" y="0"/>
+                </a:moveTo>
+                <a:lnTo>
+                  <a:pt x="120000" y="0"/>
+                </a:lnTo>
+                <a:lnTo>
+                  <a:pt x="120000" y="120000"/>
+                </a:lnTo>
+                <a:lnTo>
+                  <a:pt x="0" y="120000"/>
+                </a:lnTo>
+                <a:close/>
+              </a:path>
+            </a:pathLst>
+          </a:custGeom>
+          <a:noFill/>
+          <a:ln w="9525" cap="flat" cmpd="sng">
+            <a:solidFill>
+              <a:srgbClr val="000000"/>
+            </a:solidFill>
+            <a:prstDash val="solid"/>
+            <a:round/>
+            <a:headEnd type="none" w="sm" len="sm"/>
+            <a:tailEnd type="none" w="sm" len="sm"/>
+          </a:ln>
+        </p:spPr>
+      </p:sp>
+    </p:spTree>
+    <p:extLst>
+      <p:ext uri="{BB962C8B-B14F-4D97-AF65-F5344CB8AC3E}">
+        <p14:creationId xmlns:p14="http://schemas.microsoft.com/office/powerpoint/2010/main" val="3940216139"/>
+      </p:ext>
+    </p:extLst>
+  </p:cSld>
+  <p:clrMapOvr>
+    <a:masterClrMapping/>
+  </p:clrMapOvr>
+</p:notes>
+</file>
+
+<file path=ppt/notesSlides/notesSlide23.xml><?xml version="1.0" encoding="utf-8"?>
+<p:notes xmlns:a="http://schemas.openxmlformats.org/drawingml/2006/main" xmlns:r="http://schemas.openxmlformats.org/officeDocument/2006/relationships" xmlns:p="http://schemas.openxmlformats.org/presentationml/2006/main" showMasterSp="0" showMasterPhAnim="0">
+  <p:cSld>
+    <p:spTree>
+      <p:nvGrpSpPr>
+        <p:cNvPr id="1" name="Shape 106">
+          <a:extLst>
+            <a:ext uri="{FF2B5EF4-FFF2-40B4-BE49-F238E27FC236}">
               <a16:creationId xmlns:a16="http://schemas.microsoft.com/office/drawing/2014/main" id="{BE93FF98-2A1D-9D86-1E3C-BDAF8DE09848}"/>
             </a:ext>
           </a:extLst>
@@ -3025,7 +3172,7 @@
 </p:notes>
 </file>
 
-<file path=ppt/notesSlides/notesSlide23.xml><?xml version="1.0" encoding="utf-8"?>
+<file path=ppt/notesSlides/notesSlide24.xml><?xml version="1.0" encoding="utf-8"?>
 <p:notes xmlns:a="http://schemas.openxmlformats.org/drawingml/2006/main" xmlns:r="http://schemas.openxmlformats.org/officeDocument/2006/relationships" xmlns:p="http://schemas.openxmlformats.org/presentationml/2006/main" showMasterSp="0" showMasterPhAnim="0">
   <p:cSld>
     <p:spTree>
@@ -3161,151 +3308,6 @@
     <p:extLst>
       <p:ext uri="{BB962C8B-B14F-4D97-AF65-F5344CB8AC3E}">
         <p14:creationId xmlns:p14="http://schemas.microsoft.com/office/powerpoint/2010/main" val="2339203056"/>
-      </p:ext>
-    </p:extLst>
-  </p:cSld>
-  <p:clrMapOvr>
-    <a:masterClrMapping/>
-  </p:clrMapOvr>
-</p:notes>
-</file>
-
-<file path=ppt/notesSlides/notesSlide24.xml><?xml version="1.0" encoding="utf-8"?>
-<p:notes xmlns:a="http://schemas.openxmlformats.org/drawingml/2006/main" xmlns:r="http://schemas.openxmlformats.org/officeDocument/2006/relationships" xmlns:p="http://schemas.openxmlformats.org/presentationml/2006/main" showMasterSp="0" showMasterPhAnim="0">
-  <p:cSld>
-    <p:spTree>
-      <p:nvGrpSpPr>
-        <p:cNvPr id="1" name="Shape 106">
-          <a:extLst>
-            <a:ext uri="{FF2B5EF4-FFF2-40B4-BE49-F238E27FC236}">
-              <a16:creationId xmlns:a16="http://schemas.microsoft.com/office/drawing/2014/main" id="{71C7A48F-6A46-D0B4-81F7-26094EE2524D}"/>
-            </a:ext>
-          </a:extLst>
-        </p:cNvPr>
-        <p:cNvGrpSpPr/>
-        <p:nvPr/>
-      </p:nvGrpSpPr>
-      <p:grpSpPr>
-        <a:xfrm>
-          <a:off x="0" y="0"/>
-          <a:ext cx="0" cy="0"/>
-          <a:chOff x="0" y="0"/>
-          <a:chExt cx="0" cy="0"/>
-        </a:xfrm>
-      </p:grpSpPr>
-      <p:sp>
-        <p:nvSpPr>
-          <p:cNvPr id="107" name="Google Shape;107;p3:notes">
-            <a:extLst>
-              <a:ext uri="{FF2B5EF4-FFF2-40B4-BE49-F238E27FC236}">
-                <a16:creationId xmlns:a16="http://schemas.microsoft.com/office/drawing/2014/main" id="{9EE17748-2915-F462-6222-865609042E26}"/>
-              </a:ext>
-            </a:extLst>
-          </p:cNvPr>
-          <p:cNvSpPr txBox="1">
-            <a:spLocks noGrp="1"/>
-          </p:cNvSpPr>
-          <p:nvPr>
-            <p:ph type="body" idx="1"/>
-          </p:nvPr>
-        </p:nvSpPr>
-        <p:spPr>
-          <a:xfrm>
-            <a:off x="685800" y="4343400"/>
-            <a:ext cx="5486400" cy="4114800"/>
-          </a:xfrm>
-          <a:prstGeom prst="rect">
-            <a:avLst/>
-          </a:prstGeom>
-          <a:noFill/>
-          <a:ln>
-            <a:noFill/>
-          </a:ln>
-        </p:spPr>
-        <p:txBody>
-          <a:bodyPr spcFirstLastPara="1" wrap="square" lIns="91425" tIns="91425" rIns="91425" bIns="91425" anchor="t" anchorCtr="0">
-            <a:noAutofit/>
-          </a:bodyPr>
-          <a:lstStyle/>
-          <a:p>
-            <a:pPr marL="0" lvl="0" indent="0" algn="l" rtl="0">
-              <a:lnSpc>
-                <a:spcPct val="100000"/>
-              </a:lnSpc>
-              <a:spcBef>
-                <a:spcPts val="0"/>
-              </a:spcBef>
-              <a:spcAft>
-                <a:spcPts val="0"/>
-              </a:spcAft>
-              <a:buSzPts val="1100"/>
-              <a:buNone/>
-            </a:pPr>
-            <a:endParaRPr/>
-          </a:p>
-        </p:txBody>
-      </p:sp>
-      <p:sp>
-        <p:nvSpPr>
-          <p:cNvPr id="108" name="Google Shape;108;p3:notes">
-            <a:extLst>
-              <a:ext uri="{FF2B5EF4-FFF2-40B4-BE49-F238E27FC236}">
-                <a16:creationId xmlns:a16="http://schemas.microsoft.com/office/drawing/2014/main" id="{4873FB6C-9F9E-55FE-4AF7-7139E49B5E9B}"/>
-              </a:ext>
-            </a:extLst>
-          </p:cNvPr>
-          <p:cNvSpPr>
-            <a:spLocks noGrp="1" noRot="1" noChangeAspect="1"/>
-          </p:cNvSpPr>
-          <p:nvPr>
-            <p:ph type="sldImg" idx="2"/>
-          </p:nvPr>
-        </p:nvSpPr>
-        <p:spPr>
-          <a:xfrm>
-            <a:off x="381000" y="685800"/>
-            <a:ext cx="6096000" cy="3429000"/>
-          </a:xfrm>
-          <a:custGeom>
-            <a:avLst/>
-            <a:gdLst/>
-            <a:ahLst/>
-            <a:cxnLst/>
-            <a:rect l="l" t="t" r="r" b="b"/>
-            <a:pathLst>
-              <a:path w="120000" h="120000" extrusionOk="0">
-                <a:moveTo>
-                  <a:pt x="0" y="0"/>
-                </a:moveTo>
-                <a:lnTo>
-                  <a:pt x="120000" y="0"/>
-                </a:lnTo>
-                <a:lnTo>
-                  <a:pt x="120000" y="120000"/>
-                </a:lnTo>
-                <a:lnTo>
-                  <a:pt x="0" y="120000"/>
-                </a:lnTo>
-                <a:close/>
-              </a:path>
-            </a:pathLst>
-          </a:custGeom>
-          <a:noFill/>
-          <a:ln w="9525" cap="flat" cmpd="sng">
-            <a:solidFill>
-              <a:srgbClr val="000000"/>
-            </a:solidFill>
-            <a:prstDash val="solid"/>
-            <a:round/>
-            <a:headEnd type="none" w="sm" len="sm"/>
-            <a:tailEnd type="none" w="sm" len="sm"/>
-          </a:ln>
-        </p:spPr>
-      </p:sp>
-    </p:spTree>
-    <p:extLst>
-      <p:ext uri="{BB962C8B-B14F-4D97-AF65-F5344CB8AC3E}">
-        <p14:creationId xmlns:p14="http://schemas.microsoft.com/office/powerpoint/2010/main" val="3940216139"/>
       </p:ext>
     </p:extLst>
   </p:cSld>
@@ -4483,7 +4485,7 @@
         <p:cNvPr id="1" name="Shape 106">
           <a:extLst>
             <a:ext uri="{FF2B5EF4-FFF2-40B4-BE49-F238E27FC236}">
-              <a16:creationId xmlns:a16="http://schemas.microsoft.com/office/drawing/2014/main" id="{71C7A48F-6A46-D0B4-81F7-26094EE2524D}"/>
+              <a16:creationId xmlns:a16="http://schemas.microsoft.com/office/drawing/2014/main" id="{363D1C68-E7CE-0CE7-F932-18237A2DF8E8}"/>
             </a:ext>
           </a:extLst>
         </p:cNvPr>
@@ -4503,7 +4505,7 @@
           <p:cNvPr id="107" name="Google Shape;107;p3:notes">
             <a:extLst>
               <a:ext uri="{FF2B5EF4-FFF2-40B4-BE49-F238E27FC236}">
-                <a16:creationId xmlns:a16="http://schemas.microsoft.com/office/drawing/2014/main" id="{9EE17748-2915-F462-6222-865609042E26}"/>
+                <a16:creationId xmlns:a16="http://schemas.microsoft.com/office/drawing/2014/main" id="{E01EEE23-BD1E-1561-B6D1-33FA588623D1}"/>
               </a:ext>
             </a:extLst>
           </p:cNvPr>
@@ -4555,7 +4557,7 @@
           <p:cNvPr id="108" name="Google Shape;108;p3:notes">
             <a:extLst>
               <a:ext uri="{FF2B5EF4-FFF2-40B4-BE49-F238E27FC236}">
-                <a16:creationId xmlns:a16="http://schemas.microsoft.com/office/drawing/2014/main" id="{4873FB6C-9F9E-55FE-4AF7-7139E49B5E9B}"/>
+                <a16:creationId xmlns:a16="http://schemas.microsoft.com/office/drawing/2014/main" id="{0F8E9A01-3D74-7330-54EA-E17CD5DC49F8}"/>
               </a:ext>
             </a:extLst>
           </p:cNvPr>
@@ -4610,7 +4612,7 @@
     </p:spTree>
     <p:extLst>
       <p:ext uri="{BB962C8B-B14F-4D97-AF65-F5344CB8AC3E}">
-        <p14:creationId xmlns:p14="http://schemas.microsoft.com/office/powerpoint/2010/main" val="3940216139"/>
+        <p14:creationId xmlns:p14="http://schemas.microsoft.com/office/powerpoint/2010/main" val="1090125331"/>
       </p:ext>
     </p:extLst>
   </p:cSld>
@@ -5350,10 +5352,10 @@
   <p:cSld>
     <p:spTree>
       <p:nvGrpSpPr>
-        <p:cNvPr id="1" name="Shape 120">
+        <p:cNvPr id="1" name="Shape 106">
           <a:extLst>
             <a:ext uri="{FF2B5EF4-FFF2-40B4-BE49-F238E27FC236}">
-              <a16:creationId xmlns:a16="http://schemas.microsoft.com/office/drawing/2014/main" id="{775BFBFE-CA47-7B51-232D-C4FB9A06BB8F}"/>
+              <a16:creationId xmlns:a16="http://schemas.microsoft.com/office/drawing/2014/main" id="{71C7A48F-6A46-D0B4-81F7-26094EE2524D}"/>
             </a:ext>
           </a:extLst>
         </p:cNvPr>
@@ -5370,10 +5372,10 @@
       </p:grpSpPr>
       <p:sp>
         <p:nvSpPr>
-          <p:cNvPr id="121" name="Google Shape;121;p2:notes">
+          <p:cNvPr id="107" name="Google Shape;107;p3:notes">
             <a:extLst>
               <a:ext uri="{FF2B5EF4-FFF2-40B4-BE49-F238E27FC236}">
-                <a16:creationId xmlns:a16="http://schemas.microsoft.com/office/drawing/2014/main" id="{2A8A8B37-316C-E64A-72AA-7CCC76984157}"/>
+                <a16:creationId xmlns:a16="http://schemas.microsoft.com/office/drawing/2014/main" id="{9EE17748-2915-F462-6222-865609042E26}"/>
               </a:ext>
             </a:extLst>
           </p:cNvPr>
@@ -5422,10 +5424,10 @@
       </p:sp>
       <p:sp>
         <p:nvSpPr>
-          <p:cNvPr id="122" name="Google Shape;122;p2:notes">
+          <p:cNvPr id="108" name="Google Shape;108;p3:notes">
             <a:extLst>
               <a:ext uri="{FF2B5EF4-FFF2-40B4-BE49-F238E27FC236}">
-                <a16:creationId xmlns:a16="http://schemas.microsoft.com/office/drawing/2014/main" id="{F26C5013-E24C-E192-F9EA-CB1C052A0FBB}"/>
+                <a16:creationId xmlns:a16="http://schemas.microsoft.com/office/drawing/2014/main" id="{4873FB6C-9F9E-55FE-4AF7-7139E49B5E9B}"/>
               </a:ext>
             </a:extLst>
           </p:cNvPr>
@@ -5480,7 +5482,7 @@
     </p:spTree>
     <p:extLst>
       <p:ext uri="{BB962C8B-B14F-4D97-AF65-F5344CB8AC3E}">
-        <p14:creationId xmlns:p14="http://schemas.microsoft.com/office/powerpoint/2010/main" val="1027264819"/>
+        <p14:creationId xmlns:p14="http://schemas.microsoft.com/office/powerpoint/2010/main" val="3940216139"/>
       </p:ext>
     </p:extLst>
   </p:cSld>
@@ -5495,10 +5497,10 @@
   <p:cSld>
     <p:spTree>
       <p:nvGrpSpPr>
-        <p:cNvPr id="1" name="Shape 120">
+        <p:cNvPr id="1" name="Shape 106">
           <a:extLst>
             <a:ext uri="{FF2B5EF4-FFF2-40B4-BE49-F238E27FC236}">
-              <a16:creationId xmlns:a16="http://schemas.microsoft.com/office/drawing/2014/main" id="{775BFBFE-CA47-7B51-232D-C4FB9A06BB8F}"/>
+              <a16:creationId xmlns:a16="http://schemas.microsoft.com/office/drawing/2014/main" id="{71C7A48F-6A46-D0B4-81F7-26094EE2524D}"/>
             </a:ext>
           </a:extLst>
         </p:cNvPr>
@@ -5515,10 +5517,10 @@
       </p:grpSpPr>
       <p:sp>
         <p:nvSpPr>
-          <p:cNvPr id="121" name="Google Shape;121;p2:notes">
+          <p:cNvPr id="107" name="Google Shape;107;p3:notes">
             <a:extLst>
               <a:ext uri="{FF2B5EF4-FFF2-40B4-BE49-F238E27FC236}">
-                <a16:creationId xmlns:a16="http://schemas.microsoft.com/office/drawing/2014/main" id="{2A8A8B37-316C-E64A-72AA-7CCC76984157}"/>
+                <a16:creationId xmlns:a16="http://schemas.microsoft.com/office/drawing/2014/main" id="{9EE17748-2915-F462-6222-865609042E26}"/>
               </a:ext>
             </a:extLst>
           </p:cNvPr>
@@ -5567,10 +5569,10 @@
       </p:sp>
       <p:sp>
         <p:nvSpPr>
-          <p:cNvPr id="122" name="Google Shape;122;p2:notes">
+          <p:cNvPr id="108" name="Google Shape;108;p3:notes">
             <a:extLst>
               <a:ext uri="{FF2B5EF4-FFF2-40B4-BE49-F238E27FC236}">
-                <a16:creationId xmlns:a16="http://schemas.microsoft.com/office/drawing/2014/main" id="{F26C5013-E24C-E192-F9EA-CB1C052A0FBB}"/>
+                <a16:creationId xmlns:a16="http://schemas.microsoft.com/office/drawing/2014/main" id="{4873FB6C-9F9E-55FE-4AF7-7139E49B5E9B}"/>
               </a:ext>
             </a:extLst>
           </p:cNvPr>
@@ -5625,7 +5627,7 @@
     </p:spTree>
     <p:extLst>
       <p:ext uri="{BB962C8B-B14F-4D97-AF65-F5344CB8AC3E}">
-        <p14:creationId xmlns:p14="http://schemas.microsoft.com/office/powerpoint/2010/main" val="1027264819"/>
+        <p14:creationId xmlns:p14="http://schemas.microsoft.com/office/powerpoint/2010/main" val="3940216139"/>
       </p:ext>
     </p:extLst>
   </p:cSld>
@@ -5781,6 +5783,296 @@
 </file>
 
 <file path=ppt/notesSlides/notesSlide40.xml><?xml version="1.0" encoding="utf-8"?>
+<p:notes xmlns:a="http://schemas.openxmlformats.org/drawingml/2006/main" xmlns:r="http://schemas.openxmlformats.org/officeDocument/2006/relationships" xmlns:p="http://schemas.openxmlformats.org/presentationml/2006/main" showMasterSp="0" showMasterPhAnim="0">
+  <p:cSld>
+    <p:spTree>
+      <p:nvGrpSpPr>
+        <p:cNvPr id="1" name="Shape 120">
+          <a:extLst>
+            <a:ext uri="{FF2B5EF4-FFF2-40B4-BE49-F238E27FC236}">
+              <a16:creationId xmlns:a16="http://schemas.microsoft.com/office/drawing/2014/main" id="{775BFBFE-CA47-7B51-232D-C4FB9A06BB8F}"/>
+            </a:ext>
+          </a:extLst>
+        </p:cNvPr>
+        <p:cNvGrpSpPr/>
+        <p:nvPr/>
+      </p:nvGrpSpPr>
+      <p:grpSpPr>
+        <a:xfrm>
+          <a:off x="0" y="0"/>
+          <a:ext cx="0" cy="0"/>
+          <a:chOff x="0" y="0"/>
+          <a:chExt cx="0" cy="0"/>
+        </a:xfrm>
+      </p:grpSpPr>
+      <p:sp>
+        <p:nvSpPr>
+          <p:cNvPr id="121" name="Google Shape;121;p2:notes">
+            <a:extLst>
+              <a:ext uri="{FF2B5EF4-FFF2-40B4-BE49-F238E27FC236}">
+                <a16:creationId xmlns:a16="http://schemas.microsoft.com/office/drawing/2014/main" id="{2A8A8B37-316C-E64A-72AA-7CCC76984157}"/>
+              </a:ext>
+            </a:extLst>
+          </p:cNvPr>
+          <p:cNvSpPr txBox="1">
+            <a:spLocks noGrp="1"/>
+          </p:cNvSpPr>
+          <p:nvPr>
+            <p:ph type="body" idx="1"/>
+          </p:nvPr>
+        </p:nvSpPr>
+        <p:spPr>
+          <a:xfrm>
+            <a:off x="685800" y="4343400"/>
+            <a:ext cx="5486400" cy="4114800"/>
+          </a:xfrm>
+          <a:prstGeom prst="rect">
+            <a:avLst/>
+          </a:prstGeom>
+          <a:noFill/>
+          <a:ln>
+            <a:noFill/>
+          </a:ln>
+        </p:spPr>
+        <p:txBody>
+          <a:bodyPr spcFirstLastPara="1" wrap="square" lIns="91425" tIns="91425" rIns="91425" bIns="91425" anchor="t" anchorCtr="0">
+            <a:noAutofit/>
+          </a:bodyPr>
+          <a:lstStyle/>
+          <a:p>
+            <a:pPr marL="0" lvl="0" indent="0" algn="l" rtl="0">
+              <a:lnSpc>
+                <a:spcPct val="100000"/>
+              </a:lnSpc>
+              <a:spcBef>
+                <a:spcPts val="0"/>
+              </a:spcBef>
+              <a:spcAft>
+                <a:spcPts val="0"/>
+              </a:spcAft>
+              <a:buSzPts val="1100"/>
+              <a:buNone/>
+            </a:pPr>
+            <a:endParaRPr/>
+          </a:p>
+        </p:txBody>
+      </p:sp>
+      <p:sp>
+        <p:nvSpPr>
+          <p:cNvPr id="122" name="Google Shape;122;p2:notes">
+            <a:extLst>
+              <a:ext uri="{FF2B5EF4-FFF2-40B4-BE49-F238E27FC236}">
+                <a16:creationId xmlns:a16="http://schemas.microsoft.com/office/drawing/2014/main" id="{F26C5013-E24C-E192-F9EA-CB1C052A0FBB}"/>
+              </a:ext>
+            </a:extLst>
+          </p:cNvPr>
+          <p:cNvSpPr>
+            <a:spLocks noGrp="1" noRot="1" noChangeAspect="1"/>
+          </p:cNvSpPr>
+          <p:nvPr>
+            <p:ph type="sldImg" idx="2"/>
+          </p:nvPr>
+        </p:nvSpPr>
+        <p:spPr>
+          <a:xfrm>
+            <a:off x="381000" y="685800"/>
+            <a:ext cx="6096000" cy="3429000"/>
+          </a:xfrm>
+          <a:custGeom>
+            <a:avLst/>
+            <a:gdLst/>
+            <a:ahLst/>
+            <a:cxnLst/>
+            <a:rect l="l" t="t" r="r" b="b"/>
+            <a:pathLst>
+              <a:path w="120000" h="120000" extrusionOk="0">
+                <a:moveTo>
+                  <a:pt x="0" y="0"/>
+                </a:moveTo>
+                <a:lnTo>
+                  <a:pt x="120000" y="0"/>
+                </a:lnTo>
+                <a:lnTo>
+                  <a:pt x="120000" y="120000"/>
+                </a:lnTo>
+                <a:lnTo>
+                  <a:pt x="0" y="120000"/>
+                </a:lnTo>
+                <a:close/>
+              </a:path>
+            </a:pathLst>
+          </a:custGeom>
+          <a:noFill/>
+          <a:ln w="9525" cap="flat" cmpd="sng">
+            <a:solidFill>
+              <a:srgbClr val="000000"/>
+            </a:solidFill>
+            <a:prstDash val="solid"/>
+            <a:round/>
+            <a:headEnd type="none" w="sm" len="sm"/>
+            <a:tailEnd type="none" w="sm" len="sm"/>
+          </a:ln>
+        </p:spPr>
+      </p:sp>
+    </p:spTree>
+    <p:extLst>
+      <p:ext uri="{BB962C8B-B14F-4D97-AF65-F5344CB8AC3E}">
+        <p14:creationId xmlns:p14="http://schemas.microsoft.com/office/powerpoint/2010/main" val="1027264819"/>
+      </p:ext>
+    </p:extLst>
+  </p:cSld>
+  <p:clrMapOvr>
+    <a:masterClrMapping/>
+  </p:clrMapOvr>
+</p:notes>
+</file>
+
+<file path=ppt/notesSlides/notesSlide41.xml><?xml version="1.0" encoding="utf-8"?>
+<p:notes xmlns:a="http://schemas.openxmlformats.org/drawingml/2006/main" xmlns:r="http://schemas.openxmlformats.org/officeDocument/2006/relationships" xmlns:p="http://schemas.openxmlformats.org/presentationml/2006/main" showMasterSp="0" showMasterPhAnim="0">
+  <p:cSld>
+    <p:spTree>
+      <p:nvGrpSpPr>
+        <p:cNvPr id="1" name="Shape 120">
+          <a:extLst>
+            <a:ext uri="{FF2B5EF4-FFF2-40B4-BE49-F238E27FC236}">
+              <a16:creationId xmlns:a16="http://schemas.microsoft.com/office/drawing/2014/main" id="{775BFBFE-CA47-7B51-232D-C4FB9A06BB8F}"/>
+            </a:ext>
+          </a:extLst>
+        </p:cNvPr>
+        <p:cNvGrpSpPr/>
+        <p:nvPr/>
+      </p:nvGrpSpPr>
+      <p:grpSpPr>
+        <a:xfrm>
+          <a:off x="0" y="0"/>
+          <a:ext cx="0" cy="0"/>
+          <a:chOff x="0" y="0"/>
+          <a:chExt cx="0" cy="0"/>
+        </a:xfrm>
+      </p:grpSpPr>
+      <p:sp>
+        <p:nvSpPr>
+          <p:cNvPr id="121" name="Google Shape;121;p2:notes">
+            <a:extLst>
+              <a:ext uri="{FF2B5EF4-FFF2-40B4-BE49-F238E27FC236}">
+                <a16:creationId xmlns:a16="http://schemas.microsoft.com/office/drawing/2014/main" id="{2A8A8B37-316C-E64A-72AA-7CCC76984157}"/>
+              </a:ext>
+            </a:extLst>
+          </p:cNvPr>
+          <p:cNvSpPr txBox="1">
+            <a:spLocks noGrp="1"/>
+          </p:cNvSpPr>
+          <p:nvPr>
+            <p:ph type="body" idx="1"/>
+          </p:nvPr>
+        </p:nvSpPr>
+        <p:spPr>
+          <a:xfrm>
+            <a:off x="685800" y="4343400"/>
+            <a:ext cx="5486400" cy="4114800"/>
+          </a:xfrm>
+          <a:prstGeom prst="rect">
+            <a:avLst/>
+          </a:prstGeom>
+          <a:noFill/>
+          <a:ln>
+            <a:noFill/>
+          </a:ln>
+        </p:spPr>
+        <p:txBody>
+          <a:bodyPr spcFirstLastPara="1" wrap="square" lIns="91425" tIns="91425" rIns="91425" bIns="91425" anchor="t" anchorCtr="0">
+            <a:noAutofit/>
+          </a:bodyPr>
+          <a:lstStyle/>
+          <a:p>
+            <a:pPr marL="0" lvl="0" indent="0" algn="l" rtl="0">
+              <a:lnSpc>
+                <a:spcPct val="100000"/>
+              </a:lnSpc>
+              <a:spcBef>
+                <a:spcPts val="0"/>
+              </a:spcBef>
+              <a:spcAft>
+                <a:spcPts val="0"/>
+              </a:spcAft>
+              <a:buSzPts val="1100"/>
+              <a:buNone/>
+            </a:pPr>
+            <a:endParaRPr/>
+          </a:p>
+        </p:txBody>
+      </p:sp>
+      <p:sp>
+        <p:nvSpPr>
+          <p:cNvPr id="122" name="Google Shape;122;p2:notes">
+            <a:extLst>
+              <a:ext uri="{FF2B5EF4-FFF2-40B4-BE49-F238E27FC236}">
+                <a16:creationId xmlns:a16="http://schemas.microsoft.com/office/drawing/2014/main" id="{F26C5013-E24C-E192-F9EA-CB1C052A0FBB}"/>
+              </a:ext>
+            </a:extLst>
+          </p:cNvPr>
+          <p:cNvSpPr>
+            <a:spLocks noGrp="1" noRot="1" noChangeAspect="1"/>
+          </p:cNvSpPr>
+          <p:nvPr>
+            <p:ph type="sldImg" idx="2"/>
+          </p:nvPr>
+        </p:nvSpPr>
+        <p:spPr>
+          <a:xfrm>
+            <a:off x="381000" y="685800"/>
+            <a:ext cx="6096000" cy="3429000"/>
+          </a:xfrm>
+          <a:custGeom>
+            <a:avLst/>
+            <a:gdLst/>
+            <a:ahLst/>
+            <a:cxnLst/>
+            <a:rect l="l" t="t" r="r" b="b"/>
+            <a:pathLst>
+              <a:path w="120000" h="120000" extrusionOk="0">
+                <a:moveTo>
+                  <a:pt x="0" y="0"/>
+                </a:moveTo>
+                <a:lnTo>
+                  <a:pt x="120000" y="0"/>
+                </a:lnTo>
+                <a:lnTo>
+                  <a:pt x="120000" y="120000"/>
+                </a:lnTo>
+                <a:lnTo>
+                  <a:pt x="0" y="120000"/>
+                </a:lnTo>
+                <a:close/>
+              </a:path>
+            </a:pathLst>
+          </a:custGeom>
+          <a:noFill/>
+          <a:ln w="9525" cap="flat" cmpd="sng">
+            <a:solidFill>
+              <a:srgbClr val="000000"/>
+            </a:solidFill>
+            <a:prstDash val="solid"/>
+            <a:round/>
+            <a:headEnd type="none" w="sm" len="sm"/>
+            <a:tailEnd type="none" w="sm" len="sm"/>
+          </a:ln>
+        </p:spPr>
+      </p:sp>
+    </p:spTree>
+    <p:extLst>
+      <p:ext uri="{BB962C8B-B14F-4D97-AF65-F5344CB8AC3E}">
+        <p14:creationId xmlns:p14="http://schemas.microsoft.com/office/powerpoint/2010/main" val="1027264819"/>
+      </p:ext>
+    </p:extLst>
+  </p:cSld>
+  <p:clrMapOvr>
+    <a:masterClrMapping/>
+  </p:clrMapOvr>
+</p:notes>
+</file>
+
+<file path=ppt/notesSlides/notesSlide42.xml><?xml version="1.0" encoding="utf-8"?>
 <p:notes xmlns:a="http://schemas.openxmlformats.org/drawingml/2006/main" xmlns:r="http://schemas.openxmlformats.org/officeDocument/2006/relationships" xmlns:p="http://schemas.openxmlformats.org/presentationml/2006/main" showMasterSp="0" showMasterPhAnim="0">
   <p:cSld>
     <p:spTree>
@@ -21210,7 +21502,7 @@
         <p:cNvPr id="1" name="Shape 109">
           <a:extLst>
             <a:ext uri="{FF2B5EF4-FFF2-40B4-BE49-F238E27FC236}">
-              <a16:creationId xmlns:a16="http://schemas.microsoft.com/office/drawing/2014/main" id="{B389B3BA-4E13-968B-916E-38B6AABC0E16}"/>
+              <a16:creationId xmlns:a16="http://schemas.microsoft.com/office/drawing/2014/main" id="{B54289F1-1B12-16FC-FA69-A4650F400183}"/>
             </a:ext>
           </a:extLst>
         </p:cNvPr>
@@ -21230,7 +21522,7 @@
           <p:cNvPr id="110" name="Google Shape;110;p3">
             <a:extLst>
               <a:ext uri="{FF2B5EF4-FFF2-40B4-BE49-F238E27FC236}">
-                <a16:creationId xmlns:a16="http://schemas.microsoft.com/office/drawing/2014/main" id="{AA2246B3-32A9-C0A8-4C2F-97264CD690F9}"/>
+                <a16:creationId xmlns:a16="http://schemas.microsoft.com/office/drawing/2014/main" id="{C5558CAC-7762-4CCD-0A99-5DCE819D4AE5}"/>
               </a:ext>
             </a:extLst>
           </p:cNvPr>
@@ -21243,8 +21535,8 @@
         </p:nvSpPr>
         <p:spPr>
           <a:xfrm>
-            <a:off x="3917755" y="171005"/>
-            <a:ext cx="4482501" cy="1325400"/>
+            <a:off x="1127448" y="1961495"/>
+            <a:ext cx="9577064" cy="1325400"/>
           </a:xfrm>
           <a:prstGeom prst="rect">
             <a:avLst/>
@@ -21269,7 +21561,7 @@
                 <a:ea typeface="Calibri" pitchFamily="34" charset="0"/>
                 <a:cs typeface="Calibri" pitchFamily="34" charset="0"/>
               </a:rPr>
-              <a:t>Stage 1: Baseline Transfer Learning</a:t>
+              <a:t>Methodology and Implementation:</a:t>
             </a:r>
           </a:p>
         </p:txBody>
@@ -21279,7 +21571,7 @@
           <p:cNvPr id="112" name="Google Shape;112;p3">
             <a:extLst>
               <a:ext uri="{FF2B5EF4-FFF2-40B4-BE49-F238E27FC236}">
-                <a16:creationId xmlns:a16="http://schemas.microsoft.com/office/drawing/2014/main" id="{F28BD3D4-4FA0-19F2-8940-5FE607807201}"/>
+                <a16:creationId xmlns:a16="http://schemas.microsoft.com/office/drawing/2014/main" id="{1BB27637-8415-D3A6-6E06-8147F4F76B93}"/>
               </a:ext>
             </a:extLst>
           </p:cNvPr>
@@ -21340,126 +21632,50 @@
       </p:sp>
       <p:sp>
         <p:nvSpPr>
-          <p:cNvPr id="6" name="Text Placeholder 5">
+          <p:cNvPr id="3" name="TextBox 2">
             <a:extLst>
               <a:ext uri="{FF2B5EF4-FFF2-40B4-BE49-F238E27FC236}">
-                <a16:creationId xmlns:a16="http://schemas.microsoft.com/office/drawing/2014/main" id="{D9F22D81-8FFA-E402-5302-2B7D4E855C23}"/>
+                <a16:creationId xmlns:a16="http://schemas.microsoft.com/office/drawing/2014/main" id="{EFD2A641-766B-5D96-8F61-E6FD8B84E462}"/>
               </a:ext>
             </a:extLst>
           </p:cNvPr>
-          <p:cNvSpPr>
-            <a:spLocks noGrp="1" noChangeArrowheads="1"/>
-          </p:cNvSpPr>
-          <p:nvPr>
-            <p:ph type="body" idx="1"/>
-          </p:nvPr>
+          <p:cNvSpPr txBox="1"/>
+          <p:nvPr/>
         </p:nvSpPr>
-        <p:spPr bwMode="auto">
+        <p:spPr>
           <a:xfrm>
-            <a:off x="69450" y="1412776"/>
-            <a:ext cx="12053095" cy="4611519"/>
+            <a:off x="3359696" y="3133006"/>
+            <a:ext cx="6117996" cy="307777"/>
           </a:xfrm>
           <a:prstGeom prst="rect">
             <a:avLst/>
           </a:prstGeom>
           <a:noFill/>
-          <a:ln>
-            <a:noFill/>
-          </a:ln>
-          <a:effectLst/>
-          <a:extLst>
-            <a:ext uri="{909E8E84-426E-40DD-AFC4-6F175D3DCCD1}">
-              <a14:hiddenFill xmlns:a14="http://schemas.microsoft.com/office/drawing/2010/main">
-                <a:solidFill>
-                  <a:schemeClr val="accent1"/>
-                </a:solidFill>
-              </a14:hiddenFill>
-            </a:ext>
-            <a:ext uri="{91240B29-F687-4F45-9708-019B960494DF}">
-              <a14:hiddenLine xmlns:a14="http://schemas.microsoft.com/office/drawing/2010/main" w="9525">
-                <a:solidFill>
-                  <a:schemeClr val="tx1"/>
-                </a:solidFill>
-                <a:miter lim="800000"/>
-                <a:headEnd/>
-                <a:tailEnd/>
-              </a14:hiddenLine>
-            </a:ext>
-            <a:ext uri="{AF507438-7753-43E0-B8FC-AC1667EBCBE1}">
-              <a14:hiddenEffects xmlns:a14="http://schemas.microsoft.com/office/drawing/2010/main">
-                <a:effectLst>
-                  <a:outerShdw dist="35921" dir="2700000" algn="ctr" rotWithShape="0">
-                    <a:schemeClr val="bg2"/>
-                  </a:outerShdw>
-                </a:effectLst>
-              </a14:hiddenEffects>
-            </a:ext>
-          </a:extLst>
         </p:spPr>
         <p:txBody>
-          <a:bodyPr vert="horz" wrap="square" lIns="91440" tIns="45720" rIns="91440" bIns="45720" numCol="1" anchor="ctr" anchorCtr="0" compatLnSpc="1">
-            <a:prstTxWarp prst="textNoShape">
-              <a:avLst/>
-            </a:prstTxWarp>
+          <a:bodyPr wrap="square">
             <a:spAutoFit/>
           </a:bodyPr>
           <a:lstStyle/>
           <a:p>
             <a:r>
-              <a:rPr lang="en-US" dirty="0" err="1"/>
-              <a:t>Pretrained</a:t>
-            </a:r>
-            <a:r>
-              <a:rPr lang="en-US" dirty="0"/>
-              <a:t> ImageNet models were used to quickly generate a baseline for wildfire detection performance.</a:t>
-            </a:r>
-          </a:p>
-          <a:p>
-            <a:r>
-              <a:rPr lang="en-US" dirty="0"/>
-              <a:t>Convolution layers were </a:t>
-            </a:r>
-            <a:r>
-              <a:rPr lang="en-US" b="1" dirty="0"/>
-              <a:t>frozen</a:t>
-            </a:r>
-            <a:r>
-              <a:rPr lang="en-US" dirty="0"/>
-              <a:t>, and only the final classification head was trained.</a:t>
-            </a:r>
-          </a:p>
-          <a:p>
-            <a:r>
-              <a:rPr lang="en-US" dirty="0"/>
-              <a:t>The goal was to reuse general visual features like edges, textures, and shapes learned from large-scale datasets.</a:t>
-            </a:r>
-          </a:p>
-          <a:p>
-            <a:r>
-              <a:rPr lang="en-US" dirty="0"/>
-              <a:t>This stage tested how well generic ImageNet knowledge transfers to fire, smoke, and forest scene images.</a:t>
-            </a:r>
-          </a:p>
-          <a:p>
-            <a:r>
-              <a:rPr lang="en-US" dirty="0"/>
-              <a:t>Models evaluated in this stage included </a:t>
-            </a:r>
-            <a:r>
-              <a:rPr lang="en-US" b="1" dirty="0"/>
-              <a:t>VGG16, VGG19, ResNet50, ResNet50V2, EfficientNetB0, and MobileNetV3 (Small &amp; Large)</a:t>
-            </a:r>
-            <a:r>
-              <a:rPr lang="en-US" dirty="0"/>
-              <a:t>.</a:t>
-            </a:r>
+              <a:rPr lang="en-IN" dirty="0"/>
+              <a:t>Github Link: </a:t>
+            </a:r>
+            <a:r>
+              <a:rPr lang="en-IN" dirty="0">
+                <a:hlinkClick r:id="rId3"/>
+              </a:rPr>
+              <a:t>https://github.com/hk151109/Honours_mini_project</a:t>
+            </a:r>
+            <a:endParaRPr lang="en-IN" dirty="0"/>
           </a:p>
         </p:txBody>
       </p:sp>
     </p:spTree>
     <p:extLst>
       <p:ext uri="{BB962C8B-B14F-4D97-AF65-F5344CB8AC3E}">
-        <p14:creationId xmlns:p14="http://schemas.microsoft.com/office/powerpoint/2010/main" val="9751453"/>
+        <p14:creationId xmlns:p14="http://schemas.microsoft.com/office/powerpoint/2010/main" val="3621308359"/>
       </p:ext>
     </p:extLst>
   </p:cSld>
@@ -21536,7 +21752,7 @@
                 <a:ea typeface="Calibri" pitchFamily="34" charset="0"/>
                 <a:cs typeface="Calibri" pitchFamily="34" charset="0"/>
               </a:rPr>
-              <a:t>Stage 1: Observations</a:t>
+              <a:t>Stage 1: Baseline Transfer Learning</a:t>
             </a:r>
           </a:p>
         </p:txBody>
@@ -21673,48 +21889,52 @@
           <a:lstStyle/>
           <a:p>
             <a:r>
+              <a:rPr lang="en-US" dirty="0" err="1"/>
+              <a:t>Pretrained</a:t>
+            </a:r>
+            <a:r>
               <a:rPr lang="en-US" dirty="0"/>
-              <a:t>Transfer learning alone proved insufficient for capturing the complex appearance of smoke and flames.</a:t>
+              <a:t> ImageNet models were used to quickly generate a baseline for wildfire detection performance.</a:t>
             </a:r>
           </a:p>
           <a:p>
             <a:r>
               <a:rPr lang="en-US" dirty="0"/>
-              <a:t>Most models achieved </a:t>
+              <a:t>Convolution layers were </a:t>
             </a:r>
             <a:r>
               <a:rPr lang="en-US" b="1" dirty="0"/>
-              <a:t>less than 96% accuracy</a:t>
+              <a:t>frozen</a:t>
             </a:r>
             <a:r>
               <a:rPr lang="en-US" dirty="0"/>
-              <a:t>, indicating limited specialization.</a:t>
+              <a:t>, and only the final classification head was trained.</a:t>
             </a:r>
           </a:p>
           <a:p>
             <a:r>
               <a:rPr lang="en-US" dirty="0"/>
-              <a:t>ImageNet-learned filters struggled with wildfire-specific variations like smoke density and irregular flame shapes.</a:t>
+              <a:t>The goal was to reuse general visual features like edges, textures, and shapes learned from large-scale datasets.</a:t>
             </a:r>
           </a:p>
           <a:p>
             <a:r>
               <a:rPr lang="en-US" dirty="0"/>
-              <a:t>Lightweight architectures showed frequent misclassifications due to similar-looking elements like fog, clouds, and glare.</a:t>
+              <a:t>This stage tested how well generic ImageNet knowledge transfers to fire, smoke, and forest scene images.</a:t>
             </a:r>
           </a:p>
           <a:p>
             <a:r>
               <a:rPr lang="en-US" dirty="0"/>
-              <a:t>These results highlighted the need for </a:t>
+              <a:t>Models evaluated in this stage included </a:t>
             </a:r>
             <a:r>
               <a:rPr lang="en-US" b="1" dirty="0"/>
-              <a:t>fine-tuning</a:t>
+              <a:t>VGG16, VGG19, ResNet50, ResNet50V2, EfficientNetB0, and MobileNetV3 (Small &amp; Large)</a:t>
             </a:r>
             <a:r>
               <a:rPr lang="en-US" dirty="0"/>
-              <a:t> and more specialized training in the following stages.</a:t>
+              <a:t>.</a:t>
             </a:r>
           </a:p>
         </p:txBody>
@@ -21722,7 +21942,7 @@
     </p:spTree>
     <p:extLst>
       <p:ext uri="{BB962C8B-B14F-4D97-AF65-F5344CB8AC3E}">
-        <p14:creationId xmlns:p14="http://schemas.microsoft.com/office/powerpoint/2010/main" val="2819807769"/>
+        <p14:creationId xmlns:p14="http://schemas.microsoft.com/office/powerpoint/2010/main" val="9751453"/>
       </p:ext>
     </p:extLst>
   </p:cSld>
@@ -21799,7 +22019,7 @@
                 <a:ea typeface="Calibri" pitchFamily="34" charset="0"/>
                 <a:cs typeface="Calibri" pitchFamily="34" charset="0"/>
               </a:rPr>
-              <a:t>Stage 2: Fine-Tuning Process</a:t>
+              <a:t>Stage 1: Observations</a:t>
             </a:r>
           </a:p>
         </p:txBody>
@@ -21937,63 +22157,47 @@
           <a:p>
             <a:r>
               <a:rPr lang="en-US" dirty="0"/>
-              <a:t>Based on Stage 1 results, the top three performers — </a:t>
-            </a:r>
-            <a:r>
-              <a:rPr lang="en-US" b="1" dirty="0"/>
-              <a:t>VGG16, VGG19, and ResNet50V2</a:t>
-            </a:r>
-            <a:r>
-              <a:rPr lang="en-US" dirty="0"/>
-              <a:t> — were selected for deeper training.</a:t>
+              <a:t>Transfer learning alone proved insufficient for capturing the complex appearance of smoke and flames.</a:t>
             </a:r>
           </a:p>
           <a:p>
             <a:r>
               <a:rPr lang="en-US" dirty="0"/>
-              <a:t>The </a:t>
+              <a:t>Most models achieved </a:t>
             </a:r>
             <a:r>
               <a:rPr lang="en-US" b="1" dirty="0"/>
-              <a:t>top 20 layers of each model were unfrozen</a:t>
+              <a:t>less than 96% accuracy</a:t>
             </a:r>
             <a:r>
               <a:rPr lang="en-US" dirty="0"/>
-              <a:t>, allowing the network to learn wildfire-specific visual patterns.</a:t>
+              <a:t>, indicating limited specialization.</a:t>
             </a:r>
           </a:p>
           <a:p>
             <a:r>
               <a:rPr lang="en-US" dirty="0"/>
-              <a:t>Fine-tuning helped the models adapt deeper filters to recognize </a:t>
-            </a:r>
-            <a:r>
-              <a:rPr lang="en-US" b="1" dirty="0"/>
-              <a:t>smoke gradients, flame color variations, and subtle texture distortions</a:t>
-            </a:r>
-            <a:r>
-              <a:rPr lang="en-US" dirty="0"/>
-              <a:t>.</a:t>
+              <a:t>ImageNet-learned filters struggled with wildfire-specific variations like smoke density and irregular flame shapes.</a:t>
             </a:r>
           </a:p>
           <a:p>
             <a:r>
               <a:rPr lang="en-US" dirty="0"/>
-              <a:t>This process significantly improved the model’s ability to specialize in wildfire scenarios rather than relying only on generic ImageNet features.</a:t>
+              <a:t>Lightweight architectures showed frequent misclassifications due to similar-looking elements like fog, clouds, and glare.</a:t>
             </a:r>
           </a:p>
           <a:p>
             <a:r>
               <a:rPr lang="en-US" dirty="0"/>
-              <a:t>A </a:t>
+              <a:t>These results highlighted the need for </a:t>
             </a:r>
             <a:r>
               <a:rPr lang="en-US" b="1" dirty="0"/>
-              <a:t>lower learning rate</a:t>
+              <a:t>fine-tuning</a:t>
             </a:r>
             <a:r>
               <a:rPr lang="en-US" dirty="0"/>
-              <a:t> was used to prevent catastrophic forgetting and ensure stable, controlled updating of deeper layers.	</a:t>
+              <a:t> and more specialized training in the following stages.</a:t>
             </a:r>
           </a:p>
         </p:txBody>
@@ -22001,7 +22205,7 @@
     </p:spTree>
     <p:extLst>
       <p:ext uri="{BB962C8B-B14F-4D97-AF65-F5344CB8AC3E}">
-        <p14:creationId xmlns:p14="http://schemas.microsoft.com/office/powerpoint/2010/main" val="1971552232"/>
+        <p14:creationId xmlns:p14="http://schemas.microsoft.com/office/powerpoint/2010/main" val="2819807769"/>
       </p:ext>
     </p:extLst>
   </p:cSld>
@@ -22078,7 +22282,7 @@
                 <a:ea typeface="Calibri" pitchFamily="34" charset="0"/>
                 <a:cs typeface="Calibri" pitchFamily="34" charset="0"/>
               </a:rPr>
-              <a:t>Stage 2: Impact</a:t>
+              <a:t>Stage 2: Fine-Tuning Process</a:t>
             </a:r>
           </a:p>
         </p:txBody>
@@ -22138,6 +22342,285 @@
                 </a:solidFill>
               </a:rPr>
               <a:t>16</a:t>
+            </a:fld>
+            <a:endParaRPr>
+              <a:solidFill>
+                <a:schemeClr val="lt1"/>
+              </a:solidFill>
+            </a:endParaRPr>
+          </a:p>
+        </p:txBody>
+      </p:sp>
+      <p:sp>
+        <p:nvSpPr>
+          <p:cNvPr id="6" name="Text Placeholder 5">
+            <a:extLst>
+              <a:ext uri="{FF2B5EF4-FFF2-40B4-BE49-F238E27FC236}">
+                <a16:creationId xmlns:a16="http://schemas.microsoft.com/office/drawing/2014/main" id="{D9F22D81-8FFA-E402-5302-2B7D4E855C23}"/>
+              </a:ext>
+            </a:extLst>
+          </p:cNvPr>
+          <p:cNvSpPr>
+            <a:spLocks noGrp="1" noChangeArrowheads="1"/>
+          </p:cNvSpPr>
+          <p:nvPr>
+            <p:ph type="body" idx="1"/>
+          </p:nvPr>
+        </p:nvSpPr>
+        <p:spPr bwMode="auto">
+          <a:xfrm>
+            <a:off x="69450" y="1412776"/>
+            <a:ext cx="12053095" cy="4611519"/>
+          </a:xfrm>
+          <a:prstGeom prst="rect">
+            <a:avLst/>
+          </a:prstGeom>
+          <a:noFill/>
+          <a:ln>
+            <a:noFill/>
+          </a:ln>
+          <a:effectLst/>
+          <a:extLst>
+            <a:ext uri="{909E8E84-426E-40DD-AFC4-6F175D3DCCD1}">
+              <a14:hiddenFill xmlns:a14="http://schemas.microsoft.com/office/drawing/2010/main">
+                <a:solidFill>
+                  <a:schemeClr val="accent1"/>
+                </a:solidFill>
+              </a14:hiddenFill>
+            </a:ext>
+            <a:ext uri="{91240B29-F687-4F45-9708-019B960494DF}">
+              <a14:hiddenLine xmlns:a14="http://schemas.microsoft.com/office/drawing/2010/main" w="9525">
+                <a:solidFill>
+                  <a:schemeClr val="tx1"/>
+                </a:solidFill>
+                <a:miter lim="800000"/>
+                <a:headEnd/>
+                <a:tailEnd/>
+              </a14:hiddenLine>
+            </a:ext>
+            <a:ext uri="{AF507438-7753-43E0-B8FC-AC1667EBCBE1}">
+              <a14:hiddenEffects xmlns:a14="http://schemas.microsoft.com/office/drawing/2010/main">
+                <a:effectLst>
+                  <a:outerShdw dist="35921" dir="2700000" algn="ctr" rotWithShape="0">
+                    <a:schemeClr val="bg2"/>
+                  </a:outerShdw>
+                </a:effectLst>
+              </a14:hiddenEffects>
+            </a:ext>
+          </a:extLst>
+        </p:spPr>
+        <p:txBody>
+          <a:bodyPr vert="horz" wrap="square" lIns="91440" tIns="45720" rIns="91440" bIns="45720" numCol="1" anchor="ctr" anchorCtr="0" compatLnSpc="1">
+            <a:prstTxWarp prst="textNoShape">
+              <a:avLst/>
+            </a:prstTxWarp>
+            <a:spAutoFit/>
+          </a:bodyPr>
+          <a:lstStyle/>
+          <a:p>
+            <a:r>
+              <a:rPr lang="en-US" dirty="0"/>
+              <a:t>Based on Stage 1 results, the top three performers — </a:t>
+            </a:r>
+            <a:r>
+              <a:rPr lang="en-US" b="1" dirty="0"/>
+              <a:t>VGG16, VGG19, and ResNet50V2</a:t>
+            </a:r>
+            <a:r>
+              <a:rPr lang="en-US" dirty="0"/>
+              <a:t> — were selected for deeper training.</a:t>
+            </a:r>
+          </a:p>
+          <a:p>
+            <a:r>
+              <a:rPr lang="en-US" dirty="0"/>
+              <a:t>The </a:t>
+            </a:r>
+            <a:r>
+              <a:rPr lang="en-US" b="1" dirty="0"/>
+              <a:t>top 20 layers of each model were unfrozen</a:t>
+            </a:r>
+            <a:r>
+              <a:rPr lang="en-US" dirty="0"/>
+              <a:t>, allowing the network to learn wildfire-specific visual patterns.</a:t>
+            </a:r>
+          </a:p>
+          <a:p>
+            <a:r>
+              <a:rPr lang="en-US" dirty="0"/>
+              <a:t>Fine-tuning helped the models adapt deeper filters to recognize </a:t>
+            </a:r>
+            <a:r>
+              <a:rPr lang="en-US" b="1" dirty="0"/>
+              <a:t>smoke gradients, flame color variations, and subtle texture distortions</a:t>
+            </a:r>
+            <a:r>
+              <a:rPr lang="en-US" dirty="0"/>
+              <a:t>.</a:t>
+            </a:r>
+          </a:p>
+          <a:p>
+            <a:r>
+              <a:rPr lang="en-US" dirty="0"/>
+              <a:t>This process significantly improved the model’s ability to specialize in wildfire scenarios rather than relying only on generic ImageNet features.</a:t>
+            </a:r>
+          </a:p>
+          <a:p>
+            <a:r>
+              <a:rPr lang="en-US" dirty="0"/>
+              <a:t>A </a:t>
+            </a:r>
+            <a:r>
+              <a:rPr lang="en-US" b="1" dirty="0"/>
+              <a:t>lower learning rate</a:t>
+            </a:r>
+            <a:r>
+              <a:rPr lang="en-US" dirty="0"/>
+              <a:t> was used to prevent catastrophic forgetting and ensure stable, controlled updating of deeper layers.	</a:t>
+            </a:r>
+          </a:p>
+        </p:txBody>
+      </p:sp>
+    </p:spTree>
+    <p:extLst>
+      <p:ext uri="{BB962C8B-B14F-4D97-AF65-F5344CB8AC3E}">
+        <p14:creationId xmlns:p14="http://schemas.microsoft.com/office/powerpoint/2010/main" val="1971552232"/>
+      </p:ext>
+    </p:extLst>
+  </p:cSld>
+  <p:clrMapOvr>
+    <a:masterClrMapping/>
+  </p:clrMapOvr>
+</p:sld>
+</file>
+
+<file path=ppt/slides/slide17.xml><?xml version="1.0" encoding="utf-8"?>
+<p:sld xmlns:a="http://schemas.openxmlformats.org/drawingml/2006/main" xmlns:r="http://schemas.openxmlformats.org/officeDocument/2006/relationships" xmlns:p="http://schemas.openxmlformats.org/presentationml/2006/main">
+  <p:cSld>
+    <p:spTree>
+      <p:nvGrpSpPr>
+        <p:cNvPr id="1" name="Shape 109">
+          <a:extLst>
+            <a:ext uri="{FF2B5EF4-FFF2-40B4-BE49-F238E27FC236}">
+              <a16:creationId xmlns:a16="http://schemas.microsoft.com/office/drawing/2014/main" id="{B389B3BA-4E13-968B-916E-38B6AABC0E16}"/>
+            </a:ext>
+          </a:extLst>
+        </p:cNvPr>
+        <p:cNvGrpSpPr/>
+        <p:nvPr/>
+      </p:nvGrpSpPr>
+      <p:grpSpPr>
+        <a:xfrm>
+          <a:off x="0" y="0"/>
+          <a:ext cx="0" cy="0"/>
+          <a:chOff x="0" y="0"/>
+          <a:chExt cx="0" cy="0"/>
+        </a:xfrm>
+      </p:grpSpPr>
+      <p:sp>
+        <p:nvSpPr>
+          <p:cNvPr id="110" name="Google Shape;110;p3">
+            <a:extLst>
+              <a:ext uri="{FF2B5EF4-FFF2-40B4-BE49-F238E27FC236}">
+                <a16:creationId xmlns:a16="http://schemas.microsoft.com/office/drawing/2014/main" id="{AA2246B3-32A9-C0A8-4C2F-97264CD690F9}"/>
+              </a:ext>
+            </a:extLst>
+          </p:cNvPr>
+          <p:cNvSpPr txBox="1">
+            <a:spLocks noGrp="1"/>
+          </p:cNvSpPr>
+          <p:nvPr>
+            <p:ph type="title"/>
+          </p:nvPr>
+        </p:nvSpPr>
+        <p:spPr>
+          <a:xfrm>
+            <a:off x="3917755" y="171005"/>
+            <a:ext cx="4482501" cy="1325400"/>
+          </a:xfrm>
+          <a:prstGeom prst="rect">
+            <a:avLst/>
+          </a:prstGeom>
+          <a:noFill/>
+          <a:ln>
+            <a:noFill/>
+          </a:ln>
+        </p:spPr>
+        <p:txBody>
+          <a:bodyPr spcFirstLastPara="1" wrap="square" lIns="91425" tIns="45700" rIns="91425" bIns="45700" anchor="ctr" anchorCtr="0">
+            <a:noAutofit/>
+          </a:bodyPr>
+          <a:lstStyle/>
+          <a:p>
+            <a:pPr lvl="0" algn="ctr">
+              <a:buSzPts val="4400"/>
+            </a:pPr>
+            <a:r>
+              <a:rPr lang="en-US" sz="4000" b="1" dirty="0">
+                <a:latin typeface="Calibri" pitchFamily="34" charset="0"/>
+                <a:ea typeface="Calibri" pitchFamily="34" charset="0"/>
+                <a:cs typeface="Calibri" pitchFamily="34" charset="0"/>
+              </a:rPr>
+              <a:t>Stage 2: Impact</a:t>
+            </a:r>
+          </a:p>
+        </p:txBody>
+      </p:sp>
+      <p:sp>
+        <p:nvSpPr>
+          <p:cNvPr id="112" name="Google Shape;112;p3">
+            <a:extLst>
+              <a:ext uri="{FF2B5EF4-FFF2-40B4-BE49-F238E27FC236}">
+                <a16:creationId xmlns:a16="http://schemas.microsoft.com/office/drawing/2014/main" id="{F28BD3D4-4FA0-19F2-8940-5FE607807201}"/>
+              </a:ext>
+            </a:extLst>
+          </p:cNvPr>
+          <p:cNvSpPr txBox="1">
+            <a:spLocks noGrp="1"/>
+          </p:cNvSpPr>
+          <p:nvPr>
+            <p:ph type="sldNum" idx="12"/>
+          </p:nvPr>
+        </p:nvSpPr>
+        <p:spPr>
+          <a:xfrm>
+            <a:off x="8610600" y="6356350"/>
+            <a:ext cx="2743200" cy="365125"/>
+          </a:xfrm>
+          <a:prstGeom prst="rect">
+            <a:avLst/>
+          </a:prstGeom>
+          <a:noFill/>
+          <a:ln>
+            <a:noFill/>
+          </a:ln>
+        </p:spPr>
+        <p:txBody>
+          <a:bodyPr spcFirstLastPara="1" wrap="square" lIns="91425" tIns="45700" rIns="91425" bIns="45700" anchor="ctr" anchorCtr="0">
+            <a:noAutofit/>
+          </a:bodyPr>
+          <a:lstStyle/>
+          <a:p>
+            <a:pPr marL="0" lvl="0" indent="0" algn="r" rtl="0">
+              <a:lnSpc>
+                <a:spcPct val="100000"/>
+              </a:lnSpc>
+              <a:spcBef>
+                <a:spcPts val="0"/>
+              </a:spcBef>
+              <a:spcAft>
+                <a:spcPts val="0"/>
+              </a:spcAft>
+              <a:buSzPts val="1200"/>
+              <a:buNone/>
+            </a:pPr>
+            <a:fld id="{00000000-1234-1234-1234-123412341234}" type="slidenum">
+              <a:rPr lang="en-US">
+                <a:solidFill>
+                  <a:schemeClr val="lt1"/>
+                </a:solidFill>
+              </a:rPr>
+              <a:t>17</a:t>
             </a:fld>
             <a:endParaRPr>
               <a:solidFill>
@@ -22278,329 +22761,6 @@
 </p:sld>
 </file>
 
-<file path=ppt/slides/slide17.xml><?xml version="1.0" encoding="utf-8"?>
-<p:sld xmlns:a="http://schemas.openxmlformats.org/drawingml/2006/main" xmlns:r="http://schemas.openxmlformats.org/officeDocument/2006/relationships" xmlns:p="http://schemas.openxmlformats.org/presentationml/2006/main">
-  <p:cSld>
-    <p:spTree>
-      <p:nvGrpSpPr>
-        <p:cNvPr id="1" name="Shape 109">
-          <a:extLst>
-            <a:ext uri="{FF2B5EF4-FFF2-40B4-BE49-F238E27FC236}">
-              <a16:creationId xmlns:a16="http://schemas.microsoft.com/office/drawing/2014/main" id="{B389B3BA-4E13-968B-916E-38B6AABC0E16}"/>
-            </a:ext>
-          </a:extLst>
-        </p:cNvPr>
-        <p:cNvGrpSpPr/>
-        <p:nvPr/>
-      </p:nvGrpSpPr>
-      <p:grpSpPr>
-        <a:xfrm>
-          <a:off x="0" y="0"/>
-          <a:ext cx="0" cy="0"/>
-          <a:chOff x="0" y="0"/>
-          <a:chExt cx="0" cy="0"/>
-        </a:xfrm>
-      </p:grpSpPr>
-      <p:sp>
-        <p:nvSpPr>
-          <p:cNvPr id="110" name="Google Shape;110;p3">
-            <a:extLst>
-              <a:ext uri="{FF2B5EF4-FFF2-40B4-BE49-F238E27FC236}">
-                <a16:creationId xmlns:a16="http://schemas.microsoft.com/office/drawing/2014/main" id="{AA2246B3-32A9-C0A8-4C2F-97264CD690F9}"/>
-              </a:ext>
-            </a:extLst>
-          </p:cNvPr>
-          <p:cNvSpPr txBox="1">
-            <a:spLocks noGrp="1"/>
-          </p:cNvSpPr>
-          <p:nvPr>
-            <p:ph type="title"/>
-          </p:nvPr>
-        </p:nvSpPr>
-        <p:spPr>
-          <a:xfrm>
-            <a:off x="3917755" y="171005"/>
-            <a:ext cx="4482501" cy="1325400"/>
-          </a:xfrm>
-          <a:prstGeom prst="rect">
-            <a:avLst/>
-          </a:prstGeom>
-          <a:noFill/>
-          <a:ln>
-            <a:noFill/>
-          </a:ln>
-        </p:spPr>
-        <p:txBody>
-          <a:bodyPr spcFirstLastPara="1" wrap="square" lIns="91425" tIns="45700" rIns="91425" bIns="45700" anchor="ctr" anchorCtr="0">
-            <a:noAutofit/>
-          </a:bodyPr>
-          <a:lstStyle/>
-          <a:p>
-            <a:pPr lvl="0" algn="ctr">
-              <a:buSzPts val="4400"/>
-            </a:pPr>
-            <a:r>
-              <a:rPr lang="en-US" sz="4000" b="1" dirty="0">
-                <a:latin typeface="Calibri" pitchFamily="34" charset="0"/>
-                <a:ea typeface="Calibri" pitchFamily="34" charset="0"/>
-                <a:cs typeface="Calibri" pitchFamily="34" charset="0"/>
-              </a:rPr>
-              <a:t>Stage 3: </a:t>
-            </a:r>
-            <a:r>
-              <a:rPr lang="en-US" sz="4000" b="1" dirty="0" err="1">
-                <a:latin typeface="Calibri" pitchFamily="34" charset="0"/>
-                <a:ea typeface="Calibri" pitchFamily="34" charset="0"/>
-                <a:cs typeface="Calibri" pitchFamily="34" charset="0"/>
-              </a:rPr>
-              <a:t>FireNet</a:t>
-            </a:r>
-            <a:r>
-              <a:rPr lang="en-US" sz="4000" b="1" dirty="0">
-                <a:latin typeface="Calibri" pitchFamily="34" charset="0"/>
-                <a:ea typeface="Calibri" pitchFamily="34" charset="0"/>
-                <a:cs typeface="Calibri" pitchFamily="34" charset="0"/>
-              </a:rPr>
-              <a:t> Architecture</a:t>
-            </a:r>
-          </a:p>
-        </p:txBody>
-      </p:sp>
-      <p:sp>
-        <p:nvSpPr>
-          <p:cNvPr id="112" name="Google Shape;112;p3">
-            <a:extLst>
-              <a:ext uri="{FF2B5EF4-FFF2-40B4-BE49-F238E27FC236}">
-                <a16:creationId xmlns:a16="http://schemas.microsoft.com/office/drawing/2014/main" id="{F28BD3D4-4FA0-19F2-8940-5FE607807201}"/>
-              </a:ext>
-            </a:extLst>
-          </p:cNvPr>
-          <p:cNvSpPr txBox="1">
-            <a:spLocks noGrp="1"/>
-          </p:cNvSpPr>
-          <p:nvPr>
-            <p:ph type="sldNum" idx="12"/>
-          </p:nvPr>
-        </p:nvSpPr>
-        <p:spPr>
-          <a:xfrm>
-            <a:off x="8610600" y="6356350"/>
-            <a:ext cx="2743200" cy="365125"/>
-          </a:xfrm>
-          <a:prstGeom prst="rect">
-            <a:avLst/>
-          </a:prstGeom>
-          <a:noFill/>
-          <a:ln>
-            <a:noFill/>
-          </a:ln>
-        </p:spPr>
-        <p:txBody>
-          <a:bodyPr spcFirstLastPara="1" wrap="square" lIns="91425" tIns="45700" rIns="91425" bIns="45700" anchor="ctr" anchorCtr="0">
-            <a:noAutofit/>
-          </a:bodyPr>
-          <a:lstStyle/>
-          <a:p>
-            <a:pPr marL="0" lvl="0" indent="0" algn="r" rtl="0">
-              <a:lnSpc>
-                <a:spcPct val="100000"/>
-              </a:lnSpc>
-              <a:spcBef>
-                <a:spcPts val="0"/>
-              </a:spcBef>
-              <a:spcAft>
-                <a:spcPts val="0"/>
-              </a:spcAft>
-              <a:buSzPts val="1200"/>
-              <a:buNone/>
-            </a:pPr>
-            <a:fld id="{00000000-1234-1234-1234-123412341234}" type="slidenum">
-              <a:rPr lang="en-US">
-                <a:solidFill>
-                  <a:schemeClr val="lt1"/>
-                </a:solidFill>
-              </a:rPr>
-              <a:t>17</a:t>
-            </a:fld>
-            <a:endParaRPr>
-              <a:solidFill>
-                <a:schemeClr val="lt1"/>
-              </a:solidFill>
-            </a:endParaRPr>
-          </a:p>
-        </p:txBody>
-      </p:sp>
-      <p:sp>
-        <p:nvSpPr>
-          <p:cNvPr id="6" name="Text Placeholder 5">
-            <a:extLst>
-              <a:ext uri="{FF2B5EF4-FFF2-40B4-BE49-F238E27FC236}">
-                <a16:creationId xmlns:a16="http://schemas.microsoft.com/office/drawing/2014/main" id="{D9F22D81-8FFA-E402-5302-2B7D4E855C23}"/>
-              </a:ext>
-            </a:extLst>
-          </p:cNvPr>
-          <p:cNvSpPr>
-            <a:spLocks noGrp="1" noChangeArrowheads="1"/>
-          </p:cNvSpPr>
-          <p:nvPr>
-            <p:ph type="body" idx="1"/>
-          </p:nvPr>
-        </p:nvSpPr>
-        <p:spPr bwMode="auto">
-          <a:xfrm>
-            <a:off x="69450" y="1412776"/>
-            <a:ext cx="12053095" cy="4611519"/>
-          </a:xfrm>
-          <a:prstGeom prst="rect">
-            <a:avLst/>
-          </a:prstGeom>
-          <a:noFill/>
-          <a:ln>
-            <a:noFill/>
-          </a:ln>
-          <a:effectLst/>
-          <a:extLst>
-            <a:ext uri="{909E8E84-426E-40DD-AFC4-6F175D3DCCD1}">
-              <a14:hiddenFill xmlns:a14="http://schemas.microsoft.com/office/drawing/2010/main">
-                <a:solidFill>
-                  <a:schemeClr val="accent1"/>
-                </a:solidFill>
-              </a14:hiddenFill>
-            </a:ext>
-            <a:ext uri="{91240B29-F687-4F45-9708-019B960494DF}">
-              <a14:hiddenLine xmlns:a14="http://schemas.microsoft.com/office/drawing/2010/main" w="9525">
-                <a:solidFill>
-                  <a:schemeClr val="tx1"/>
-                </a:solidFill>
-                <a:miter lim="800000"/>
-                <a:headEnd/>
-                <a:tailEnd/>
-              </a14:hiddenLine>
-            </a:ext>
-            <a:ext uri="{AF507438-7753-43E0-B8FC-AC1667EBCBE1}">
-              <a14:hiddenEffects xmlns:a14="http://schemas.microsoft.com/office/drawing/2010/main">
-                <a:effectLst>
-                  <a:outerShdw dist="35921" dir="2700000" algn="ctr" rotWithShape="0">
-                    <a:schemeClr val="bg2"/>
-                  </a:outerShdw>
-                </a:effectLst>
-              </a14:hiddenEffects>
-            </a:ext>
-          </a:extLst>
-        </p:spPr>
-        <p:txBody>
-          <a:bodyPr vert="horz" wrap="square" lIns="91440" tIns="45720" rIns="91440" bIns="45720" numCol="1" anchor="ctr" anchorCtr="0" compatLnSpc="1">
-            <a:prstTxWarp prst="textNoShape">
-              <a:avLst/>
-            </a:prstTxWarp>
-            <a:spAutoFit/>
-          </a:bodyPr>
-          <a:lstStyle/>
-          <a:p>
-            <a:r>
-              <a:rPr lang="en-US" dirty="0" err="1"/>
-              <a:t>FireNet</a:t>
-            </a:r>
-            <a:r>
-              <a:rPr lang="en-US" dirty="0"/>
-              <a:t> was implemented based on the </a:t>
-            </a:r>
-            <a:r>
-              <a:rPr lang="en-US" dirty="0" err="1"/>
-              <a:t>FireNet</a:t>
-            </a:r>
-            <a:r>
-              <a:rPr lang="en-US" dirty="0"/>
-              <a:t>-CNN research paper, specifically designed for wildfire image analysis.</a:t>
-            </a:r>
-          </a:p>
-          <a:p>
-            <a:r>
-              <a:rPr lang="en-US" dirty="0"/>
-              <a:t>It uses a </a:t>
-            </a:r>
-            <a:r>
-              <a:rPr lang="en-US" b="1" dirty="0"/>
-              <a:t>custom 5-block convolutional architecture</a:t>
-            </a:r>
-            <a:r>
-              <a:rPr lang="en-US" dirty="0"/>
-              <a:t> that is more tuned to flame and smoke detection than generic CNNs.</a:t>
-            </a:r>
-          </a:p>
-          <a:p>
-            <a:r>
-              <a:rPr lang="en-US" dirty="0"/>
-              <a:t>The model processes images at a resolution of </a:t>
-            </a:r>
-            <a:r>
-              <a:rPr lang="en-US" b="1" dirty="0"/>
-              <a:t>150×150</a:t>
-            </a:r>
-            <a:r>
-              <a:rPr lang="en-US" dirty="0"/>
-              <a:t>, balancing detail with computational efficiency.</a:t>
-            </a:r>
-          </a:p>
-          <a:p>
-            <a:r>
-              <a:rPr lang="en-US" dirty="0"/>
-              <a:t>With approximately </a:t>
-            </a:r>
-            <a:r>
-              <a:rPr lang="en-US" b="1" dirty="0"/>
-              <a:t>6.5 million parameters</a:t>
-            </a:r>
-            <a:r>
-              <a:rPr lang="en-US" dirty="0"/>
-              <a:t>, </a:t>
-            </a:r>
-            <a:r>
-              <a:rPr lang="en-US" dirty="0" err="1"/>
-              <a:t>FireNet</a:t>
-            </a:r>
-            <a:r>
-              <a:rPr lang="en-US" dirty="0"/>
-              <a:t> is moderately lightweight compared to large models like VGG.</a:t>
-            </a:r>
-          </a:p>
-          <a:p>
-            <a:r>
-              <a:rPr lang="en-US" dirty="0"/>
-              <a:t>This architecture served as a </a:t>
-            </a:r>
-            <a:r>
-              <a:rPr lang="en-US" b="1" dirty="0"/>
-              <a:t>specialized benchmark</a:t>
-            </a:r>
-            <a:r>
-              <a:rPr lang="en-US" dirty="0"/>
-              <a:t>, helping compare traditional </a:t>
-            </a:r>
-            <a:r>
-              <a:rPr lang="en-US" dirty="0" err="1"/>
-              <a:t>pretrained</a:t>
-            </a:r>
-            <a:r>
-              <a:rPr lang="en-US" dirty="0"/>
-              <a:t> models with wildfire-specific networks.</a:t>
-            </a:r>
-          </a:p>
-        </p:txBody>
-      </p:sp>
-    </p:spTree>
-    <p:extLst>
-      <p:ext uri="{BB962C8B-B14F-4D97-AF65-F5344CB8AC3E}">
-        <p14:creationId xmlns:p14="http://schemas.microsoft.com/office/powerpoint/2010/main" val="1490245910"/>
-      </p:ext>
-    </p:extLst>
-  </p:cSld>
-  <p:clrMapOvr>
-    <a:masterClrMapping/>
-  </p:clrMapOvr>
-</p:sld>
-</file>
-
 <file path=ppt/slides/slide18.xml><?xml version="1.0" encoding="utf-8"?>
 <p:sld xmlns:a="http://schemas.openxmlformats.org/drawingml/2006/main" xmlns:r="http://schemas.openxmlformats.org/officeDocument/2006/relationships" xmlns:p="http://schemas.openxmlformats.org/presentationml/2006/main">
   <p:cSld>
@@ -22668,7 +22828,7 @@
                 <a:ea typeface="Calibri" pitchFamily="34" charset="0"/>
                 <a:cs typeface="Calibri" pitchFamily="34" charset="0"/>
               </a:rPr>
-              <a:t>Stage 4: </a:t>
+              <a:t>Stage 3: </a:t>
             </a:r>
             <a:r>
               <a:rPr lang="en-US" sz="4000" b="1" dirty="0" err="1">
@@ -22676,7 +22836,7 @@
                 <a:ea typeface="Calibri" pitchFamily="34" charset="0"/>
                 <a:cs typeface="Calibri" pitchFamily="34" charset="0"/>
               </a:rPr>
-              <a:t>WildfireNet</a:t>
+              <a:t>FireNet</a:t>
             </a:r>
             <a:r>
               <a:rPr lang="en-US" sz="4000" b="1" dirty="0">
@@ -22684,7 +22844,7 @@
                 <a:ea typeface="Calibri" pitchFamily="34" charset="0"/>
                 <a:cs typeface="Calibri" pitchFamily="34" charset="0"/>
               </a:rPr>
-              <a:t> (Custom Model)</a:t>
+              <a:t> Architecture</a:t>
             </a:r>
           </a:p>
         </p:txBody>
@@ -22822,95 +22982,91 @@
           <a:p>
             <a:r>
               <a:rPr lang="en-US" dirty="0" err="1"/>
-              <a:t>WildfireNet</a:t>
+              <a:t>FireNet</a:t>
             </a:r>
             <a:r>
               <a:rPr lang="en-US" dirty="0"/>
-              <a:t> is a </a:t>
-            </a:r>
-            <a:r>
-              <a:rPr lang="en-US" b="1" dirty="0"/>
-              <a:t>custom CNN designed from scratch</a:t>
+              <a:t> was implemented based on the </a:t>
+            </a:r>
+            <a:r>
+              <a:rPr lang="en-US" dirty="0" err="1"/>
+              <a:t>FireNet</a:t>
             </a:r>
             <a:r>
               <a:rPr lang="en-US" dirty="0"/>
-              <a:t> to deliver high performance while staying extremely efficient.</a:t>
+              <a:t>-CNN research paper, specifically designed for wildfire image analysis.</a:t>
             </a:r>
           </a:p>
           <a:p>
             <a:r>
               <a:rPr lang="en-US" dirty="0"/>
-              <a:t>It incorporates </a:t>
+              <a:t>It uses a </a:t>
             </a:r>
             <a:r>
               <a:rPr lang="en-US" b="1" dirty="0"/>
-              <a:t>residual connections</a:t>
+              <a:t>custom 5-block convolutional architecture</a:t>
             </a:r>
             <a:r>
               <a:rPr lang="en-US" dirty="0"/>
-              <a:t> to improve gradient flow, making the network stable and preventing vanishing gradient issues during training.</a:t>
+              <a:t> that is more tuned to flame and smoke detection than generic CNNs.</a:t>
             </a:r>
           </a:p>
           <a:p>
             <a:r>
               <a:rPr lang="en-US" dirty="0"/>
-              <a:t>A </a:t>
+              <a:t>The model processes images at a resolution of </a:t>
             </a:r>
             <a:r>
               <a:rPr lang="en-US" b="1" dirty="0"/>
-              <a:t>channel attention mechanism</a:t>
+              <a:t>150×150</a:t>
             </a:r>
             <a:r>
               <a:rPr lang="en-US" dirty="0"/>
-              <a:t> helps the model focus on important color cues and intensity variations typical in smoke and fire imagery.</a:t>
+              <a:t>, balancing detail with computational efficiency.</a:t>
             </a:r>
           </a:p>
           <a:p>
             <a:r>
               <a:rPr lang="en-US" dirty="0"/>
-              <a:t>A </a:t>
+              <a:t>With approximately </a:t>
             </a:r>
             <a:r>
               <a:rPr lang="en-US" b="1" dirty="0"/>
-              <a:t>spatial attention module</a:t>
+              <a:t>6.5 million parameters</a:t>
             </a:r>
             <a:r>
               <a:rPr lang="en-US" dirty="0"/>
-              <a:t> directs the model to the exact regions where fire or smoke patterns appear, improving detection accuracy.</a:t>
+              <a:t>, </a:t>
+            </a:r>
+            <a:r>
+              <a:rPr lang="en-US" dirty="0" err="1"/>
+              <a:t>FireNet</a:t>
+            </a:r>
+            <a:r>
+              <a:rPr lang="en-US" dirty="0"/>
+              <a:t> is moderately lightweight compared to large models like VGG.</a:t>
             </a:r>
           </a:p>
           <a:p>
             <a:r>
               <a:rPr lang="en-US" dirty="0"/>
-              <a:t>With only </a:t>
+              <a:t>This architecture served as a </a:t>
             </a:r>
             <a:r>
               <a:rPr lang="en-US" b="1" dirty="0"/>
-              <a:t>~5.1M parameters</a:t>
+              <a:t>specialized benchmark</a:t>
             </a:r>
             <a:r>
               <a:rPr lang="en-US" dirty="0"/>
-              <a:t>, </a:t>
+              <a:t>, helping compare traditional </a:t>
             </a:r>
             <a:r>
               <a:rPr lang="en-US" dirty="0" err="1"/>
-              <a:t>WildfireNet</a:t>
+              <a:t>pretrained</a:t>
             </a:r>
             <a:r>
               <a:rPr lang="en-US" dirty="0"/>
-              <a:t> is lightweight and optimized for </a:t>
-            </a:r>
-            <a:r>
-              <a:rPr lang="en-US" b="1" dirty="0" err="1"/>
-              <a:t>IoT</a:t>
-            </a:r>
-            <a:r>
-              <a:rPr lang="en-US" b="1" dirty="0"/>
-              <a:t> devices, drones, surveillance cameras, and real-time edge deployment</a:t>
-            </a:r>
-            <a:r>
-              <a:rPr lang="en-US" dirty="0"/>
-              <a:t>.</a:t>
+              <a:t> models with wildfire-specific networks.</a:t>
             </a:r>
           </a:p>
         </p:txBody>
@@ -22918,7 +23074,7 @@
     </p:spTree>
     <p:extLst>
       <p:ext uri="{BB962C8B-B14F-4D97-AF65-F5344CB8AC3E}">
-        <p14:creationId xmlns:p14="http://schemas.microsoft.com/office/powerpoint/2010/main" val="127535406"/>
+        <p14:creationId xmlns:p14="http://schemas.microsoft.com/office/powerpoint/2010/main" val="1490245910"/>
       </p:ext>
     </p:extLst>
   </p:cSld>
@@ -23011,7 +23167,7 @@
                 <a:ea typeface="Calibri" pitchFamily="34" charset="0"/>
                 <a:cs typeface="Calibri" pitchFamily="34" charset="0"/>
               </a:rPr>
-              <a:t> Architecture</a:t>
+              <a:t> (Custom Model)</a:t>
             </a:r>
           </a:p>
         </p:txBody>
@@ -23080,51 +23236,172 @@
           </a:p>
         </p:txBody>
       </p:sp>
-      <p:pic>
-        <p:nvPicPr>
-          <p:cNvPr id="3074" name="Picture 2" descr="C:\Users\KJSCE\Downloads\wildfirenet_diag_page-0001.jpg"/>
-          <p:cNvPicPr>
-            <a:picLocks noChangeAspect="1" noChangeArrowheads="1"/>
-          </p:cNvPicPr>
-          <p:nvPr/>
-        </p:nvPicPr>
-        <p:blipFill>
-          <a:blip r:embed="rId3">
+      <p:sp>
+        <p:nvSpPr>
+          <p:cNvPr id="6" name="Text Placeholder 5">
             <a:extLst>
-              <a:ext uri="{28A0092B-C50C-407E-A947-70E740481C1C}">
-                <a14:useLocalDpi xmlns:a14="http://schemas.microsoft.com/office/drawing/2010/main" val="0"/>
+              <a:ext uri="{FF2B5EF4-FFF2-40B4-BE49-F238E27FC236}">
+                <a16:creationId xmlns:a16="http://schemas.microsoft.com/office/drawing/2014/main" id="{D9F22D81-8FFA-E402-5302-2B7D4E855C23}"/>
               </a:ext>
             </a:extLst>
-          </a:blip>
-          <a:srcRect/>
-          <a:stretch>
-            <a:fillRect/>
-          </a:stretch>
-        </p:blipFill>
+          </p:cNvPr>
+          <p:cNvSpPr>
+            <a:spLocks noGrp="1" noChangeArrowheads="1"/>
+          </p:cNvSpPr>
+          <p:nvPr>
+            <p:ph type="body" idx="1"/>
+          </p:nvPr>
+        </p:nvSpPr>
         <p:spPr bwMode="auto">
           <a:xfrm>
-            <a:off x="350012" y="1628800"/>
-            <a:ext cx="11492527" cy="3816423"/>
+            <a:off x="69450" y="1412776"/>
+            <a:ext cx="12053095" cy="4611519"/>
           </a:xfrm>
           <a:prstGeom prst="rect">
             <a:avLst/>
           </a:prstGeom>
           <a:noFill/>
+          <a:ln>
+            <a:noFill/>
+          </a:ln>
+          <a:effectLst/>
           <a:extLst>
             <a:ext uri="{909E8E84-426E-40DD-AFC4-6F175D3DCCD1}">
               <a14:hiddenFill xmlns:a14="http://schemas.microsoft.com/office/drawing/2010/main">
                 <a:solidFill>
-                  <a:srgbClr val="FFFFFF"/>
+                  <a:schemeClr val="accent1"/>
                 </a:solidFill>
               </a14:hiddenFill>
             </a:ext>
+            <a:ext uri="{91240B29-F687-4F45-9708-019B960494DF}">
+              <a14:hiddenLine xmlns:a14="http://schemas.microsoft.com/office/drawing/2010/main" w="9525">
+                <a:solidFill>
+                  <a:schemeClr val="tx1"/>
+                </a:solidFill>
+                <a:miter lim="800000"/>
+                <a:headEnd/>
+                <a:tailEnd/>
+              </a14:hiddenLine>
+            </a:ext>
+            <a:ext uri="{AF507438-7753-43E0-B8FC-AC1667EBCBE1}">
+              <a14:hiddenEffects xmlns:a14="http://schemas.microsoft.com/office/drawing/2010/main">
+                <a:effectLst>
+                  <a:outerShdw dist="35921" dir="2700000" algn="ctr" rotWithShape="0">
+                    <a:schemeClr val="bg2"/>
+                  </a:outerShdw>
+                </a:effectLst>
+              </a14:hiddenEffects>
+            </a:ext>
           </a:extLst>
         </p:spPr>
-      </p:pic>
+        <p:txBody>
+          <a:bodyPr vert="horz" wrap="square" lIns="91440" tIns="45720" rIns="91440" bIns="45720" numCol="1" anchor="ctr" anchorCtr="0" compatLnSpc="1">
+            <a:prstTxWarp prst="textNoShape">
+              <a:avLst/>
+            </a:prstTxWarp>
+            <a:spAutoFit/>
+          </a:bodyPr>
+          <a:lstStyle/>
+          <a:p>
+            <a:r>
+              <a:rPr lang="en-US" dirty="0" err="1"/>
+              <a:t>WildfireNet</a:t>
+            </a:r>
+            <a:r>
+              <a:rPr lang="en-US" dirty="0"/>
+              <a:t> is a </a:t>
+            </a:r>
+            <a:r>
+              <a:rPr lang="en-US" b="1" dirty="0"/>
+              <a:t>custom CNN designed from scratch</a:t>
+            </a:r>
+            <a:r>
+              <a:rPr lang="en-US" dirty="0"/>
+              <a:t> to deliver high performance while staying extremely efficient.</a:t>
+            </a:r>
+          </a:p>
+          <a:p>
+            <a:r>
+              <a:rPr lang="en-US" dirty="0"/>
+              <a:t>It incorporates </a:t>
+            </a:r>
+            <a:r>
+              <a:rPr lang="en-US" b="1" dirty="0"/>
+              <a:t>residual connections</a:t>
+            </a:r>
+            <a:r>
+              <a:rPr lang="en-US" dirty="0"/>
+              <a:t> to improve gradient flow, making the network stable and preventing vanishing gradient issues during training.</a:t>
+            </a:r>
+          </a:p>
+          <a:p>
+            <a:r>
+              <a:rPr lang="en-US" dirty="0"/>
+              <a:t>A </a:t>
+            </a:r>
+            <a:r>
+              <a:rPr lang="en-US" b="1" dirty="0"/>
+              <a:t>channel attention mechanism</a:t>
+            </a:r>
+            <a:r>
+              <a:rPr lang="en-US" dirty="0"/>
+              <a:t> helps the model focus on important color cues and intensity variations typical in smoke and fire imagery.</a:t>
+            </a:r>
+          </a:p>
+          <a:p>
+            <a:r>
+              <a:rPr lang="en-US" dirty="0"/>
+              <a:t>A </a:t>
+            </a:r>
+            <a:r>
+              <a:rPr lang="en-US" b="1" dirty="0"/>
+              <a:t>spatial attention module</a:t>
+            </a:r>
+            <a:r>
+              <a:rPr lang="en-US" dirty="0"/>
+              <a:t> directs the model to the exact regions where fire or smoke patterns appear, improving detection accuracy.</a:t>
+            </a:r>
+          </a:p>
+          <a:p>
+            <a:r>
+              <a:rPr lang="en-US" dirty="0"/>
+              <a:t>With only </a:t>
+            </a:r>
+            <a:r>
+              <a:rPr lang="en-US" b="1" dirty="0"/>
+              <a:t>~5.1M parameters</a:t>
+            </a:r>
+            <a:r>
+              <a:rPr lang="en-US" dirty="0"/>
+              <a:t>, </a:t>
+            </a:r>
+            <a:r>
+              <a:rPr lang="en-US" dirty="0" err="1"/>
+              <a:t>WildfireNet</a:t>
+            </a:r>
+            <a:r>
+              <a:rPr lang="en-US" dirty="0"/>
+              <a:t> is lightweight and optimized for </a:t>
+            </a:r>
+            <a:r>
+              <a:rPr lang="en-US" b="1" dirty="0" err="1"/>
+              <a:t>IoT</a:t>
+            </a:r>
+            <a:r>
+              <a:rPr lang="en-US" b="1" dirty="0"/>
+              <a:t> devices, drones, surveillance cameras, and real-time edge deployment</a:t>
+            </a:r>
+            <a:r>
+              <a:rPr lang="en-US" dirty="0"/>
+              <a:t>.</a:t>
+            </a:r>
+          </a:p>
+        </p:txBody>
+      </p:sp>
     </p:spTree>
     <p:extLst>
       <p:ext uri="{BB962C8B-B14F-4D97-AF65-F5344CB8AC3E}">
-        <p14:creationId xmlns:p14="http://schemas.microsoft.com/office/powerpoint/2010/main" val="764150922"/>
+        <p14:creationId xmlns:p14="http://schemas.microsoft.com/office/powerpoint/2010/main" val="127535406"/>
       </p:ext>
     </p:extLst>
   </p:cSld>
@@ -23414,7 +23691,7 @@
         <p:spPr>
           <a:xfrm>
             <a:off x="3917755" y="171005"/>
-            <a:ext cx="5346597" cy="1325400"/>
+            <a:ext cx="4482501" cy="1325400"/>
           </a:xfrm>
           <a:prstGeom prst="rect">
             <a:avLst/>
@@ -23439,7 +23716,23 @@
                 <a:ea typeface="Calibri" pitchFamily="34" charset="0"/>
                 <a:cs typeface="Calibri" pitchFamily="34" charset="0"/>
               </a:rPr>
-              <a:t>Comparative Performance Overview</a:t>
+              <a:t>Stage 4: </a:t>
+            </a:r>
+            <a:r>
+              <a:rPr lang="en-US" sz="4000" b="1" dirty="0" err="1">
+                <a:latin typeface="Calibri" pitchFamily="34" charset="0"/>
+                <a:ea typeface="Calibri" pitchFamily="34" charset="0"/>
+                <a:cs typeface="Calibri" pitchFamily="34" charset="0"/>
+              </a:rPr>
+              <a:t>WildfireNet</a:t>
+            </a:r>
+            <a:r>
+              <a:rPr lang="en-US" sz="4000" b="1" dirty="0">
+                <a:latin typeface="Calibri" pitchFamily="34" charset="0"/>
+                <a:ea typeface="Calibri" pitchFamily="34" charset="0"/>
+                <a:cs typeface="Calibri" pitchFamily="34" charset="0"/>
+              </a:rPr>
+              <a:t> Architecture</a:t>
             </a:r>
           </a:p>
         </p:txBody>
@@ -23499,6 +23792,196 @@
                 </a:solidFill>
               </a:rPr>
               <a:t>20</a:t>
+            </a:fld>
+            <a:endParaRPr>
+              <a:solidFill>
+                <a:schemeClr val="lt1"/>
+              </a:solidFill>
+            </a:endParaRPr>
+          </a:p>
+        </p:txBody>
+      </p:sp>
+      <p:pic>
+        <p:nvPicPr>
+          <p:cNvPr id="3074" name="Picture 2" descr="C:\Users\KJSCE\Downloads\wildfirenet_diag_page-0001.jpg"/>
+          <p:cNvPicPr>
+            <a:picLocks noChangeAspect="1" noChangeArrowheads="1"/>
+          </p:cNvPicPr>
+          <p:nvPr/>
+        </p:nvPicPr>
+        <p:blipFill>
+          <a:blip r:embed="rId3">
+            <a:extLst>
+              <a:ext uri="{28A0092B-C50C-407E-A947-70E740481C1C}">
+                <a14:useLocalDpi xmlns:a14="http://schemas.microsoft.com/office/drawing/2010/main" val="0"/>
+              </a:ext>
+            </a:extLst>
+          </a:blip>
+          <a:srcRect/>
+          <a:stretch>
+            <a:fillRect/>
+          </a:stretch>
+        </p:blipFill>
+        <p:spPr bwMode="auto">
+          <a:xfrm>
+            <a:off x="350012" y="1628800"/>
+            <a:ext cx="11492527" cy="3816423"/>
+          </a:xfrm>
+          <a:prstGeom prst="rect">
+            <a:avLst/>
+          </a:prstGeom>
+          <a:noFill/>
+          <a:extLst>
+            <a:ext uri="{909E8E84-426E-40DD-AFC4-6F175D3DCCD1}">
+              <a14:hiddenFill xmlns:a14="http://schemas.microsoft.com/office/drawing/2010/main">
+                <a:solidFill>
+                  <a:srgbClr val="FFFFFF"/>
+                </a:solidFill>
+              </a14:hiddenFill>
+            </a:ext>
+          </a:extLst>
+        </p:spPr>
+      </p:pic>
+    </p:spTree>
+    <p:extLst>
+      <p:ext uri="{BB962C8B-B14F-4D97-AF65-F5344CB8AC3E}">
+        <p14:creationId xmlns:p14="http://schemas.microsoft.com/office/powerpoint/2010/main" val="764150922"/>
+      </p:ext>
+    </p:extLst>
+  </p:cSld>
+  <p:clrMapOvr>
+    <a:masterClrMapping/>
+  </p:clrMapOvr>
+</p:sld>
+</file>
+
+<file path=ppt/slides/slide21.xml><?xml version="1.0" encoding="utf-8"?>
+<p:sld xmlns:a="http://schemas.openxmlformats.org/drawingml/2006/main" xmlns:r="http://schemas.openxmlformats.org/officeDocument/2006/relationships" xmlns:p="http://schemas.openxmlformats.org/presentationml/2006/main">
+  <p:cSld>
+    <p:spTree>
+      <p:nvGrpSpPr>
+        <p:cNvPr id="1" name="Shape 109">
+          <a:extLst>
+            <a:ext uri="{FF2B5EF4-FFF2-40B4-BE49-F238E27FC236}">
+              <a16:creationId xmlns:a16="http://schemas.microsoft.com/office/drawing/2014/main" id="{B389B3BA-4E13-968B-916E-38B6AABC0E16}"/>
+            </a:ext>
+          </a:extLst>
+        </p:cNvPr>
+        <p:cNvGrpSpPr/>
+        <p:nvPr/>
+      </p:nvGrpSpPr>
+      <p:grpSpPr>
+        <a:xfrm>
+          <a:off x="0" y="0"/>
+          <a:ext cx="0" cy="0"/>
+          <a:chOff x="0" y="0"/>
+          <a:chExt cx="0" cy="0"/>
+        </a:xfrm>
+      </p:grpSpPr>
+      <p:sp>
+        <p:nvSpPr>
+          <p:cNvPr id="110" name="Google Shape;110;p3">
+            <a:extLst>
+              <a:ext uri="{FF2B5EF4-FFF2-40B4-BE49-F238E27FC236}">
+                <a16:creationId xmlns:a16="http://schemas.microsoft.com/office/drawing/2014/main" id="{AA2246B3-32A9-C0A8-4C2F-97264CD690F9}"/>
+              </a:ext>
+            </a:extLst>
+          </p:cNvPr>
+          <p:cNvSpPr txBox="1">
+            <a:spLocks noGrp="1"/>
+          </p:cNvSpPr>
+          <p:nvPr>
+            <p:ph type="title"/>
+          </p:nvPr>
+        </p:nvSpPr>
+        <p:spPr>
+          <a:xfrm>
+            <a:off x="3917755" y="171005"/>
+            <a:ext cx="5346597" cy="1325400"/>
+          </a:xfrm>
+          <a:prstGeom prst="rect">
+            <a:avLst/>
+          </a:prstGeom>
+          <a:noFill/>
+          <a:ln>
+            <a:noFill/>
+          </a:ln>
+        </p:spPr>
+        <p:txBody>
+          <a:bodyPr spcFirstLastPara="1" wrap="square" lIns="91425" tIns="45700" rIns="91425" bIns="45700" anchor="ctr" anchorCtr="0">
+            <a:noAutofit/>
+          </a:bodyPr>
+          <a:lstStyle/>
+          <a:p>
+            <a:pPr lvl="0" algn="ctr">
+              <a:buSzPts val="4400"/>
+            </a:pPr>
+            <a:r>
+              <a:rPr lang="en-US" sz="4000" b="1" dirty="0">
+                <a:latin typeface="Calibri" pitchFamily="34" charset="0"/>
+                <a:ea typeface="Calibri" pitchFamily="34" charset="0"/>
+                <a:cs typeface="Calibri" pitchFamily="34" charset="0"/>
+              </a:rPr>
+              <a:t>Comparative Performance Overview</a:t>
+            </a:r>
+          </a:p>
+        </p:txBody>
+      </p:sp>
+      <p:sp>
+        <p:nvSpPr>
+          <p:cNvPr id="112" name="Google Shape;112;p3">
+            <a:extLst>
+              <a:ext uri="{FF2B5EF4-FFF2-40B4-BE49-F238E27FC236}">
+                <a16:creationId xmlns:a16="http://schemas.microsoft.com/office/drawing/2014/main" id="{F28BD3D4-4FA0-19F2-8940-5FE607807201}"/>
+              </a:ext>
+            </a:extLst>
+          </p:cNvPr>
+          <p:cNvSpPr txBox="1">
+            <a:spLocks noGrp="1"/>
+          </p:cNvSpPr>
+          <p:nvPr>
+            <p:ph type="sldNum" idx="12"/>
+          </p:nvPr>
+        </p:nvSpPr>
+        <p:spPr>
+          <a:xfrm>
+            <a:off x="8610600" y="6356350"/>
+            <a:ext cx="2743200" cy="365125"/>
+          </a:xfrm>
+          <a:prstGeom prst="rect">
+            <a:avLst/>
+          </a:prstGeom>
+          <a:noFill/>
+          <a:ln>
+            <a:noFill/>
+          </a:ln>
+        </p:spPr>
+        <p:txBody>
+          <a:bodyPr spcFirstLastPara="1" wrap="square" lIns="91425" tIns="45700" rIns="91425" bIns="45700" anchor="ctr" anchorCtr="0">
+            <a:noAutofit/>
+          </a:bodyPr>
+          <a:lstStyle/>
+          <a:p>
+            <a:pPr marL="0" lvl="0" indent="0" algn="r" rtl="0">
+              <a:lnSpc>
+                <a:spcPct val="100000"/>
+              </a:lnSpc>
+              <a:spcBef>
+                <a:spcPts val="0"/>
+              </a:spcBef>
+              <a:spcAft>
+                <a:spcPts val="0"/>
+              </a:spcAft>
+              <a:buSzPts val="1200"/>
+              <a:buNone/>
+            </a:pPr>
+            <a:fld id="{00000000-1234-1234-1234-123412341234}" type="slidenum">
+              <a:rPr lang="en-US">
+                <a:solidFill>
+                  <a:schemeClr val="lt1"/>
+                </a:solidFill>
+              </a:rPr>
+              <a:t>21</a:t>
             </a:fld>
             <a:endParaRPr>
               <a:solidFill>
@@ -26634,7 +27117,7 @@
 </p:sld>
 </file>
 
-<file path=ppt/slides/slide21.xml><?xml version="1.0" encoding="utf-8"?>
+<file path=ppt/slides/slide22.xml><?xml version="1.0" encoding="utf-8"?>
 <p:sld xmlns:a="http://schemas.openxmlformats.org/drawingml/2006/main" xmlns:r="http://schemas.openxmlformats.org/officeDocument/2006/relationships" xmlns:p="http://schemas.openxmlformats.org/presentationml/2006/main">
   <p:cSld>
     <p:spTree>
@@ -26760,7 +27243,7 @@
                   <a:schemeClr val="lt1"/>
                 </a:solidFill>
               </a:rPr>
-              <a:t>21</a:t>
+              <a:t>22</a:t>
             </a:fld>
             <a:endParaRPr>
               <a:solidFill>
@@ -26928,7 +27411,7 @@
 </p:sld>
 </file>
 
-<file path=ppt/slides/slide22.xml><?xml version="1.0" encoding="utf-8"?>
+<file path=ppt/slides/slide23.xml><?xml version="1.0" encoding="utf-8"?>
 <p:sld xmlns:a="http://schemas.openxmlformats.org/drawingml/2006/main" xmlns:r="http://schemas.openxmlformats.org/officeDocument/2006/relationships" xmlns:p="http://schemas.openxmlformats.org/presentationml/2006/main">
   <p:cSld>
     <p:spTree>
@@ -27054,7 +27537,7 @@
                   <a:schemeClr val="lt1"/>
                 </a:solidFill>
               </a:rPr>
-              <a:t>22</a:t>
+              <a:t>23</a:t>
             </a:fld>
             <a:endParaRPr dirty="0">
               <a:solidFill>
@@ -27107,7 +27590,7 @@
 </p:sld>
 </file>
 
-<file path=ppt/slides/slide23.xml><?xml version="1.0" encoding="utf-8"?>
+<file path=ppt/slides/slide24.xml><?xml version="1.0" encoding="utf-8"?>
 <p:sld xmlns:a="http://schemas.openxmlformats.org/drawingml/2006/main" xmlns:r="http://schemas.openxmlformats.org/officeDocument/2006/relationships" xmlns:p="http://schemas.openxmlformats.org/presentationml/2006/main">
   <p:cSld>
     <p:spTree>
@@ -27233,7 +27716,7 @@
                   <a:schemeClr val="lt1"/>
                 </a:solidFill>
               </a:rPr>
-              <a:t>23</a:t>
+              <a:t>24</a:t>
             </a:fld>
             <a:endParaRPr dirty="0">
               <a:solidFill>
@@ -27286,7 +27769,7 @@
 </p:sld>
 </file>
 
-<file path=ppt/slides/slide24.xml><?xml version="1.0" encoding="utf-8"?>
+<file path=ppt/slides/slide25.xml><?xml version="1.0" encoding="utf-8"?>
 <p:sld xmlns:a="http://schemas.openxmlformats.org/drawingml/2006/main" xmlns:r="http://schemas.openxmlformats.org/officeDocument/2006/relationships" xmlns:p="http://schemas.openxmlformats.org/presentationml/2006/main">
   <p:cSld>
     <p:spTree>
@@ -27412,7 +27895,7 @@
                   <a:schemeClr val="lt1"/>
                 </a:solidFill>
               </a:rPr>
-              <a:t>24</a:t>
+              <a:t>25</a:t>
             </a:fld>
             <a:endParaRPr>
               <a:solidFill>
@@ -27559,7 +28042,7 @@
 </p:sld>
 </file>
 
-<file path=ppt/slides/slide25.xml><?xml version="1.0" encoding="utf-8"?>
+<file path=ppt/slides/slide26.xml><?xml version="1.0" encoding="utf-8"?>
 <p:sld xmlns:a="http://schemas.openxmlformats.org/drawingml/2006/main" xmlns:r="http://schemas.openxmlformats.org/officeDocument/2006/relationships" xmlns:p="http://schemas.openxmlformats.org/presentationml/2006/main">
   <p:cSld>
     <p:spTree>
@@ -27685,7 +28168,7 @@
                   <a:schemeClr val="lt1"/>
                 </a:solidFill>
               </a:rPr>
-              <a:t>25</a:t>
+              <a:t>26</a:t>
             </a:fld>
             <a:endParaRPr>
               <a:solidFill>
@@ -27846,7 +28329,7 @@
 </p:sld>
 </file>
 
-<file path=ppt/slides/slide26.xml><?xml version="1.0" encoding="utf-8"?>
+<file path=ppt/slides/slide27.xml><?xml version="1.0" encoding="utf-8"?>
 <p:sld xmlns:a="http://schemas.openxmlformats.org/drawingml/2006/main" xmlns:r="http://schemas.openxmlformats.org/officeDocument/2006/relationships" xmlns:p="http://schemas.openxmlformats.org/presentationml/2006/main">
   <p:cSld>
     <p:spTree>
@@ -27972,7 +28455,7 @@
                   <a:schemeClr val="lt1"/>
                 </a:solidFill>
               </a:rPr>
-              <a:t>26</a:t>
+              <a:t>27</a:t>
             </a:fld>
             <a:endParaRPr>
               <a:solidFill>
@@ -28059,7 +28542,7 @@
 </p:sld>
 </file>
 
-<file path=ppt/slides/slide27.xml><?xml version="1.0" encoding="utf-8"?>
+<file path=ppt/slides/slide28.xml><?xml version="1.0" encoding="utf-8"?>
 <p:sld xmlns:a="http://schemas.openxmlformats.org/drawingml/2006/main" xmlns:r="http://schemas.openxmlformats.org/officeDocument/2006/relationships" xmlns:p="http://schemas.openxmlformats.org/presentationml/2006/main">
   <p:cSld>
     <p:spTree>
@@ -28185,7 +28668,7 @@
                   <a:schemeClr val="lt1"/>
                 </a:solidFill>
               </a:rPr>
-              <a:t>27</a:t>
+              <a:t>28</a:t>
             </a:fld>
             <a:endParaRPr>
               <a:solidFill>
@@ -28290,7 +28773,7 @@
 </p:sld>
 </file>
 
-<file path=ppt/slides/slide28.xml><?xml version="1.0" encoding="utf-8"?>
+<file path=ppt/slides/slide29.xml><?xml version="1.0" encoding="utf-8"?>
 <p:sld xmlns:a="http://schemas.openxmlformats.org/drawingml/2006/main" xmlns:r="http://schemas.openxmlformats.org/officeDocument/2006/relationships" xmlns:p="http://schemas.openxmlformats.org/presentationml/2006/main">
   <p:cSld>
     <p:spTree>
@@ -28424,7 +28907,7 @@
                   <a:schemeClr val="lt1"/>
                 </a:solidFill>
               </a:rPr>
-              <a:t>28</a:t>
+              <a:t>29</a:t>
             </a:fld>
             <a:endParaRPr>
               <a:solidFill>
@@ -28604,204 +29087,6 @@
     <p:extLst>
       <p:ext uri="{BB962C8B-B14F-4D97-AF65-F5344CB8AC3E}">
         <p14:creationId xmlns:p14="http://schemas.microsoft.com/office/powerpoint/2010/main" val="3812463920"/>
-      </p:ext>
-    </p:extLst>
-  </p:cSld>
-  <p:clrMapOvr>
-    <a:masterClrMapping/>
-  </p:clrMapOvr>
-</p:sld>
-</file>
-
-<file path=ppt/slides/slide29.xml><?xml version="1.0" encoding="utf-8"?>
-<p:sld xmlns:a="http://schemas.openxmlformats.org/drawingml/2006/main" xmlns:r="http://schemas.openxmlformats.org/officeDocument/2006/relationships" xmlns:p="http://schemas.openxmlformats.org/presentationml/2006/main">
-  <p:cSld>
-    <p:spTree>
-      <p:nvGrpSpPr>
-        <p:cNvPr id="1" name="Shape 109">
-          <a:extLst>
-            <a:ext uri="{FF2B5EF4-FFF2-40B4-BE49-F238E27FC236}">
-              <a16:creationId xmlns:a16="http://schemas.microsoft.com/office/drawing/2014/main" id="{B389B3BA-4E13-968B-916E-38B6AABC0E16}"/>
-            </a:ext>
-          </a:extLst>
-        </p:cNvPr>
-        <p:cNvGrpSpPr/>
-        <p:nvPr/>
-      </p:nvGrpSpPr>
-      <p:grpSpPr>
-        <a:xfrm>
-          <a:off x="0" y="0"/>
-          <a:ext cx="0" cy="0"/>
-          <a:chOff x="0" y="0"/>
-          <a:chExt cx="0" cy="0"/>
-        </a:xfrm>
-      </p:grpSpPr>
-      <p:sp>
-        <p:nvSpPr>
-          <p:cNvPr id="110" name="Google Shape;110;p3">
-            <a:extLst>
-              <a:ext uri="{FF2B5EF4-FFF2-40B4-BE49-F238E27FC236}">
-                <a16:creationId xmlns:a16="http://schemas.microsoft.com/office/drawing/2014/main" id="{AA2246B3-32A9-C0A8-4C2F-97264CD690F9}"/>
-              </a:ext>
-            </a:extLst>
-          </p:cNvPr>
-          <p:cNvSpPr txBox="1">
-            <a:spLocks noGrp="1"/>
-          </p:cNvSpPr>
-          <p:nvPr>
-            <p:ph type="title"/>
-          </p:nvPr>
-        </p:nvSpPr>
-        <p:spPr>
-          <a:xfrm>
-            <a:off x="3917755" y="171005"/>
-            <a:ext cx="5850653" cy="1325400"/>
-          </a:xfrm>
-          <a:prstGeom prst="rect">
-            <a:avLst/>
-          </a:prstGeom>
-          <a:noFill/>
-          <a:ln>
-            <a:noFill/>
-          </a:ln>
-        </p:spPr>
-        <p:txBody>
-          <a:bodyPr spcFirstLastPara="1" wrap="square" lIns="91425" tIns="45700" rIns="91425" bIns="45700" anchor="ctr" anchorCtr="0">
-            <a:noAutofit/>
-          </a:bodyPr>
-          <a:lstStyle/>
-          <a:p>
-            <a:pPr lvl="0" algn="ctr">
-              <a:buSzPts val="4400"/>
-            </a:pPr>
-            <a:r>
-              <a:rPr lang="en-US" sz="4000" b="1" dirty="0" err="1">
-                <a:latin typeface="Calibri" pitchFamily="34" charset="0"/>
-                <a:ea typeface="Calibri" pitchFamily="34" charset="0"/>
-                <a:cs typeface="Calibri" pitchFamily="34" charset="0"/>
-              </a:rPr>
-              <a:t>WildfireNet</a:t>
-            </a:r>
-            <a:r>
-              <a:rPr lang="en-US" sz="4000" b="1" dirty="0">
-                <a:latin typeface="Calibri" pitchFamily="34" charset="0"/>
-                <a:ea typeface="Calibri" pitchFamily="34" charset="0"/>
-                <a:cs typeface="Calibri" pitchFamily="34" charset="0"/>
-              </a:rPr>
-              <a:t> Performance (Custom Model)</a:t>
-            </a:r>
-          </a:p>
-        </p:txBody>
-      </p:sp>
-      <p:sp>
-        <p:nvSpPr>
-          <p:cNvPr id="112" name="Google Shape;112;p3">
-            <a:extLst>
-              <a:ext uri="{FF2B5EF4-FFF2-40B4-BE49-F238E27FC236}">
-                <a16:creationId xmlns:a16="http://schemas.microsoft.com/office/drawing/2014/main" id="{F28BD3D4-4FA0-19F2-8940-5FE607807201}"/>
-              </a:ext>
-            </a:extLst>
-          </p:cNvPr>
-          <p:cNvSpPr txBox="1">
-            <a:spLocks noGrp="1"/>
-          </p:cNvSpPr>
-          <p:nvPr>
-            <p:ph type="sldNum" idx="12"/>
-          </p:nvPr>
-        </p:nvSpPr>
-        <p:spPr>
-          <a:xfrm>
-            <a:off x="8610600" y="6356350"/>
-            <a:ext cx="2743200" cy="365125"/>
-          </a:xfrm>
-          <a:prstGeom prst="rect">
-            <a:avLst/>
-          </a:prstGeom>
-          <a:noFill/>
-          <a:ln>
-            <a:noFill/>
-          </a:ln>
-        </p:spPr>
-        <p:txBody>
-          <a:bodyPr spcFirstLastPara="1" wrap="square" lIns="91425" tIns="45700" rIns="91425" bIns="45700" anchor="ctr" anchorCtr="0">
-            <a:noAutofit/>
-          </a:bodyPr>
-          <a:lstStyle/>
-          <a:p>
-            <a:pPr marL="0" lvl="0" indent="0" algn="r" rtl="0">
-              <a:lnSpc>
-                <a:spcPct val="100000"/>
-              </a:lnSpc>
-              <a:spcBef>
-                <a:spcPts val="0"/>
-              </a:spcBef>
-              <a:spcAft>
-                <a:spcPts val="0"/>
-              </a:spcAft>
-              <a:buSzPts val="1200"/>
-              <a:buNone/>
-            </a:pPr>
-            <a:fld id="{00000000-1234-1234-1234-123412341234}" type="slidenum">
-              <a:rPr lang="en-US">
-                <a:solidFill>
-                  <a:schemeClr val="lt1"/>
-                </a:solidFill>
-              </a:rPr>
-              <a:t>29</a:t>
-            </a:fld>
-            <a:endParaRPr>
-              <a:solidFill>
-                <a:schemeClr val="lt1"/>
-              </a:solidFill>
-            </a:endParaRPr>
-          </a:p>
-        </p:txBody>
-      </p:sp>
-      <p:pic>
-        <p:nvPicPr>
-          <p:cNvPr id="7170" name="Picture 2" descr="WildfireNet_confusion_matrix.png"/>
-          <p:cNvPicPr>
-            <a:picLocks noChangeAspect="1" noChangeArrowheads="1"/>
-          </p:cNvPicPr>
-          <p:nvPr/>
-        </p:nvPicPr>
-        <p:blipFill>
-          <a:blip r:embed="rId3">
-            <a:extLst>
-              <a:ext uri="{28A0092B-C50C-407E-A947-70E740481C1C}">
-                <a14:useLocalDpi xmlns:a14="http://schemas.microsoft.com/office/drawing/2010/main" val="0"/>
-              </a:ext>
-            </a:extLst>
-          </a:blip>
-          <a:srcRect/>
-          <a:stretch>
-            <a:fillRect/>
-          </a:stretch>
-        </p:blipFill>
-        <p:spPr bwMode="auto">
-          <a:xfrm>
-            <a:off x="911424" y="1482239"/>
-            <a:ext cx="10225136" cy="4632521"/>
-          </a:xfrm>
-          <a:prstGeom prst="rect">
-            <a:avLst/>
-          </a:prstGeom>
-          <a:noFill/>
-          <a:extLst>
-            <a:ext uri="{909E8E84-426E-40DD-AFC4-6F175D3DCCD1}">
-              <a14:hiddenFill xmlns:a14="http://schemas.microsoft.com/office/drawing/2010/main">
-                <a:solidFill>
-                  <a:srgbClr val="FFFFFF"/>
-                </a:solidFill>
-              </a14:hiddenFill>
-            </a:ext>
-          </a:extLst>
-        </p:spPr>
-      </p:pic>
-    </p:spTree>
-    <p:extLst>
-      <p:ext uri="{BB962C8B-B14F-4D97-AF65-F5344CB8AC3E}">
-        <p14:creationId xmlns:p14="http://schemas.microsoft.com/office/powerpoint/2010/main" val="621429927"/>
       </p:ext>
     </p:extLst>
   </p:cSld>
@@ -29207,6 +29492,204 @@
                 </a:solidFill>
               </a:rPr>
               <a:t>30</a:t>
+            </a:fld>
+            <a:endParaRPr>
+              <a:solidFill>
+                <a:schemeClr val="lt1"/>
+              </a:solidFill>
+            </a:endParaRPr>
+          </a:p>
+        </p:txBody>
+      </p:sp>
+      <p:pic>
+        <p:nvPicPr>
+          <p:cNvPr id="7170" name="Picture 2" descr="WildfireNet_confusion_matrix.png"/>
+          <p:cNvPicPr>
+            <a:picLocks noChangeAspect="1" noChangeArrowheads="1"/>
+          </p:cNvPicPr>
+          <p:nvPr/>
+        </p:nvPicPr>
+        <p:blipFill>
+          <a:blip r:embed="rId3">
+            <a:extLst>
+              <a:ext uri="{28A0092B-C50C-407E-A947-70E740481C1C}">
+                <a14:useLocalDpi xmlns:a14="http://schemas.microsoft.com/office/drawing/2010/main" val="0"/>
+              </a:ext>
+            </a:extLst>
+          </a:blip>
+          <a:srcRect/>
+          <a:stretch>
+            <a:fillRect/>
+          </a:stretch>
+        </p:blipFill>
+        <p:spPr bwMode="auto">
+          <a:xfrm>
+            <a:off x="911424" y="1482239"/>
+            <a:ext cx="10225136" cy="4632521"/>
+          </a:xfrm>
+          <a:prstGeom prst="rect">
+            <a:avLst/>
+          </a:prstGeom>
+          <a:noFill/>
+          <a:extLst>
+            <a:ext uri="{909E8E84-426E-40DD-AFC4-6F175D3DCCD1}">
+              <a14:hiddenFill xmlns:a14="http://schemas.microsoft.com/office/drawing/2010/main">
+                <a:solidFill>
+                  <a:srgbClr val="FFFFFF"/>
+                </a:solidFill>
+              </a14:hiddenFill>
+            </a:ext>
+          </a:extLst>
+        </p:spPr>
+      </p:pic>
+    </p:spTree>
+    <p:extLst>
+      <p:ext uri="{BB962C8B-B14F-4D97-AF65-F5344CB8AC3E}">
+        <p14:creationId xmlns:p14="http://schemas.microsoft.com/office/powerpoint/2010/main" val="621429927"/>
+      </p:ext>
+    </p:extLst>
+  </p:cSld>
+  <p:clrMapOvr>
+    <a:masterClrMapping/>
+  </p:clrMapOvr>
+</p:sld>
+</file>
+
+<file path=ppt/slides/slide31.xml><?xml version="1.0" encoding="utf-8"?>
+<p:sld xmlns:a="http://schemas.openxmlformats.org/drawingml/2006/main" xmlns:r="http://schemas.openxmlformats.org/officeDocument/2006/relationships" xmlns:p="http://schemas.openxmlformats.org/presentationml/2006/main">
+  <p:cSld>
+    <p:spTree>
+      <p:nvGrpSpPr>
+        <p:cNvPr id="1" name="Shape 109">
+          <a:extLst>
+            <a:ext uri="{FF2B5EF4-FFF2-40B4-BE49-F238E27FC236}">
+              <a16:creationId xmlns:a16="http://schemas.microsoft.com/office/drawing/2014/main" id="{B389B3BA-4E13-968B-916E-38B6AABC0E16}"/>
+            </a:ext>
+          </a:extLst>
+        </p:cNvPr>
+        <p:cNvGrpSpPr/>
+        <p:nvPr/>
+      </p:nvGrpSpPr>
+      <p:grpSpPr>
+        <a:xfrm>
+          <a:off x="0" y="0"/>
+          <a:ext cx="0" cy="0"/>
+          <a:chOff x="0" y="0"/>
+          <a:chExt cx="0" cy="0"/>
+        </a:xfrm>
+      </p:grpSpPr>
+      <p:sp>
+        <p:nvSpPr>
+          <p:cNvPr id="110" name="Google Shape;110;p3">
+            <a:extLst>
+              <a:ext uri="{FF2B5EF4-FFF2-40B4-BE49-F238E27FC236}">
+                <a16:creationId xmlns:a16="http://schemas.microsoft.com/office/drawing/2014/main" id="{AA2246B3-32A9-C0A8-4C2F-97264CD690F9}"/>
+              </a:ext>
+            </a:extLst>
+          </p:cNvPr>
+          <p:cNvSpPr txBox="1">
+            <a:spLocks noGrp="1"/>
+          </p:cNvSpPr>
+          <p:nvPr>
+            <p:ph type="title"/>
+          </p:nvPr>
+        </p:nvSpPr>
+        <p:spPr>
+          <a:xfrm>
+            <a:off x="3917755" y="171005"/>
+            <a:ext cx="5850653" cy="1325400"/>
+          </a:xfrm>
+          <a:prstGeom prst="rect">
+            <a:avLst/>
+          </a:prstGeom>
+          <a:noFill/>
+          <a:ln>
+            <a:noFill/>
+          </a:ln>
+        </p:spPr>
+        <p:txBody>
+          <a:bodyPr spcFirstLastPara="1" wrap="square" lIns="91425" tIns="45700" rIns="91425" bIns="45700" anchor="ctr" anchorCtr="0">
+            <a:noAutofit/>
+          </a:bodyPr>
+          <a:lstStyle/>
+          <a:p>
+            <a:pPr lvl="0" algn="ctr">
+              <a:buSzPts val="4400"/>
+            </a:pPr>
+            <a:r>
+              <a:rPr lang="en-US" sz="4000" b="1" dirty="0" err="1">
+                <a:latin typeface="Calibri" pitchFamily="34" charset="0"/>
+                <a:ea typeface="Calibri" pitchFamily="34" charset="0"/>
+                <a:cs typeface="Calibri" pitchFamily="34" charset="0"/>
+              </a:rPr>
+              <a:t>WildfireNet</a:t>
+            </a:r>
+            <a:r>
+              <a:rPr lang="en-US" sz="4000" b="1" dirty="0">
+                <a:latin typeface="Calibri" pitchFamily="34" charset="0"/>
+                <a:ea typeface="Calibri" pitchFamily="34" charset="0"/>
+                <a:cs typeface="Calibri" pitchFamily="34" charset="0"/>
+              </a:rPr>
+              <a:t> Performance (Custom Model)</a:t>
+            </a:r>
+          </a:p>
+        </p:txBody>
+      </p:sp>
+      <p:sp>
+        <p:nvSpPr>
+          <p:cNvPr id="112" name="Google Shape;112;p3">
+            <a:extLst>
+              <a:ext uri="{FF2B5EF4-FFF2-40B4-BE49-F238E27FC236}">
+                <a16:creationId xmlns:a16="http://schemas.microsoft.com/office/drawing/2014/main" id="{F28BD3D4-4FA0-19F2-8940-5FE607807201}"/>
+              </a:ext>
+            </a:extLst>
+          </p:cNvPr>
+          <p:cNvSpPr txBox="1">
+            <a:spLocks noGrp="1"/>
+          </p:cNvSpPr>
+          <p:nvPr>
+            <p:ph type="sldNum" idx="12"/>
+          </p:nvPr>
+        </p:nvSpPr>
+        <p:spPr>
+          <a:xfrm>
+            <a:off x="8610600" y="6356350"/>
+            <a:ext cx="2743200" cy="365125"/>
+          </a:xfrm>
+          <a:prstGeom prst="rect">
+            <a:avLst/>
+          </a:prstGeom>
+          <a:noFill/>
+          <a:ln>
+            <a:noFill/>
+          </a:ln>
+        </p:spPr>
+        <p:txBody>
+          <a:bodyPr spcFirstLastPara="1" wrap="square" lIns="91425" tIns="45700" rIns="91425" bIns="45700" anchor="ctr" anchorCtr="0">
+            <a:noAutofit/>
+          </a:bodyPr>
+          <a:lstStyle/>
+          <a:p>
+            <a:pPr marL="0" lvl="0" indent="0" algn="r" rtl="0">
+              <a:lnSpc>
+                <a:spcPct val="100000"/>
+              </a:lnSpc>
+              <a:spcBef>
+                <a:spcPts val="0"/>
+              </a:spcBef>
+              <a:spcAft>
+                <a:spcPts val="0"/>
+              </a:spcAft>
+              <a:buSzPts val="1200"/>
+              <a:buNone/>
+            </a:pPr>
+            <a:fld id="{00000000-1234-1234-1234-123412341234}" type="slidenum">
+              <a:rPr lang="en-US">
+                <a:solidFill>
+                  <a:schemeClr val="lt1"/>
+                </a:solidFill>
+              </a:rPr>
+              <a:t>31</a:t>
             </a:fld>
             <a:endParaRPr>
               <a:solidFill>
@@ -29311,7 +29794,156 @@
 </p:sld>
 </file>
 
-<file path=ppt/slides/slide31.xml><?xml version="1.0" encoding="utf-8"?>
+<file path=ppt/slides/slide32.xml><?xml version="1.0" encoding="utf-8"?>
+<p:sld xmlns:a="http://schemas.openxmlformats.org/drawingml/2006/main" xmlns:r="http://schemas.openxmlformats.org/officeDocument/2006/relationships" xmlns:p="http://schemas.openxmlformats.org/presentationml/2006/main">
+  <p:cSld>
+    <p:spTree>
+      <p:nvGrpSpPr>
+        <p:cNvPr id="1" name="Shape 109">
+          <a:extLst>
+            <a:ext uri="{FF2B5EF4-FFF2-40B4-BE49-F238E27FC236}">
+              <a16:creationId xmlns:a16="http://schemas.microsoft.com/office/drawing/2014/main" id="{9C3D3744-2202-957C-E59F-348EBB5A78FA}"/>
+            </a:ext>
+          </a:extLst>
+        </p:cNvPr>
+        <p:cNvGrpSpPr/>
+        <p:nvPr/>
+      </p:nvGrpSpPr>
+      <p:grpSpPr>
+        <a:xfrm>
+          <a:off x="0" y="0"/>
+          <a:ext cx="0" cy="0"/>
+          <a:chOff x="0" y="0"/>
+          <a:chExt cx="0" cy="0"/>
+        </a:xfrm>
+      </p:grpSpPr>
+      <p:sp>
+        <p:nvSpPr>
+          <p:cNvPr id="110" name="Google Shape;110;p3">
+            <a:extLst>
+              <a:ext uri="{FF2B5EF4-FFF2-40B4-BE49-F238E27FC236}">
+                <a16:creationId xmlns:a16="http://schemas.microsoft.com/office/drawing/2014/main" id="{52AAFD86-EFC7-A935-2BDE-25F020E715E3}"/>
+              </a:ext>
+            </a:extLst>
+          </p:cNvPr>
+          <p:cNvSpPr txBox="1">
+            <a:spLocks noGrp="1"/>
+          </p:cNvSpPr>
+          <p:nvPr>
+            <p:ph type="title"/>
+          </p:nvPr>
+        </p:nvSpPr>
+        <p:spPr>
+          <a:xfrm>
+            <a:off x="3170673" y="1988840"/>
+            <a:ext cx="5850653" cy="1325400"/>
+          </a:xfrm>
+          <a:prstGeom prst="rect">
+            <a:avLst/>
+          </a:prstGeom>
+          <a:noFill/>
+          <a:ln>
+            <a:noFill/>
+          </a:ln>
+        </p:spPr>
+        <p:txBody>
+          <a:bodyPr spcFirstLastPara="1" wrap="square" lIns="91425" tIns="45700" rIns="91425" bIns="45700" anchor="ctr" anchorCtr="0">
+            <a:noAutofit/>
+          </a:bodyPr>
+          <a:lstStyle/>
+          <a:p>
+            <a:pPr lvl="0" algn="ctr">
+              <a:buSzPts val="4400"/>
+            </a:pPr>
+            <a:r>
+              <a:rPr lang="en-US" sz="4000" b="1" dirty="0">
+                <a:latin typeface="Calibri" pitchFamily="34" charset="0"/>
+                <a:ea typeface="Calibri" pitchFamily="34" charset="0"/>
+                <a:cs typeface="Calibri" pitchFamily="34" charset="0"/>
+              </a:rPr>
+              <a:t>Live Demonstration</a:t>
+            </a:r>
+          </a:p>
+        </p:txBody>
+      </p:sp>
+      <p:sp>
+        <p:nvSpPr>
+          <p:cNvPr id="112" name="Google Shape;112;p3">
+            <a:extLst>
+              <a:ext uri="{FF2B5EF4-FFF2-40B4-BE49-F238E27FC236}">
+                <a16:creationId xmlns:a16="http://schemas.microsoft.com/office/drawing/2014/main" id="{55F247D8-6A3B-4920-81F5-5BFE01F039D5}"/>
+              </a:ext>
+            </a:extLst>
+          </p:cNvPr>
+          <p:cNvSpPr txBox="1">
+            <a:spLocks noGrp="1"/>
+          </p:cNvSpPr>
+          <p:nvPr>
+            <p:ph type="sldNum" idx="12"/>
+          </p:nvPr>
+        </p:nvSpPr>
+        <p:spPr>
+          <a:xfrm>
+            <a:off x="8610600" y="6356350"/>
+            <a:ext cx="2743200" cy="365125"/>
+          </a:xfrm>
+          <a:prstGeom prst="rect">
+            <a:avLst/>
+          </a:prstGeom>
+          <a:noFill/>
+          <a:ln>
+            <a:noFill/>
+          </a:ln>
+        </p:spPr>
+        <p:txBody>
+          <a:bodyPr spcFirstLastPara="1" wrap="square" lIns="91425" tIns="45700" rIns="91425" bIns="45700" anchor="ctr" anchorCtr="0">
+            <a:noAutofit/>
+          </a:bodyPr>
+          <a:lstStyle/>
+          <a:p>
+            <a:pPr marL="0" lvl="0" indent="0" algn="r" rtl="0">
+              <a:lnSpc>
+                <a:spcPct val="100000"/>
+              </a:lnSpc>
+              <a:spcBef>
+                <a:spcPts val="0"/>
+              </a:spcBef>
+              <a:spcAft>
+                <a:spcPts val="0"/>
+              </a:spcAft>
+              <a:buSzPts val="1200"/>
+              <a:buNone/>
+            </a:pPr>
+            <a:fld id="{00000000-1234-1234-1234-123412341234}" type="slidenum">
+              <a:rPr lang="en-US">
+                <a:solidFill>
+                  <a:schemeClr val="lt1"/>
+                </a:solidFill>
+              </a:rPr>
+              <a:t>32</a:t>
+            </a:fld>
+            <a:endParaRPr>
+              <a:solidFill>
+                <a:schemeClr val="lt1"/>
+              </a:solidFill>
+            </a:endParaRPr>
+          </a:p>
+        </p:txBody>
+      </p:sp>
+    </p:spTree>
+    <p:extLst>
+      <p:ext uri="{BB962C8B-B14F-4D97-AF65-F5344CB8AC3E}">
+        <p14:creationId xmlns:p14="http://schemas.microsoft.com/office/powerpoint/2010/main" val="3095175292"/>
+      </p:ext>
+    </p:extLst>
+  </p:cSld>
+  <p:clrMapOvr>
+    <a:masterClrMapping/>
+  </p:clrMapOvr>
+</p:sld>
+</file>
+
+<file path=ppt/slides/slide33.xml><?xml version="1.0" encoding="utf-8"?>
 <p:sld xmlns:a="http://schemas.openxmlformats.org/drawingml/2006/main" xmlns:r="http://schemas.openxmlformats.org/officeDocument/2006/relationships" xmlns:p="http://schemas.openxmlformats.org/presentationml/2006/main">
   <p:cSld>
     <p:spTree>
@@ -29437,7 +30069,7 @@
                   <a:schemeClr val="lt1"/>
                 </a:solidFill>
               </a:rPr>
-              <a:t>31</a:t>
+              <a:t>33</a:t>
             </a:fld>
             <a:endParaRPr>
               <a:solidFill>
@@ -29610,582 +30242,6 @@
 </p:sld>
 </file>
 
-<file path=ppt/slides/slide32.xml><?xml version="1.0" encoding="utf-8"?>
-<p:sld xmlns:a="http://schemas.openxmlformats.org/drawingml/2006/main" xmlns:r="http://schemas.openxmlformats.org/officeDocument/2006/relationships" xmlns:p="http://schemas.openxmlformats.org/presentationml/2006/main">
-  <p:cSld>
-    <p:spTree>
-      <p:nvGrpSpPr>
-        <p:cNvPr id="1" name="Shape 109">
-          <a:extLst>
-            <a:ext uri="{FF2B5EF4-FFF2-40B4-BE49-F238E27FC236}">
-              <a16:creationId xmlns:a16="http://schemas.microsoft.com/office/drawing/2014/main" id="{B389B3BA-4E13-968B-916E-38B6AABC0E16}"/>
-            </a:ext>
-          </a:extLst>
-        </p:cNvPr>
-        <p:cNvGrpSpPr/>
-        <p:nvPr/>
-      </p:nvGrpSpPr>
-      <p:grpSpPr>
-        <a:xfrm>
-          <a:off x="0" y="0"/>
-          <a:ext cx="0" cy="0"/>
-          <a:chOff x="0" y="0"/>
-          <a:chExt cx="0" cy="0"/>
-        </a:xfrm>
-      </p:grpSpPr>
-      <p:sp>
-        <p:nvSpPr>
-          <p:cNvPr id="110" name="Google Shape;110;p3">
-            <a:extLst>
-              <a:ext uri="{FF2B5EF4-FFF2-40B4-BE49-F238E27FC236}">
-                <a16:creationId xmlns:a16="http://schemas.microsoft.com/office/drawing/2014/main" id="{AA2246B3-32A9-C0A8-4C2F-97264CD690F9}"/>
-              </a:ext>
-            </a:extLst>
-          </p:cNvPr>
-          <p:cNvSpPr txBox="1">
-            <a:spLocks noGrp="1"/>
-          </p:cNvSpPr>
-          <p:nvPr>
-            <p:ph type="title"/>
-          </p:nvPr>
-        </p:nvSpPr>
-        <p:spPr>
-          <a:xfrm>
-            <a:off x="3431704" y="188640"/>
-            <a:ext cx="5850653" cy="1325400"/>
-          </a:xfrm>
-          <a:prstGeom prst="rect">
-            <a:avLst/>
-          </a:prstGeom>
-          <a:noFill/>
-          <a:ln>
-            <a:noFill/>
-          </a:ln>
-        </p:spPr>
-        <p:txBody>
-          <a:bodyPr spcFirstLastPara="1" wrap="square" lIns="91425" tIns="45700" rIns="91425" bIns="45700" anchor="ctr" anchorCtr="0">
-            <a:noAutofit/>
-          </a:bodyPr>
-          <a:lstStyle/>
-          <a:p>
-            <a:pPr lvl="0" algn="ctr">
-              <a:buSzPts val="4400"/>
-            </a:pPr>
-            <a:r>
-              <a:rPr lang="en-US" sz="4000" b="1" dirty="0">
-                <a:latin typeface="Calibri" pitchFamily="34" charset="0"/>
-                <a:ea typeface="Calibri" pitchFamily="34" charset="0"/>
-                <a:cs typeface="Calibri" pitchFamily="34" charset="0"/>
-              </a:rPr>
-              <a:t>Insight: Fine-Tuning Is Critical</a:t>
-            </a:r>
-          </a:p>
-        </p:txBody>
-      </p:sp>
-      <p:sp>
-        <p:nvSpPr>
-          <p:cNvPr id="112" name="Google Shape;112;p3">
-            <a:extLst>
-              <a:ext uri="{FF2B5EF4-FFF2-40B4-BE49-F238E27FC236}">
-                <a16:creationId xmlns:a16="http://schemas.microsoft.com/office/drawing/2014/main" id="{F28BD3D4-4FA0-19F2-8940-5FE607807201}"/>
-              </a:ext>
-            </a:extLst>
-          </p:cNvPr>
-          <p:cNvSpPr txBox="1">
-            <a:spLocks noGrp="1"/>
-          </p:cNvSpPr>
-          <p:nvPr>
-            <p:ph type="sldNum" idx="12"/>
-          </p:nvPr>
-        </p:nvSpPr>
-        <p:spPr>
-          <a:xfrm>
-            <a:off x="8610600" y="6356350"/>
-            <a:ext cx="2743200" cy="365125"/>
-          </a:xfrm>
-          <a:prstGeom prst="rect">
-            <a:avLst/>
-          </a:prstGeom>
-          <a:noFill/>
-          <a:ln>
-            <a:noFill/>
-          </a:ln>
-        </p:spPr>
-        <p:txBody>
-          <a:bodyPr spcFirstLastPara="1" wrap="square" lIns="91425" tIns="45700" rIns="91425" bIns="45700" anchor="ctr" anchorCtr="0">
-            <a:noAutofit/>
-          </a:bodyPr>
-          <a:lstStyle/>
-          <a:p>
-            <a:pPr marL="0" lvl="0" indent="0" algn="r" rtl="0">
-              <a:lnSpc>
-                <a:spcPct val="100000"/>
-              </a:lnSpc>
-              <a:spcBef>
-                <a:spcPts val="0"/>
-              </a:spcBef>
-              <a:spcAft>
-                <a:spcPts val="0"/>
-              </a:spcAft>
-              <a:buSzPts val="1200"/>
-              <a:buNone/>
-            </a:pPr>
-            <a:fld id="{00000000-1234-1234-1234-123412341234}" type="slidenum">
-              <a:rPr lang="en-US">
-                <a:solidFill>
-                  <a:schemeClr val="lt1"/>
-                </a:solidFill>
-              </a:rPr>
-              <a:t>32</a:t>
-            </a:fld>
-            <a:endParaRPr>
-              <a:solidFill>
-                <a:schemeClr val="lt1"/>
-              </a:solidFill>
-            </a:endParaRPr>
-          </a:p>
-        </p:txBody>
-      </p:sp>
-      <p:sp>
-        <p:nvSpPr>
-          <p:cNvPr id="6" name="Text Placeholder 5">
-            <a:extLst>
-              <a:ext uri="{FF2B5EF4-FFF2-40B4-BE49-F238E27FC236}">
-                <a16:creationId xmlns:a16="http://schemas.microsoft.com/office/drawing/2014/main" id="{D9F22D81-8FFA-E402-5302-2B7D4E855C23}"/>
-              </a:ext>
-            </a:extLst>
-          </p:cNvPr>
-          <p:cNvSpPr>
-            <a:spLocks noGrp="1" noChangeArrowheads="1"/>
-          </p:cNvSpPr>
-          <p:nvPr>
-            <p:ph type="body" idx="1"/>
-          </p:nvPr>
-        </p:nvSpPr>
-        <p:spPr bwMode="auto">
-          <a:xfrm>
-            <a:off x="69450" y="1412776"/>
-            <a:ext cx="12053095" cy="4611519"/>
-          </a:xfrm>
-          <a:prstGeom prst="rect">
-            <a:avLst/>
-          </a:prstGeom>
-          <a:noFill/>
-          <a:ln>
-            <a:noFill/>
-          </a:ln>
-          <a:effectLst/>
-          <a:extLst>
-            <a:ext uri="{909E8E84-426E-40DD-AFC4-6F175D3DCCD1}">
-              <a14:hiddenFill xmlns:a14="http://schemas.microsoft.com/office/drawing/2010/main">
-                <a:solidFill>
-                  <a:schemeClr val="accent1"/>
-                </a:solidFill>
-              </a14:hiddenFill>
-            </a:ext>
-            <a:ext uri="{91240B29-F687-4F45-9708-019B960494DF}">
-              <a14:hiddenLine xmlns:a14="http://schemas.microsoft.com/office/drawing/2010/main" w="9525">
-                <a:solidFill>
-                  <a:schemeClr val="tx1"/>
-                </a:solidFill>
-                <a:miter lim="800000"/>
-                <a:headEnd/>
-                <a:tailEnd/>
-              </a14:hiddenLine>
-            </a:ext>
-            <a:ext uri="{AF507438-7753-43E0-B8FC-AC1667EBCBE1}">
-              <a14:hiddenEffects xmlns:a14="http://schemas.microsoft.com/office/drawing/2010/main">
-                <a:effectLst>
-                  <a:outerShdw dist="35921" dir="2700000" algn="ctr" rotWithShape="0">
-                    <a:schemeClr val="bg2"/>
-                  </a:outerShdw>
-                </a:effectLst>
-              </a14:hiddenEffects>
-            </a:ext>
-          </a:extLst>
-        </p:spPr>
-        <p:txBody>
-          <a:bodyPr vert="horz" wrap="square" lIns="91440" tIns="45720" rIns="91440" bIns="45720" numCol="1" anchor="ctr" anchorCtr="0" compatLnSpc="1">
-            <a:prstTxWarp prst="textNoShape">
-              <a:avLst/>
-            </a:prstTxWarp>
-            <a:spAutoFit/>
-          </a:bodyPr>
-          <a:lstStyle/>
-          <a:p>
-            <a:r>
-              <a:rPr lang="en-US" dirty="0"/>
-              <a:t>Fine-tuning led to a </a:t>
-            </a:r>
-            <a:r>
-              <a:rPr lang="en-US" b="1" dirty="0"/>
-              <a:t>3–5% increase in accuracy</a:t>
-            </a:r>
-            <a:r>
-              <a:rPr lang="en-US" dirty="0"/>
-              <a:t>, demonstrating its essential role in improving performance.</a:t>
-            </a:r>
-          </a:p>
-          <a:p>
-            <a:r>
-              <a:rPr lang="en-US" dirty="0"/>
-              <a:t>Unfreezing deeper layers allowed the model to learn </a:t>
-            </a:r>
-            <a:r>
-              <a:rPr lang="en-US" b="1" dirty="0"/>
-              <a:t>color gradients, smoke transparency levels, and texture variations</a:t>
-            </a:r>
-            <a:r>
-              <a:rPr lang="en-US" dirty="0"/>
-              <a:t> unique to fire imagery.</a:t>
-            </a:r>
-          </a:p>
-          <a:p>
-            <a:r>
-              <a:rPr lang="en-US" dirty="0"/>
-              <a:t>Fine-tuned models developed higher sensitivity to </a:t>
-            </a:r>
-            <a:r>
-              <a:rPr lang="en-US" b="1" dirty="0"/>
-              <a:t>low-contrast smoke</a:t>
-            </a:r>
-            <a:r>
-              <a:rPr lang="en-US" dirty="0"/>
-              <a:t> and small flame patterns often missed earlier.</a:t>
-            </a:r>
-          </a:p>
-          <a:p>
-            <a:r>
-              <a:rPr lang="en-US" dirty="0"/>
-              <a:t>Without fine-tuning, models frequently misclassified </a:t>
-            </a:r>
-            <a:r>
-              <a:rPr lang="en-US" b="1" dirty="0"/>
-              <a:t>fog, clouds, glare, and mist</a:t>
-            </a:r>
-            <a:r>
-              <a:rPr lang="en-US" dirty="0"/>
-              <a:t> as fire due to insufficient feature specialization.</a:t>
-            </a:r>
-          </a:p>
-          <a:p>
-            <a:r>
-              <a:rPr lang="en-US" dirty="0"/>
-              <a:t>Overall, fine-tuning helped transform generic ImageNet models into </a:t>
-            </a:r>
-            <a:r>
-              <a:rPr lang="en-US" b="1" dirty="0"/>
-              <a:t>highly specialized wildfire detectors</a:t>
-            </a:r>
-            <a:r>
-              <a:rPr lang="en-US" dirty="0"/>
-              <a:t>.</a:t>
-            </a:r>
-          </a:p>
-        </p:txBody>
-      </p:sp>
-    </p:spTree>
-    <p:extLst>
-      <p:ext uri="{BB962C8B-B14F-4D97-AF65-F5344CB8AC3E}">
-        <p14:creationId xmlns:p14="http://schemas.microsoft.com/office/powerpoint/2010/main" val="454021558"/>
-      </p:ext>
-    </p:extLst>
-  </p:cSld>
-  <p:clrMapOvr>
-    <a:masterClrMapping/>
-  </p:clrMapOvr>
-</p:sld>
-</file>
-
-<file path=ppt/slides/slide33.xml><?xml version="1.0" encoding="utf-8"?>
-<p:sld xmlns:a="http://schemas.openxmlformats.org/drawingml/2006/main" xmlns:r="http://schemas.openxmlformats.org/officeDocument/2006/relationships" xmlns:p="http://schemas.openxmlformats.org/presentationml/2006/main">
-  <p:cSld>
-    <p:spTree>
-      <p:nvGrpSpPr>
-        <p:cNvPr id="1" name="Shape 109">
-          <a:extLst>
-            <a:ext uri="{FF2B5EF4-FFF2-40B4-BE49-F238E27FC236}">
-              <a16:creationId xmlns:a16="http://schemas.microsoft.com/office/drawing/2014/main" id="{B389B3BA-4E13-968B-916E-38B6AABC0E16}"/>
-            </a:ext>
-          </a:extLst>
-        </p:cNvPr>
-        <p:cNvGrpSpPr/>
-        <p:nvPr/>
-      </p:nvGrpSpPr>
-      <p:grpSpPr>
-        <a:xfrm>
-          <a:off x="0" y="0"/>
-          <a:ext cx="0" cy="0"/>
-          <a:chOff x="0" y="0"/>
-          <a:chExt cx="0" cy="0"/>
-        </a:xfrm>
-      </p:grpSpPr>
-      <p:sp>
-        <p:nvSpPr>
-          <p:cNvPr id="110" name="Google Shape;110;p3">
-            <a:extLst>
-              <a:ext uri="{FF2B5EF4-FFF2-40B4-BE49-F238E27FC236}">
-                <a16:creationId xmlns:a16="http://schemas.microsoft.com/office/drawing/2014/main" id="{AA2246B3-32A9-C0A8-4C2F-97264CD690F9}"/>
-              </a:ext>
-            </a:extLst>
-          </p:cNvPr>
-          <p:cNvSpPr txBox="1">
-            <a:spLocks noGrp="1"/>
-          </p:cNvSpPr>
-          <p:nvPr>
-            <p:ph type="title"/>
-          </p:nvPr>
-        </p:nvSpPr>
-        <p:spPr>
-          <a:xfrm>
-            <a:off x="3431704" y="188640"/>
-            <a:ext cx="5850653" cy="1325400"/>
-          </a:xfrm>
-          <a:prstGeom prst="rect">
-            <a:avLst/>
-          </a:prstGeom>
-          <a:noFill/>
-          <a:ln>
-            <a:noFill/>
-          </a:ln>
-        </p:spPr>
-        <p:txBody>
-          <a:bodyPr spcFirstLastPara="1" wrap="square" lIns="91425" tIns="45700" rIns="91425" bIns="45700" anchor="ctr" anchorCtr="0">
-            <a:noAutofit/>
-          </a:bodyPr>
-          <a:lstStyle/>
-          <a:p>
-            <a:pPr lvl="0" algn="ctr">
-              <a:buSzPts val="4400"/>
-            </a:pPr>
-            <a:r>
-              <a:rPr lang="en-US" sz="4000" b="1" dirty="0">
-                <a:latin typeface="Calibri" pitchFamily="34" charset="0"/>
-                <a:ea typeface="Calibri" pitchFamily="34" charset="0"/>
-                <a:cs typeface="Calibri" pitchFamily="34" charset="0"/>
-              </a:rPr>
-              <a:t>Insight: Efficiency vs Accuracy Trade-Off</a:t>
-            </a:r>
-          </a:p>
-        </p:txBody>
-      </p:sp>
-      <p:sp>
-        <p:nvSpPr>
-          <p:cNvPr id="112" name="Google Shape;112;p3">
-            <a:extLst>
-              <a:ext uri="{FF2B5EF4-FFF2-40B4-BE49-F238E27FC236}">
-                <a16:creationId xmlns:a16="http://schemas.microsoft.com/office/drawing/2014/main" id="{F28BD3D4-4FA0-19F2-8940-5FE607807201}"/>
-              </a:ext>
-            </a:extLst>
-          </p:cNvPr>
-          <p:cNvSpPr txBox="1">
-            <a:spLocks noGrp="1"/>
-          </p:cNvSpPr>
-          <p:nvPr>
-            <p:ph type="sldNum" idx="12"/>
-          </p:nvPr>
-        </p:nvSpPr>
-        <p:spPr>
-          <a:xfrm>
-            <a:off x="8610600" y="6356350"/>
-            <a:ext cx="2743200" cy="365125"/>
-          </a:xfrm>
-          <a:prstGeom prst="rect">
-            <a:avLst/>
-          </a:prstGeom>
-          <a:noFill/>
-          <a:ln>
-            <a:noFill/>
-          </a:ln>
-        </p:spPr>
-        <p:txBody>
-          <a:bodyPr spcFirstLastPara="1" wrap="square" lIns="91425" tIns="45700" rIns="91425" bIns="45700" anchor="ctr" anchorCtr="0">
-            <a:noAutofit/>
-          </a:bodyPr>
-          <a:lstStyle/>
-          <a:p>
-            <a:pPr marL="0" lvl="0" indent="0" algn="r" rtl="0">
-              <a:lnSpc>
-                <a:spcPct val="100000"/>
-              </a:lnSpc>
-              <a:spcBef>
-                <a:spcPts val="0"/>
-              </a:spcBef>
-              <a:spcAft>
-                <a:spcPts val="0"/>
-              </a:spcAft>
-              <a:buSzPts val="1200"/>
-              <a:buNone/>
-            </a:pPr>
-            <a:fld id="{00000000-1234-1234-1234-123412341234}" type="slidenum">
-              <a:rPr lang="en-US">
-                <a:solidFill>
-                  <a:schemeClr val="lt1"/>
-                </a:solidFill>
-              </a:rPr>
-              <a:t>33</a:t>
-            </a:fld>
-            <a:endParaRPr>
-              <a:solidFill>
-                <a:schemeClr val="lt1"/>
-              </a:solidFill>
-            </a:endParaRPr>
-          </a:p>
-        </p:txBody>
-      </p:sp>
-      <p:sp>
-        <p:nvSpPr>
-          <p:cNvPr id="6" name="Text Placeholder 5">
-            <a:extLst>
-              <a:ext uri="{FF2B5EF4-FFF2-40B4-BE49-F238E27FC236}">
-                <a16:creationId xmlns:a16="http://schemas.microsoft.com/office/drawing/2014/main" id="{D9F22D81-8FFA-E402-5302-2B7D4E855C23}"/>
-              </a:ext>
-            </a:extLst>
-          </p:cNvPr>
-          <p:cNvSpPr>
-            <a:spLocks noGrp="1" noChangeArrowheads="1"/>
-          </p:cNvSpPr>
-          <p:nvPr>
-            <p:ph type="body" idx="1"/>
-          </p:nvPr>
-        </p:nvSpPr>
-        <p:spPr bwMode="auto">
-          <a:xfrm>
-            <a:off x="69450" y="1468176"/>
-            <a:ext cx="12053095" cy="4500719"/>
-          </a:xfrm>
-          <a:prstGeom prst="rect">
-            <a:avLst/>
-          </a:prstGeom>
-          <a:noFill/>
-          <a:ln>
-            <a:noFill/>
-          </a:ln>
-          <a:effectLst/>
-          <a:extLst>
-            <a:ext uri="{909E8E84-426E-40DD-AFC4-6F175D3DCCD1}">
-              <a14:hiddenFill xmlns:a14="http://schemas.microsoft.com/office/drawing/2010/main">
-                <a:solidFill>
-                  <a:schemeClr val="accent1"/>
-                </a:solidFill>
-              </a14:hiddenFill>
-            </a:ext>
-            <a:ext uri="{91240B29-F687-4F45-9708-019B960494DF}">
-              <a14:hiddenLine xmlns:a14="http://schemas.microsoft.com/office/drawing/2010/main" w="9525">
-                <a:solidFill>
-                  <a:schemeClr val="tx1"/>
-                </a:solidFill>
-                <a:miter lim="800000"/>
-                <a:headEnd/>
-                <a:tailEnd/>
-              </a14:hiddenLine>
-            </a:ext>
-            <a:ext uri="{AF507438-7753-43E0-B8FC-AC1667EBCBE1}">
-              <a14:hiddenEffects xmlns:a14="http://schemas.microsoft.com/office/drawing/2010/main">
-                <a:effectLst>
-                  <a:outerShdw dist="35921" dir="2700000" algn="ctr" rotWithShape="0">
-                    <a:schemeClr val="bg2"/>
-                  </a:outerShdw>
-                </a:effectLst>
-              </a14:hiddenEffects>
-            </a:ext>
-          </a:extLst>
-        </p:spPr>
-        <p:txBody>
-          <a:bodyPr vert="horz" wrap="square" lIns="91440" tIns="45720" rIns="91440" bIns="45720" numCol="1" anchor="ctr" anchorCtr="0" compatLnSpc="1">
-            <a:prstTxWarp prst="textNoShape">
-              <a:avLst/>
-            </a:prstTxWarp>
-            <a:spAutoFit/>
-          </a:bodyPr>
-          <a:lstStyle/>
-          <a:p>
-            <a:r>
-              <a:rPr lang="en-US" b="1" dirty="0"/>
-              <a:t>VGG19 fine-tuned</a:t>
-            </a:r>
-            <a:r>
-              <a:rPr lang="en-US" dirty="0"/>
-              <a:t> delivers the highest accuracy and strongest overall performance, but its massive size (~144M parameters) makes it impractical for real-time or low-power devices.</a:t>
-            </a:r>
-          </a:p>
-          <a:p>
-            <a:r>
-              <a:rPr lang="en-US" b="1" dirty="0" err="1"/>
-              <a:t>WildfireNet</a:t>
-            </a:r>
-            <a:r>
-              <a:rPr lang="en-US" dirty="0"/>
-              <a:t>, with only ~5.1M parameters, achieves almost the same accuracy while being extremely lightweight and faster to run on limited hardware.</a:t>
-            </a:r>
-          </a:p>
-          <a:p>
-            <a:r>
-              <a:rPr lang="en-US" dirty="0"/>
-              <a:t>This shows a clear trade-off: </a:t>
-            </a:r>
-            <a:r>
-              <a:rPr lang="en-US" b="1" dirty="0"/>
-              <a:t>high accuracy requires heavy computation</a:t>
-            </a:r>
-            <a:r>
-              <a:rPr lang="en-US" dirty="0"/>
-              <a:t>, while </a:t>
-            </a:r>
-            <a:r>
-              <a:rPr lang="en-US" b="1" dirty="0"/>
-              <a:t>efficient real-time detection needs compact models</a:t>
-            </a:r>
-            <a:r>
-              <a:rPr lang="en-US" dirty="0"/>
-              <a:t>.</a:t>
-            </a:r>
-          </a:p>
-          <a:p>
-            <a:r>
-              <a:rPr lang="en-US" dirty="0"/>
-              <a:t>Deployment choices depend heavily on available computing resources—</a:t>
-            </a:r>
-          </a:p>
-          <a:p>
-            <a:pPr lvl="1"/>
-            <a:r>
-              <a:rPr lang="en-US" b="1" dirty="0"/>
-              <a:t>Cloud servers or high-performance GPUs → VGG19 fine-tuned</a:t>
-            </a:r>
-            <a:endParaRPr lang="en-US" dirty="0"/>
-          </a:p>
-          <a:p>
-            <a:pPr lvl="1"/>
-            <a:r>
-              <a:rPr lang="en-US" b="1" dirty="0" err="1"/>
-              <a:t>IoT</a:t>
-            </a:r>
-            <a:r>
-              <a:rPr lang="en-US" b="1" dirty="0"/>
-              <a:t> cameras, surveillance systems, drones, and edge devices → </a:t>
-            </a:r>
-            <a:r>
-              <a:rPr lang="en-US" b="1" dirty="0" err="1"/>
-              <a:t>WildfireNet</a:t>
-            </a:r>
-            <a:endParaRPr lang="en-US" dirty="0"/>
-          </a:p>
-        </p:txBody>
-      </p:sp>
-    </p:spTree>
-    <p:extLst>
-      <p:ext uri="{BB962C8B-B14F-4D97-AF65-F5344CB8AC3E}">
-        <p14:creationId xmlns:p14="http://schemas.microsoft.com/office/powerpoint/2010/main" val="4073041784"/>
-      </p:ext>
-    </p:extLst>
-  </p:cSld>
-  <p:clrMapOvr>
-    <a:masterClrMapping/>
-  </p:clrMapOvr>
-</p:sld>
-</file>
-
 <file path=ppt/slides/slide34.xml><?xml version="1.0" encoding="utf-8"?>
 <p:sld xmlns:a="http://schemas.openxmlformats.org/drawingml/2006/main" xmlns:r="http://schemas.openxmlformats.org/officeDocument/2006/relationships" xmlns:p="http://schemas.openxmlformats.org/presentationml/2006/main">
   <p:cSld>
@@ -30253,7 +30309,7 @@
                 <a:ea typeface="Calibri" pitchFamily="34" charset="0"/>
                 <a:cs typeface="Calibri" pitchFamily="34" charset="0"/>
               </a:rPr>
-              <a:t>System Applications</a:t>
+              <a:t>Insight: Fine-Tuning Is Critical</a:t>
             </a:r>
           </a:p>
         </p:txBody>
@@ -30390,60 +30446,72 @@
           <a:lstStyle/>
           <a:p>
             <a:r>
+              <a:rPr lang="en-US" dirty="0"/>
+              <a:t>Fine-tuning led to a </a:t>
+            </a:r>
+            <a:r>
               <a:rPr lang="en-US" b="1" dirty="0"/>
-              <a:t>Forest surveillance towers</a:t>
+              <a:t>3–5% increase in accuracy</a:t>
             </a:r>
             <a:r>
               <a:rPr lang="en-US" dirty="0"/>
-              <a:t> can use automated detection to continuously monitor large forest areas without the need for constant human supervision.</a:t>
+              <a:t>, demonstrating its essential role in improving performance.</a:t>
             </a:r>
           </a:p>
           <a:p>
             <a:r>
+              <a:rPr lang="en-US" dirty="0"/>
+              <a:t>Unfreezing deeper layers allowed the model to learn </a:t>
+            </a:r>
+            <a:r>
               <a:rPr lang="en-US" b="1" dirty="0"/>
-              <a:t>Drone-based monitoring</a:t>
+              <a:t>color gradients, smoke transparency levels, and texture variations</a:t>
             </a:r>
             <a:r>
               <a:rPr lang="en-US" dirty="0"/>
-              <a:t> enables rapid scanning of remote or mountainous regions where access for ground teams is difficult.</a:t>
+              <a:t> unique to fire imagery.</a:t>
             </a:r>
           </a:p>
           <a:p>
             <a:r>
+              <a:rPr lang="en-US" dirty="0"/>
+              <a:t>Fine-tuned models developed higher sensitivity to </a:t>
+            </a:r>
+            <a:r>
               <a:rPr lang="en-US" b="1" dirty="0"/>
-              <a:t>Smart city CCTV networks</a:t>
+              <a:t>low-contrast smoke</a:t>
             </a:r>
             <a:r>
               <a:rPr lang="en-US" dirty="0"/>
-              <a:t> can be enhanced to detect fires in urban–forest boundary areas, industrial zones, or public spaces.</a:t>
+              <a:t> and small flame patterns often missed earlier.</a:t>
             </a:r>
           </a:p>
           <a:p>
             <a:r>
+              <a:rPr lang="en-US" dirty="0"/>
+              <a:t>Without fine-tuning, models frequently misclassified </a:t>
+            </a:r>
+            <a:r>
               <a:rPr lang="en-US" b="1" dirty="0"/>
-              <a:t>Remote </a:t>
-            </a:r>
-            <a:r>
-              <a:rPr lang="en-US" b="1" dirty="0" err="1"/>
-              <a:t>IoT</a:t>
-            </a:r>
-            <a:r>
-              <a:rPr lang="en-US" b="1" dirty="0"/>
-              <a:t> fire detectors</a:t>
+              <a:t>fog, clouds, glare, and mist</a:t>
             </a:r>
             <a:r>
               <a:rPr lang="en-US" dirty="0"/>
-              <a:t> allow low-cost, real-time monitoring in rural and tribal regions with limited connectivity.</a:t>
+              <a:t> as fire due to insufficient feature specialization.</a:t>
             </a:r>
           </a:p>
           <a:p>
             <a:r>
+              <a:rPr lang="en-US" dirty="0"/>
+              <a:t>Overall, fine-tuning helped transform generic ImageNet models into </a:t>
+            </a:r>
+            <a:r>
               <a:rPr lang="en-US" b="1" dirty="0"/>
-              <a:t>Wildlife protection zones</a:t>
+              <a:t>highly specialized wildfire detectors</a:t>
             </a:r>
             <a:r>
               <a:rPr lang="en-US" dirty="0"/>
-              <a:t> benefit from early alerts, helping safeguard habitats and prevent biodiversity loss during fire outbreaks.</a:t>
+              <a:t>.</a:t>
             </a:r>
           </a:p>
         </p:txBody>
@@ -30451,7 +30519,7 @@
     </p:spTree>
     <p:extLst>
       <p:ext uri="{BB962C8B-B14F-4D97-AF65-F5344CB8AC3E}">
-        <p14:creationId xmlns:p14="http://schemas.microsoft.com/office/powerpoint/2010/main" val="3962399788"/>
+        <p14:creationId xmlns:p14="http://schemas.microsoft.com/office/powerpoint/2010/main" val="454021558"/>
       </p:ext>
     </p:extLst>
   </p:cSld>
@@ -30528,7 +30596,7 @@
                 <a:ea typeface="Calibri" pitchFamily="34" charset="0"/>
                 <a:cs typeface="Calibri" pitchFamily="34" charset="0"/>
               </a:rPr>
-              <a:t>Future Improvements</a:t>
+              <a:t>Insight: Efficiency vs Accuracy Trade-Off</a:t>
             </a:r>
           </a:p>
         </p:txBody>
@@ -30615,8 +30683,8 @@
         </p:nvSpPr>
         <p:spPr bwMode="auto">
           <a:xfrm>
-            <a:off x="69450" y="1218877"/>
-            <a:ext cx="12053095" cy="4999317"/>
+            <a:off x="69450" y="1468176"/>
+            <a:ext cx="12053095" cy="4500719"/>
           </a:xfrm>
           <a:prstGeom prst="rect">
             <a:avLst/>
@@ -30665,88 +30733,82 @@
           <a:lstStyle/>
           <a:p>
             <a:r>
+              <a:rPr lang="en-US" b="1" dirty="0"/>
+              <a:t>VGG19 fine-tuned</a:t>
+            </a:r>
+            <a:r>
               <a:rPr lang="en-US" dirty="0"/>
-              <a:t>Extend the system to support </a:t>
-            </a:r>
-            <a:r>
-              <a:rPr lang="en-US" b="1" dirty="0"/>
-              <a:t>real-time video analysis</a:t>
-            </a:r>
-            <a:r>
-              <a:rPr lang="en-US" dirty="0"/>
-              <a:t>, enabling continuous fire and smoke tracking rather than only single-image detection.</a:t>
+              <a:t> delivers the highest accuracy and strongest overall performance, but its massive size (~144M parameters) makes it impractical for real-time or low-power devices.</a:t>
             </a:r>
           </a:p>
           <a:p>
             <a:r>
+              <a:rPr lang="en-US" b="1" dirty="0" err="1"/>
+              <a:t>WildfireNet</a:t>
+            </a:r>
+            <a:r>
               <a:rPr lang="en-US" dirty="0"/>
-              <a:t>Implement </a:t>
-            </a:r>
-            <a:r>
-              <a:rPr lang="en-US" b="1" dirty="0"/>
-              <a:t>on-device optimization techniques</a:t>
-            </a:r>
-            <a:r>
-              <a:rPr lang="en-US" dirty="0"/>
-              <a:t> such as quantization, pruning, and </a:t>
-            </a:r>
-            <a:r>
-              <a:rPr lang="en-US" dirty="0" err="1"/>
-              <a:t>TensorRT</a:t>
-            </a:r>
-            <a:r>
-              <a:rPr lang="en-US" dirty="0"/>
-              <a:t> acceleration to improve inference speed on low-power devices.</a:t>
+              <a:t>, with only ~5.1M parameters, achieves almost the same accuracy while being extremely lightweight and faster to run on limited hardware.</a:t>
             </a:r>
           </a:p>
           <a:p>
             <a:r>
               <a:rPr lang="en-US" dirty="0"/>
-              <a:t>Develop </a:t>
+              <a:t>This shows a clear trade-off: </a:t>
             </a:r>
             <a:r>
               <a:rPr lang="en-US" b="1" dirty="0"/>
-              <a:t>multimodal detection</a:t>
+              <a:t>high accuracy requires heavy computation</a:t>
             </a:r>
             <a:r>
               <a:rPr lang="en-US" dirty="0"/>
-              <a:t> by combining RGB visuals with thermal or infrared images for stronger accuracy in low-light or smoky conditions.</a:t>
+              <a:t>, while </a:t>
+            </a:r>
+            <a:r>
+              <a:rPr lang="en-US" b="1" dirty="0"/>
+              <a:t>efficient real-time detection needs compact models</a:t>
+            </a:r>
+            <a:r>
+              <a:rPr lang="en-US" dirty="0"/>
+              <a:t>.</a:t>
             </a:r>
           </a:p>
           <a:p>
             <a:r>
               <a:rPr lang="en-US" dirty="0"/>
-              <a:t>Expand the dataset with </a:t>
-            </a:r>
-            <a:r>
-              <a:rPr lang="en-US" b="1" dirty="0"/>
-              <a:t>more diverse and real-world wildfire images</a:t>
-            </a:r>
-            <a:r>
-              <a:rPr lang="en-US" dirty="0"/>
-              <a:t>, including seasonal variations and different vegetation types.</a:t>
+              <a:t>Deployment choices depend heavily on available computing resources—</a:t>
             </a:r>
           </a:p>
           <a:p>
-            <a:r>
-              <a:rPr lang="en-US" dirty="0"/>
-              <a:t>Integrate the system with early-warning platforms to support </a:t>
-            </a:r>
+            <a:pPr lvl="1"/>
             <a:r>
               <a:rPr lang="en-US" b="1" dirty="0"/>
-              <a:t>fast alerts</a:t>
-            </a:r>
-            <a:r>
-              <a:rPr lang="en-US" dirty="0"/>
-              <a:t>, automated emergency responses, and improved communication with authorities.</a:t>
-            </a:r>
+              <a:t>Cloud servers or high-performance GPUs → VGG19 fine-tuned</a:t>
+            </a:r>
+            <a:endParaRPr lang="en-US" dirty="0"/>
+          </a:p>
+          <a:p>
+            <a:pPr lvl="1"/>
+            <a:r>
+              <a:rPr lang="en-US" b="1" dirty="0" err="1"/>
+              <a:t>IoT</a:t>
+            </a:r>
+            <a:r>
+              <a:rPr lang="en-US" b="1" dirty="0"/>
+              <a:t> cameras, surveillance systems, drones, and edge devices → </a:t>
+            </a:r>
+            <a:r>
+              <a:rPr lang="en-US" b="1" dirty="0" err="1"/>
+              <a:t>WildfireNet</a:t>
+            </a:r>
+            <a:endParaRPr lang="en-US" dirty="0"/>
           </a:p>
         </p:txBody>
       </p:sp>
     </p:spTree>
     <p:extLst>
       <p:ext uri="{BB962C8B-B14F-4D97-AF65-F5344CB8AC3E}">
-        <p14:creationId xmlns:p14="http://schemas.microsoft.com/office/powerpoint/2010/main" val="2371022569"/>
+        <p14:creationId xmlns:p14="http://schemas.microsoft.com/office/powerpoint/2010/main" val="4073041784"/>
       </p:ext>
     </p:extLst>
   </p:cSld>
@@ -30823,7 +30885,7 @@
                 <a:ea typeface="Calibri" pitchFamily="34" charset="0"/>
                 <a:cs typeface="Calibri" pitchFamily="34" charset="0"/>
               </a:rPr>
-              <a:t>Summary of Findings</a:t>
+              <a:t>System Applications</a:t>
             </a:r>
           </a:p>
         </p:txBody>
@@ -30961,75 +31023,59 @@
           <a:p>
             <a:r>
               <a:rPr lang="en-US" b="1" dirty="0"/>
-              <a:t>Fine-tuning plays a critical role</a:t>
+              <a:t>Forest surveillance towers</a:t>
             </a:r>
             <a:r>
               <a:rPr lang="en-US" dirty="0"/>
-              <a:t>, boosting accuracy by 3–5% and enabling models to better understand wildfire-specific patterns.</a:t>
+              <a:t> can use automated detection to continuously monitor large forest areas without the need for constant human supervision.</a:t>
             </a:r>
           </a:p>
           <a:p>
             <a:r>
               <a:rPr lang="en-US" b="1" dirty="0"/>
-              <a:t>VGG models</a:t>
+              <a:t>Drone-based monitoring</a:t>
             </a:r>
             <a:r>
               <a:rPr lang="en-US" dirty="0"/>
-              <a:t> consistently deliver the highest accuracy but are too large for real-time or portable deployment.</a:t>
+              <a:t> enables rapid scanning of remote or mountainous regions where access for ground teams is difficult.</a:t>
             </a:r>
           </a:p>
           <a:p>
             <a:r>
+              <a:rPr lang="en-US" b="1" dirty="0"/>
+              <a:t>Smart city CCTV networks</a:t>
+            </a:r>
+            <a:r>
               <a:rPr lang="en-US" dirty="0"/>
-              <a:t>The custom </a:t>
-            </a:r>
-            <a:r>
-              <a:rPr lang="en-US" b="1" dirty="0" err="1"/>
-              <a:t>WildfireNet</a:t>
-            </a:r>
-            <a:r>
-              <a:rPr lang="en-US" b="1" dirty="0"/>
-              <a:t> model</a:t>
-            </a:r>
-            <a:r>
-              <a:rPr lang="en-US" dirty="0"/>
-              <a:t> provides an excellent balance of performance and efficiency, making it ideal for edge devices.</a:t>
+              <a:t> can be enhanced to detect fires in urban–forest boundary areas, industrial zones, or public spaces.</a:t>
             </a:r>
           </a:p>
           <a:p>
             <a:r>
+              <a:rPr lang="en-US" b="1" dirty="0"/>
+              <a:t>Remote </a:t>
+            </a:r>
+            <a:r>
+              <a:rPr lang="en-US" b="1" dirty="0" err="1"/>
+              <a:t>IoT</a:t>
+            </a:r>
+            <a:r>
+              <a:rPr lang="en-US" b="1" dirty="0"/>
+              <a:t> fire detectors</a:t>
+            </a:r>
+            <a:r>
               <a:rPr lang="en-US" dirty="0"/>
-              <a:t>Generic lightweight models like </a:t>
-            </a:r>
-            <a:r>
-              <a:rPr lang="en-US" dirty="0" err="1"/>
-              <a:t>MobileNet</a:t>
-            </a:r>
-            <a:r>
-              <a:rPr lang="en-US" dirty="0"/>
-              <a:t> and </a:t>
-            </a:r>
-            <a:r>
-              <a:rPr lang="en-US" dirty="0" err="1"/>
-              <a:t>EfficientNet</a:t>
-            </a:r>
-            <a:r>
-              <a:rPr lang="en-US" dirty="0"/>
-              <a:t> struggle due to missing detail and lack of attention mechanisms.</a:t>
+              <a:t> allow low-cost, real-time monitoring in rural and tribal regions with limited connectivity.</a:t>
             </a:r>
           </a:p>
           <a:p>
             <a:r>
+              <a:rPr lang="en-US" b="1" dirty="0"/>
+              <a:t>Wildlife protection zones</a:t>
+            </a:r>
+            <a:r>
               <a:rPr lang="en-US" dirty="0"/>
-              <a:t>The study demonstrates that wildfire detection requires </a:t>
-            </a:r>
-            <a:r>
-              <a:rPr lang="en-US" b="1" dirty="0"/>
-              <a:t>specialized architectures</a:t>
-            </a:r>
-            <a:r>
-              <a:rPr lang="en-US" dirty="0"/>
-              <a:t> rather than standard off-the-shelf solutions.</a:t>
+              <a:t> benefit from early alerts, helping safeguard habitats and prevent biodiversity loss during fire outbreaks.</a:t>
             </a:r>
           </a:p>
         </p:txBody>
@@ -31037,7 +31083,7 @@
     </p:spTree>
     <p:extLst>
       <p:ext uri="{BB962C8B-B14F-4D97-AF65-F5344CB8AC3E}">
-        <p14:creationId xmlns:p14="http://schemas.microsoft.com/office/powerpoint/2010/main" val="2464985533"/>
+        <p14:creationId xmlns:p14="http://schemas.microsoft.com/office/powerpoint/2010/main" val="3962399788"/>
       </p:ext>
     </p:extLst>
   </p:cSld>
@@ -31114,7 +31160,7 @@
                 <a:ea typeface="Calibri" pitchFamily="34" charset="0"/>
                 <a:cs typeface="Calibri" pitchFamily="34" charset="0"/>
               </a:rPr>
-              <a:t>Conclusion</a:t>
+              <a:t>Future Improvements</a:t>
             </a:r>
           </a:p>
         </p:txBody>
@@ -31174,6 +31220,301 @@
                 </a:solidFill>
               </a:rPr>
               <a:t>37</a:t>
+            </a:fld>
+            <a:endParaRPr>
+              <a:solidFill>
+                <a:schemeClr val="lt1"/>
+              </a:solidFill>
+            </a:endParaRPr>
+          </a:p>
+        </p:txBody>
+      </p:sp>
+      <p:sp>
+        <p:nvSpPr>
+          <p:cNvPr id="6" name="Text Placeholder 5">
+            <a:extLst>
+              <a:ext uri="{FF2B5EF4-FFF2-40B4-BE49-F238E27FC236}">
+                <a16:creationId xmlns:a16="http://schemas.microsoft.com/office/drawing/2014/main" id="{D9F22D81-8FFA-E402-5302-2B7D4E855C23}"/>
+              </a:ext>
+            </a:extLst>
+          </p:cNvPr>
+          <p:cNvSpPr>
+            <a:spLocks noGrp="1" noChangeArrowheads="1"/>
+          </p:cNvSpPr>
+          <p:nvPr>
+            <p:ph type="body" idx="1"/>
+          </p:nvPr>
+        </p:nvSpPr>
+        <p:spPr bwMode="auto">
+          <a:xfrm>
+            <a:off x="69450" y="1218877"/>
+            <a:ext cx="12053095" cy="4999317"/>
+          </a:xfrm>
+          <a:prstGeom prst="rect">
+            <a:avLst/>
+          </a:prstGeom>
+          <a:noFill/>
+          <a:ln>
+            <a:noFill/>
+          </a:ln>
+          <a:effectLst/>
+          <a:extLst>
+            <a:ext uri="{909E8E84-426E-40DD-AFC4-6F175D3DCCD1}">
+              <a14:hiddenFill xmlns:a14="http://schemas.microsoft.com/office/drawing/2010/main">
+                <a:solidFill>
+                  <a:schemeClr val="accent1"/>
+                </a:solidFill>
+              </a14:hiddenFill>
+            </a:ext>
+            <a:ext uri="{91240B29-F687-4F45-9708-019B960494DF}">
+              <a14:hiddenLine xmlns:a14="http://schemas.microsoft.com/office/drawing/2010/main" w="9525">
+                <a:solidFill>
+                  <a:schemeClr val="tx1"/>
+                </a:solidFill>
+                <a:miter lim="800000"/>
+                <a:headEnd/>
+                <a:tailEnd/>
+              </a14:hiddenLine>
+            </a:ext>
+            <a:ext uri="{AF507438-7753-43E0-B8FC-AC1667EBCBE1}">
+              <a14:hiddenEffects xmlns:a14="http://schemas.microsoft.com/office/drawing/2010/main">
+                <a:effectLst>
+                  <a:outerShdw dist="35921" dir="2700000" algn="ctr" rotWithShape="0">
+                    <a:schemeClr val="bg2"/>
+                  </a:outerShdw>
+                </a:effectLst>
+              </a14:hiddenEffects>
+            </a:ext>
+          </a:extLst>
+        </p:spPr>
+        <p:txBody>
+          <a:bodyPr vert="horz" wrap="square" lIns="91440" tIns="45720" rIns="91440" bIns="45720" numCol="1" anchor="ctr" anchorCtr="0" compatLnSpc="1">
+            <a:prstTxWarp prst="textNoShape">
+              <a:avLst/>
+            </a:prstTxWarp>
+            <a:spAutoFit/>
+          </a:bodyPr>
+          <a:lstStyle/>
+          <a:p>
+            <a:r>
+              <a:rPr lang="en-US" dirty="0"/>
+              <a:t>Extend the system to support </a:t>
+            </a:r>
+            <a:r>
+              <a:rPr lang="en-US" b="1" dirty="0"/>
+              <a:t>real-time video analysis</a:t>
+            </a:r>
+            <a:r>
+              <a:rPr lang="en-US" dirty="0"/>
+              <a:t>, enabling continuous fire and smoke tracking rather than only single-image detection.</a:t>
+            </a:r>
+          </a:p>
+          <a:p>
+            <a:r>
+              <a:rPr lang="en-US" dirty="0"/>
+              <a:t>Implement </a:t>
+            </a:r>
+            <a:r>
+              <a:rPr lang="en-US" b="1" dirty="0"/>
+              <a:t>on-device optimization techniques</a:t>
+            </a:r>
+            <a:r>
+              <a:rPr lang="en-US" dirty="0"/>
+              <a:t> such as quantization, pruning, and </a:t>
+            </a:r>
+            <a:r>
+              <a:rPr lang="en-US" dirty="0" err="1"/>
+              <a:t>TensorRT</a:t>
+            </a:r>
+            <a:r>
+              <a:rPr lang="en-US" dirty="0"/>
+              <a:t> acceleration to improve inference speed on low-power devices.</a:t>
+            </a:r>
+          </a:p>
+          <a:p>
+            <a:r>
+              <a:rPr lang="en-US" dirty="0"/>
+              <a:t>Develop </a:t>
+            </a:r>
+            <a:r>
+              <a:rPr lang="en-US" b="1" dirty="0"/>
+              <a:t>multimodal detection</a:t>
+            </a:r>
+            <a:r>
+              <a:rPr lang="en-US" dirty="0"/>
+              <a:t> by combining RGB visuals with thermal or infrared images for stronger accuracy in low-light or smoky conditions.</a:t>
+            </a:r>
+          </a:p>
+          <a:p>
+            <a:r>
+              <a:rPr lang="en-US" dirty="0"/>
+              <a:t>Expand the dataset with </a:t>
+            </a:r>
+            <a:r>
+              <a:rPr lang="en-US" b="1" dirty="0"/>
+              <a:t>more diverse and real-world wildfire images</a:t>
+            </a:r>
+            <a:r>
+              <a:rPr lang="en-US" dirty="0"/>
+              <a:t>, including seasonal variations and different vegetation types.</a:t>
+            </a:r>
+          </a:p>
+          <a:p>
+            <a:r>
+              <a:rPr lang="en-US" dirty="0"/>
+              <a:t>Integrate the system with early-warning platforms to support </a:t>
+            </a:r>
+            <a:r>
+              <a:rPr lang="en-US" b="1" dirty="0"/>
+              <a:t>fast alerts</a:t>
+            </a:r>
+            <a:r>
+              <a:rPr lang="en-US" dirty="0"/>
+              <a:t>, automated emergency responses, and improved communication with authorities.</a:t>
+            </a:r>
+          </a:p>
+        </p:txBody>
+      </p:sp>
+    </p:spTree>
+    <p:extLst>
+      <p:ext uri="{BB962C8B-B14F-4D97-AF65-F5344CB8AC3E}">
+        <p14:creationId xmlns:p14="http://schemas.microsoft.com/office/powerpoint/2010/main" val="2371022569"/>
+      </p:ext>
+    </p:extLst>
+  </p:cSld>
+  <p:clrMapOvr>
+    <a:masterClrMapping/>
+  </p:clrMapOvr>
+</p:sld>
+</file>
+
+<file path=ppt/slides/slide38.xml><?xml version="1.0" encoding="utf-8"?>
+<p:sld xmlns:a="http://schemas.openxmlformats.org/drawingml/2006/main" xmlns:r="http://schemas.openxmlformats.org/officeDocument/2006/relationships" xmlns:p="http://schemas.openxmlformats.org/presentationml/2006/main">
+  <p:cSld>
+    <p:spTree>
+      <p:nvGrpSpPr>
+        <p:cNvPr id="1" name="Shape 109">
+          <a:extLst>
+            <a:ext uri="{FF2B5EF4-FFF2-40B4-BE49-F238E27FC236}">
+              <a16:creationId xmlns:a16="http://schemas.microsoft.com/office/drawing/2014/main" id="{B389B3BA-4E13-968B-916E-38B6AABC0E16}"/>
+            </a:ext>
+          </a:extLst>
+        </p:cNvPr>
+        <p:cNvGrpSpPr/>
+        <p:nvPr/>
+      </p:nvGrpSpPr>
+      <p:grpSpPr>
+        <a:xfrm>
+          <a:off x="0" y="0"/>
+          <a:ext cx="0" cy="0"/>
+          <a:chOff x="0" y="0"/>
+          <a:chExt cx="0" cy="0"/>
+        </a:xfrm>
+      </p:grpSpPr>
+      <p:sp>
+        <p:nvSpPr>
+          <p:cNvPr id="110" name="Google Shape;110;p3">
+            <a:extLst>
+              <a:ext uri="{FF2B5EF4-FFF2-40B4-BE49-F238E27FC236}">
+                <a16:creationId xmlns:a16="http://schemas.microsoft.com/office/drawing/2014/main" id="{AA2246B3-32A9-C0A8-4C2F-97264CD690F9}"/>
+              </a:ext>
+            </a:extLst>
+          </p:cNvPr>
+          <p:cNvSpPr txBox="1">
+            <a:spLocks noGrp="1"/>
+          </p:cNvSpPr>
+          <p:nvPr>
+            <p:ph type="title"/>
+          </p:nvPr>
+        </p:nvSpPr>
+        <p:spPr>
+          <a:xfrm>
+            <a:off x="3431704" y="188640"/>
+            <a:ext cx="5850653" cy="1325400"/>
+          </a:xfrm>
+          <a:prstGeom prst="rect">
+            <a:avLst/>
+          </a:prstGeom>
+          <a:noFill/>
+          <a:ln>
+            <a:noFill/>
+          </a:ln>
+        </p:spPr>
+        <p:txBody>
+          <a:bodyPr spcFirstLastPara="1" wrap="square" lIns="91425" tIns="45700" rIns="91425" bIns="45700" anchor="ctr" anchorCtr="0">
+            <a:noAutofit/>
+          </a:bodyPr>
+          <a:lstStyle/>
+          <a:p>
+            <a:pPr lvl="0" algn="ctr">
+              <a:buSzPts val="4400"/>
+            </a:pPr>
+            <a:r>
+              <a:rPr lang="en-US" sz="4000" b="1" dirty="0">
+                <a:latin typeface="Calibri" pitchFamily="34" charset="0"/>
+                <a:ea typeface="Calibri" pitchFamily="34" charset="0"/>
+                <a:cs typeface="Calibri" pitchFamily="34" charset="0"/>
+              </a:rPr>
+              <a:t>Summary of Findings</a:t>
+            </a:r>
+          </a:p>
+        </p:txBody>
+      </p:sp>
+      <p:sp>
+        <p:nvSpPr>
+          <p:cNvPr id="112" name="Google Shape;112;p3">
+            <a:extLst>
+              <a:ext uri="{FF2B5EF4-FFF2-40B4-BE49-F238E27FC236}">
+                <a16:creationId xmlns:a16="http://schemas.microsoft.com/office/drawing/2014/main" id="{F28BD3D4-4FA0-19F2-8940-5FE607807201}"/>
+              </a:ext>
+            </a:extLst>
+          </p:cNvPr>
+          <p:cNvSpPr txBox="1">
+            <a:spLocks noGrp="1"/>
+          </p:cNvSpPr>
+          <p:nvPr>
+            <p:ph type="sldNum" idx="12"/>
+          </p:nvPr>
+        </p:nvSpPr>
+        <p:spPr>
+          <a:xfrm>
+            <a:off x="8610600" y="6356350"/>
+            <a:ext cx="2743200" cy="365125"/>
+          </a:xfrm>
+          <a:prstGeom prst="rect">
+            <a:avLst/>
+          </a:prstGeom>
+          <a:noFill/>
+          <a:ln>
+            <a:noFill/>
+          </a:ln>
+        </p:spPr>
+        <p:txBody>
+          <a:bodyPr spcFirstLastPara="1" wrap="square" lIns="91425" tIns="45700" rIns="91425" bIns="45700" anchor="ctr" anchorCtr="0">
+            <a:noAutofit/>
+          </a:bodyPr>
+          <a:lstStyle/>
+          <a:p>
+            <a:pPr marL="0" lvl="0" indent="0" algn="r" rtl="0">
+              <a:lnSpc>
+                <a:spcPct val="100000"/>
+              </a:lnSpc>
+              <a:spcBef>
+                <a:spcPts val="0"/>
+              </a:spcBef>
+              <a:spcAft>
+                <a:spcPts val="0"/>
+              </a:spcAft>
+              <a:buSzPts val="1200"/>
+              <a:buNone/>
+            </a:pPr>
+            <a:fld id="{00000000-1234-1234-1234-123412341234}" type="slidenum">
+              <a:rPr lang="en-US">
+                <a:solidFill>
+                  <a:schemeClr val="lt1"/>
+                </a:solidFill>
+              </a:rPr>
+              <a:t>38</a:t>
             </a:fld>
             <a:endParaRPr>
               <a:solidFill>
@@ -31251,22 +31592,28 @@
           <a:lstStyle/>
           <a:p>
             <a:r>
+              <a:rPr lang="en-US" b="1" dirty="0"/>
+              <a:t>Fine-tuning plays a critical role</a:t>
+            </a:r>
+            <a:r>
               <a:rPr lang="en-US" dirty="0"/>
-              <a:t>Deep learning techniques offer a </a:t>
-            </a:r>
-            <a:r>
-              <a:rPr lang="en-US" b="1" dirty="0"/>
-              <a:t>highly reliable solution</a:t>
-            </a:r>
-            <a:r>
-              <a:rPr lang="en-US" dirty="0"/>
-              <a:t> for early wildfire detection using images.</a:t>
+              <a:t>, boosting accuracy by 3–5% and enabling models to better understand wildfire-specific patterns.</a:t>
             </a:r>
           </a:p>
           <a:p>
             <a:r>
+              <a:rPr lang="en-US" b="1" dirty="0"/>
+              <a:t>VGG models</a:t>
+            </a:r>
+            <a:r>
               <a:rPr lang="en-US" dirty="0"/>
-              <a:t>The proposed </a:t>
+              <a:t> consistently deliver the highest accuracy but are too large for real-time or portable deployment.</a:t>
+            </a:r>
+          </a:p>
+          <a:p>
+            <a:r>
+              <a:rPr lang="en-US" dirty="0"/>
+              <a:t>The custom </a:t>
             </a:r>
             <a:r>
               <a:rPr lang="en-US" b="1" dirty="0" err="1"/>
@@ -31274,45 +31621,47 @@
             </a:r>
             <a:r>
               <a:rPr lang="en-US" b="1" dirty="0"/>
-              <a:t> architecture</a:t>
+              <a:t> model</a:t>
             </a:r>
             <a:r>
               <a:rPr lang="en-US" dirty="0"/>
-              <a:t> enables accurate, fast, and efficient on-device inference suitable for real-world scenarios.</a:t>
+              <a:t> provides an excellent balance of performance and efficiency, making it ideal for edge devices.</a:t>
             </a:r>
           </a:p>
           <a:p>
             <a:r>
               <a:rPr lang="en-US" dirty="0"/>
-              <a:t>Automated detection can significantly reduce response time, helping minimize fire spread and overall damage.</a:t>
+              <a:t>Generic lightweight models like </a:t>
+            </a:r>
+            <a:r>
+              <a:rPr lang="en-US" dirty="0" err="1"/>
+              <a:t>MobileNet</a:t>
+            </a:r>
+            <a:r>
+              <a:rPr lang="en-US" dirty="0"/>
+              <a:t> and </a:t>
+            </a:r>
+            <a:r>
+              <a:rPr lang="en-US" dirty="0" err="1"/>
+              <a:t>EfficientNet</a:t>
+            </a:r>
+            <a:r>
+              <a:rPr lang="en-US" dirty="0"/>
+              <a:t> struggle due to missing detail and lack of attention mechanisms.</a:t>
             </a:r>
           </a:p>
           <a:p>
             <a:r>
               <a:rPr lang="en-US" dirty="0"/>
-              <a:t>The system shows strong potential for integration into </a:t>
+              <a:t>The study demonstrates that wildfire detection requires </a:t>
             </a:r>
             <a:r>
               <a:rPr lang="en-US" b="1" dirty="0"/>
-              <a:t>fire management systems, drones, </a:t>
-            </a:r>
-            <a:r>
-              <a:rPr lang="en-US" b="1" dirty="0" err="1"/>
-              <a:t>IoT</a:t>
-            </a:r>
-            <a:r>
-              <a:rPr lang="en-US" b="1" dirty="0"/>
-              <a:t> networks, and surveillance infrastructure</a:t>
+              <a:t>specialized architectures</a:t>
             </a:r>
             <a:r>
               <a:rPr lang="en-US" dirty="0"/>
-              <a:t>.</a:t>
-            </a:r>
-          </a:p>
-          <a:p>
-            <a:r>
-              <a:rPr lang="en-US" dirty="0"/>
-              <a:t>With continued improvements and larger datasets, the model can be scaled across regions to enhance wildfire monitoring at national and global levels.</a:t>
+              <a:t> rather than standard off-the-shelf solutions.</a:t>
             </a:r>
           </a:p>
         </p:txBody>
@@ -31320,7 +31669,7 @@
     </p:spTree>
     <p:extLst>
       <p:ext uri="{BB962C8B-B14F-4D97-AF65-F5344CB8AC3E}">
-        <p14:creationId xmlns:p14="http://schemas.microsoft.com/office/powerpoint/2010/main" val="2482059916"/>
+        <p14:creationId xmlns:p14="http://schemas.microsoft.com/office/powerpoint/2010/main" val="2464985533"/>
       </p:ext>
     </p:extLst>
   </p:cSld>
@@ -31330,15 +31679,15 @@
 </p:sld>
 </file>
 
-<file path=ppt/slides/slide38.xml><?xml version="1.0" encoding="utf-8"?>
+<file path=ppt/slides/slide39.xml><?xml version="1.0" encoding="utf-8"?>
 <p:sld xmlns:a="http://schemas.openxmlformats.org/drawingml/2006/main" xmlns:r="http://schemas.openxmlformats.org/officeDocument/2006/relationships" xmlns:p="http://schemas.openxmlformats.org/presentationml/2006/main">
   <p:cSld>
     <p:spTree>
       <p:nvGrpSpPr>
-        <p:cNvPr id="1" name="Shape 123">
+        <p:cNvPr id="1" name="Shape 109">
           <a:extLst>
             <a:ext uri="{FF2B5EF4-FFF2-40B4-BE49-F238E27FC236}">
-              <a16:creationId xmlns:a16="http://schemas.microsoft.com/office/drawing/2014/main" id="{98673FEE-0015-EB04-593A-2F31EF3F36B5}"/>
+              <a16:creationId xmlns:a16="http://schemas.microsoft.com/office/drawing/2014/main" id="{B389B3BA-4E13-968B-916E-38B6AABC0E16}"/>
             </a:ext>
           </a:extLst>
         </p:cNvPr>
@@ -31355,10 +31704,10 @@
       </p:grpSpPr>
       <p:sp>
         <p:nvSpPr>
-          <p:cNvPr id="124" name="Google Shape;124;p2">
+          <p:cNvPr id="110" name="Google Shape;110;p3">
             <a:extLst>
               <a:ext uri="{FF2B5EF4-FFF2-40B4-BE49-F238E27FC236}">
-                <a16:creationId xmlns:a16="http://schemas.microsoft.com/office/drawing/2014/main" id="{C1FB0668-D7A7-EC1A-2B57-39F366168178}"/>
+                <a16:creationId xmlns:a16="http://schemas.microsoft.com/office/drawing/2014/main" id="{AA2246B3-32A9-C0A8-4C2F-97264CD690F9}"/>
               </a:ext>
             </a:extLst>
           </p:cNvPr>
@@ -31371,8 +31720,8 @@
         </p:nvSpPr>
         <p:spPr>
           <a:xfrm>
-            <a:off x="838200" y="500062"/>
-            <a:ext cx="10515600" cy="1325563"/>
+            <a:off x="3431704" y="188640"/>
+            <a:ext cx="5850653" cy="1325400"/>
           </a:xfrm>
           <a:prstGeom prst="rect">
             <a:avLst/>
@@ -31384,37 +31733,30 @@
         </p:spPr>
         <p:txBody>
           <a:bodyPr spcFirstLastPara="1" wrap="square" lIns="91425" tIns="45700" rIns="91425" bIns="45700" anchor="ctr" anchorCtr="0">
-            <a:normAutofit/>
+            <a:noAutofit/>
           </a:bodyPr>
           <a:lstStyle/>
           <a:p>
-            <a:pPr marL="0" lvl="0" indent="0" algn="ctr" rtl="0">
-              <a:lnSpc>
-                <a:spcPct val="90000"/>
-              </a:lnSpc>
-              <a:spcBef>
-                <a:spcPts val="0"/>
-              </a:spcBef>
-              <a:spcAft>
-                <a:spcPts val="0"/>
-              </a:spcAft>
-              <a:buSzPts val="1800"/>
-              <a:buNone/>
+            <a:pPr lvl="0" algn="ctr">
+              <a:buSzPts val="4400"/>
             </a:pPr>
             <a:r>
-              <a:rPr lang="en-US" sz="4000" b="1" dirty="0"/>
-              <a:t>References</a:t>
-            </a:r>
-            <a:endParaRPr lang="en-US" sz="4000" dirty="0"/>
+              <a:rPr lang="en-US" sz="4000" b="1" dirty="0">
+                <a:latin typeface="Calibri" pitchFamily="34" charset="0"/>
+                <a:ea typeface="Calibri" pitchFamily="34" charset="0"/>
+                <a:cs typeface="Calibri" pitchFamily="34" charset="0"/>
+              </a:rPr>
+              <a:t>Conclusion</a:t>
+            </a:r>
           </a:p>
         </p:txBody>
       </p:sp>
       <p:sp>
         <p:nvSpPr>
-          <p:cNvPr id="126" name="Google Shape;126;p2">
+          <p:cNvPr id="112" name="Google Shape;112;p3">
             <a:extLst>
               <a:ext uri="{FF2B5EF4-FFF2-40B4-BE49-F238E27FC236}">
-                <a16:creationId xmlns:a16="http://schemas.microsoft.com/office/drawing/2014/main" id="{B5482EF9-7DCB-9207-562B-B03284AE167F}"/>
+                <a16:creationId xmlns:a16="http://schemas.microsoft.com/office/drawing/2014/main" id="{F28BD3D4-4FA0-19F2-8940-5FE607807201}"/>
               </a:ext>
             </a:extLst>
           </p:cNvPr>
@@ -31463,7 +31805,7 @@
                   <a:schemeClr val="lt1"/>
                 </a:solidFill>
               </a:rPr>
-              <a:t>38</a:t>
+              <a:t>39</a:t>
             </a:fld>
             <a:endParaRPr>
               <a:solidFill>
@@ -31475,10 +31817,10 @@
       </p:sp>
       <p:sp>
         <p:nvSpPr>
-          <p:cNvPr id="7" name="Text Placeholder 6">
+          <p:cNvPr id="6" name="Text Placeholder 5">
             <a:extLst>
               <a:ext uri="{FF2B5EF4-FFF2-40B4-BE49-F238E27FC236}">
-                <a16:creationId xmlns:a16="http://schemas.microsoft.com/office/drawing/2014/main" id="{F5D39CE1-5FE9-9DEB-0F1E-73BFB25970AC}"/>
+                <a16:creationId xmlns:a16="http://schemas.microsoft.com/office/drawing/2014/main" id="{D9F22D81-8FFA-E402-5302-2B7D4E855C23}"/>
               </a:ext>
             </a:extLst>
           </p:cNvPr>
@@ -31491,8 +31833,8 @@
         </p:nvSpPr>
         <p:spPr bwMode="auto">
           <a:xfrm>
-            <a:off x="479115" y="1705924"/>
-            <a:ext cx="11233769" cy="4089325"/>
+            <a:off x="69450" y="1412776"/>
+            <a:ext cx="12053095" cy="4611519"/>
           </a:xfrm>
           <a:prstGeom prst="rect">
             <a:avLst/>
@@ -31540,189 +31882,69 @@
           </a:bodyPr>
           <a:lstStyle/>
           <a:p>
-            <a:pPr marL="114300" indent="0">
-              <a:buNone/>
-            </a:pPr>
-            <a:r>
-              <a:rPr lang="en-IN" sz="1400" b="1" dirty="0"/>
-              <a:t>[1] </a:t>
-            </a:r>
-            <a:r>
-              <a:rPr lang="en-IN" sz="1400" b="1" dirty="0" err="1"/>
-              <a:t>Illarionova</a:t>
-            </a:r>
-            <a:r>
-              <a:rPr lang="en-IN" sz="1400" b="1" dirty="0"/>
-              <a:t> et al., 2025</a:t>
+            <a:r>
+              <a:rPr lang="en-US" dirty="0"/>
+              <a:t>Deep learning techniques offer a </a:t>
+            </a:r>
+            <a:r>
+              <a:rPr lang="en-US" b="1" dirty="0"/>
+              <a:t>highly reliable solution</a:t>
+            </a:r>
+            <a:r>
+              <a:rPr lang="en-US" dirty="0"/>
+              <a:t> for early wildfire detection using images.</a:t>
             </a:r>
           </a:p>
           <a:p>
-            <a:pPr marL="114300" indent="0">
-              <a:buNone/>
-            </a:pPr>
-            <a:r>
-              <a:rPr lang="en-IN" sz="1400" dirty="0"/>
-              <a:t>S. </a:t>
-            </a:r>
-            <a:r>
-              <a:rPr lang="en-IN" sz="1400" dirty="0" err="1"/>
-              <a:t>Illarionova</a:t>
-            </a:r>
-            <a:r>
-              <a:rPr lang="en-IN" sz="1400" dirty="0"/>
-              <a:t> </a:t>
-            </a:r>
-            <a:r>
-              <a:rPr lang="en-IN" sz="1400" i="1" dirty="0"/>
-              <a:t>et al</a:t>
-            </a:r>
-            <a:r>
-              <a:rPr lang="en-IN" sz="1400" dirty="0"/>
-              <a:t>., “Exploration of geo-spatial data and machine learning algorithms for robust wildfire occurrence prediction,” </a:t>
-            </a:r>
-            <a:r>
-              <a:rPr lang="en-IN" sz="1400" i="1" dirty="0"/>
-              <a:t>Scientific Reports</a:t>
-            </a:r>
-            <a:r>
-              <a:rPr lang="en-IN" sz="1400" dirty="0"/>
-              <a:t>, vol. 15, no. 10712, 2025.</a:t>
+            <a:r>
+              <a:rPr lang="en-US" dirty="0"/>
+              <a:t>The proposed </a:t>
+            </a:r>
+            <a:r>
+              <a:rPr lang="en-US" b="1" dirty="0" err="1"/>
+              <a:t>WildfireNet</a:t>
+            </a:r>
+            <a:r>
+              <a:rPr lang="en-US" b="1" dirty="0"/>
+              <a:t> architecture</a:t>
+            </a:r>
+            <a:r>
+              <a:rPr lang="en-US" dirty="0"/>
+              <a:t> enables accurate, fast, and efficient on-device inference suitable for real-world scenarios.</a:t>
             </a:r>
           </a:p>
           <a:p>
-            <a:pPr marL="114300" indent="0">
-              <a:buNone/>
-            </a:pPr>
-            <a:r>
-              <a:rPr lang="en-IN" sz="1400" b="1" dirty="0"/>
-              <a:t>[2] Ensemble-based Daily Wildfire Outbreak Prediction in Korea (2025)</a:t>
+            <a:r>
+              <a:rPr lang="en-US" dirty="0"/>
+              <a:t>Automated detection can significantly reduce response time, helping minimize fire spread and overall damage.</a:t>
             </a:r>
           </a:p>
           <a:p>
-            <a:pPr marL="114300" indent="0">
-              <a:buNone/>
-            </a:pPr>
-            <a:r>
-              <a:rPr lang="en-IN" sz="1400" dirty="0"/>
-              <a:t>[Authors not shown], “Ensemble-based daily wildfire outbreak prediction with explainable AI,” </a:t>
-            </a:r>
-            <a:r>
-              <a:rPr lang="en-IN" sz="1400" i="1" dirty="0"/>
-              <a:t>Scientific Reports</a:t>
-            </a:r>
-            <a:r>
-              <a:rPr lang="en-IN" sz="1400" dirty="0"/>
-              <a:t>, 2025.</a:t>
+            <a:r>
+              <a:rPr lang="en-US" dirty="0"/>
+              <a:t>The system shows strong potential for integration into </a:t>
+            </a:r>
+            <a:r>
+              <a:rPr lang="en-US" b="1" dirty="0"/>
+              <a:t>fire management systems, drones, </a:t>
+            </a:r>
+            <a:r>
+              <a:rPr lang="en-US" b="1" dirty="0" err="1"/>
+              <a:t>IoT</a:t>
+            </a:r>
+            <a:r>
+              <a:rPr lang="en-US" b="1" dirty="0"/>
+              <a:t> networks, and surveillance infrastructure</a:t>
+            </a:r>
+            <a:r>
+              <a:rPr lang="en-US" dirty="0"/>
+              <a:t>.</a:t>
             </a:r>
           </a:p>
           <a:p>
-            <a:pPr marL="114300" indent="0">
-              <a:buNone/>
-            </a:pPr>
-            <a:r>
-              <a:rPr lang="en-IN" sz="1400" b="1" dirty="0"/>
-              <a:t>[3] GLSTD Wildfire Risk Model – Yunnan Province</a:t>
-            </a:r>
-          </a:p>
-          <a:p>
-            <a:pPr marL="114300" indent="0">
-              <a:buNone/>
-            </a:pPr>
-            <a:r>
-              <a:rPr lang="en-IN" sz="1400" dirty="0"/>
-              <a:t>J. Deng, B. Hong, W. Wang, and G. </a:t>
-            </a:r>
-            <a:r>
-              <a:rPr lang="en-IN" sz="1400" dirty="0" err="1"/>
-              <a:t>Gu</a:t>
-            </a:r>
-            <a:r>
-              <a:rPr lang="en-IN" sz="1400" dirty="0"/>
-              <a:t>, “</a:t>
-            </a:r>
-            <a:r>
-              <a:rPr lang="en-IN" sz="1400" dirty="0" err="1"/>
-              <a:t>Spatio</a:t>
-            </a:r>
-            <a:r>
-              <a:rPr lang="en-IN" sz="1400" dirty="0"/>
-              <a:t>-temporal wildfire risk prediction using global–local dependency deep learning (GLSTD),” </a:t>
-            </a:r>
-            <a:r>
-              <a:rPr lang="en-IN" sz="1400" i="1" dirty="0"/>
-              <a:t>Environmental Modelling</a:t>
-            </a:r>
-            <a:r>
-              <a:rPr lang="en-IN" sz="1400" dirty="0"/>
-              <a:t>, 2024.</a:t>
-            </a:r>
-          </a:p>
-          <a:p>
-            <a:pPr marL="114300" indent="0">
-              <a:buNone/>
-            </a:pPr>
-            <a:r>
-              <a:rPr lang="en-IN" sz="1400" b="1" dirty="0"/>
-              <a:t>[4] Fitzgerald et al., 2023 (ICMI '23 — U-Net Attention)</a:t>
-            </a:r>
-          </a:p>
-          <a:p>
-            <a:pPr marL="114300" indent="0">
-              <a:buNone/>
-            </a:pPr>
-            <a:r>
-              <a:rPr lang="en-IN" sz="1400" dirty="0"/>
-              <a:t>N. Fitzgerald, M. </a:t>
-            </a:r>
-            <a:r>
-              <a:rPr lang="en-IN" sz="1400" dirty="0" err="1"/>
-              <a:t>Seefried</a:t>
-            </a:r>
-            <a:r>
-              <a:rPr lang="en-IN" sz="1400" dirty="0"/>
-              <a:t>, F. Yost </a:t>
-            </a:r>
-            <a:r>
-              <a:rPr lang="en-IN" sz="1400" i="1" dirty="0"/>
-              <a:t>et al</a:t>
-            </a:r>
-            <a:r>
-              <a:rPr lang="en-IN" sz="1400" dirty="0"/>
-              <a:t>., “Paying Attention to Wildfire: Using U-Net with Attention Blocks on Multimodal Data for Next Day Prediction,” in </a:t>
-            </a:r>
-            <a:r>
-              <a:rPr lang="en-IN" sz="1400" i="1" dirty="0"/>
-              <a:t>Proc. 25th ACM International Conference on Multimodal Interaction (ICMI ’23)</a:t>
-            </a:r>
-            <a:r>
-              <a:rPr lang="en-IN" sz="1400" dirty="0"/>
-              <a:t>, Paris, France, 2023.</a:t>
-            </a:r>
-          </a:p>
-          <a:p>
-            <a:pPr marL="114300" indent="0">
-              <a:buNone/>
-            </a:pPr>
-            <a:r>
-              <a:rPr lang="en-IN" sz="1400" b="1" dirty="0"/>
-              <a:t>[5] Wildfire Prediction &amp; Detection using ML + GUI (ICICCS/IEEE)</a:t>
-            </a:r>
-          </a:p>
-          <a:p>
-            <a:pPr marL="114300" indent="0">
-              <a:buNone/>
-            </a:pPr>
-            <a:r>
-              <a:rPr lang="en-IN" sz="1400" dirty="0"/>
-              <a:t>[Authors not shown], “An integrated machine learning and deep learning approach for wildfire prediction and detection using GUI,” in </a:t>
-            </a:r>
-            <a:r>
-              <a:rPr lang="en-IN" sz="1400" i="1" dirty="0"/>
-              <a:t>Proc. Int. Conf. Intelligent Computing and Control Systems (ICICCS)</a:t>
-            </a:r>
-            <a:r>
-              <a:rPr lang="en-IN" sz="1400" dirty="0"/>
-              <a:t>, IEEE, 2020.</a:t>
+            <a:r>
+              <a:rPr lang="en-US" dirty="0"/>
+              <a:t>With continued improvements and larger datasets, the model can be scaled across regions to enhance wildfire monitoring at national and global levels.</a:t>
             </a:r>
           </a:p>
         </p:txBody>
@@ -31730,521 +31952,7 @@
     </p:spTree>
     <p:extLst>
       <p:ext uri="{BB962C8B-B14F-4D97-AF65-F5344CB8AC3E}">
-        <p14:creationId xmlns:p14="http://schemas.microsoft.com/office/powerpoint/2010/main" val="3702129586"/>
-      </p:ext>
-    </p:extLst>
-  </p:cSld>
-  <p:clrMapOvr>
-    <a:masterClrMapping/>
-  </p:clrMapOvr>
-</p:sld>
-</file>
-
-<file path=ppt/slides/slide39.xml><?xml version="1.0" encoding="utf-8"?>
-<p:sld xmlns:a="http://schemas.openxmlformats.org/drawingml/2006/main" xmlns:r="http://schemas.openxmlformats.org/officeDocument/2006/relationships" xmlns:p="http://schemas.openxmlformats.org/presentationml/2006/main">
-  <p:cSld>
-    <p:spTree>
-      <p:nvGrpSpPr>
-        <p:cNvPr id="1" name="Shape 123">
-          <a:extLst>
-            <a:ext uri="{FF2B5EF4-FFF2-40B4-BE49-F238E27FC236}">
-              <a16:creationId xmlns:a16="http://schemas.microsoft.com/office/drawing/2014/main" id="{98673FEE-0015-EB04-593A-2F31EF3F36B5}"/>
-            </a:ext>
-          </a:extLst>
-        </p:cNvPr>
-        <p:cNvGrpSpPr/>
-        <p:nvPr/>
-      </p:nvGrpSpPr>
-      <p:grpSpPr>
-        <a:xfrm>
-          <a:off x="0" y="0"/>
-          <a:ext cx="0" cy="0"/>
-          <a:chOff x="0" y="0"/>
-          <a:chExt cx="0" cy="0"/>
-        </a:xfrm>
-      </p:grpSpPr>
-      <p:sp>
-        <p:nvSpPr>
-          <p:cNvPr id="124" name="Google Shape;124;p2">
-            <a:extLst>
-              <a:ext uri="{FF2B5EF4-FFF2-40B4-BE49-F238E27FC236}">
-                <a16:creationId xmlns:a16="http://schemas.microsoft.com/office/drawing/2014/main" id="{C1FB0668-D7A7-EC1A-2B57-39F366168178}"/>
-              </a:ext>
-            </a:extLst>
-          </p:cNvPr>
-          <p:cNvSpPr txBox="1">
-            <a:spLocks noGrp="1"/>
-          </p:cNvSpPr>
-          <p:nvPr>
-            <p:ph type="title"/>
-          </p:nvPr>
-        </p:nvSpPr>
-        <p:spPr>
-          <a:xfrm>
-            <a:off x="838200" y="500062"/>
-            <a:ext cx="10515600" cy="1325563"/>
-          </a:xfrm>
-          <a:prstGeom prst="rect">
-            <a:avLst/>
-          </a:prstGeom>
-          <a:noFill/>
-          <a:ln>
-            <a:noFill/>
-          </a:ln>
-        </p:spPr>
-        <p:txBody>
-          <a:bodyPr spcFirstLastPara="1" wrap="square" lIns="91425" tIns="45700" rIns="91425" bIns="45700" anchor="ctr" anchorCtr="0">
-            <a:normAutofit/>
-          </a:bodyPr>
-          <a:lstStyle/>
-          <a:p>
-            <a:pPr marL="0" lvl="0" indent="0" algn="ctr" rtl="0">
-              <a:lnSpc>
-                <a:spcPct val="90000"/>
-              </a:lnSpc>
-              <a:spcBef>
-                <a:spcPts val="0"/>
-              </a:spcBef>
-              <a:spcAft>
-                <a:spcPts val="0"/>
-              </a:spcAft>
-              <a:buSzPts val="1800"/>
-              <a:buNone/>
-            </a:pPr>
-            <a:r>
-              <a:rPr lang="en-US" sz="4000" b="1" dirty="0"/>
-              <a:t>References</a:t>
-            </a:r>
-            <a:endParaRPr lang="en-US" sz="4000" dirty="0"/>
-          </a:p>
-        </p:txBody>
-      </p:sp>
-      <p:sp>
-        <p:nvSpPr>
-          <p:cNvPr id="126" name="Google Shape;126;p2">
-            <a:extLst>
-              <a:ext uri="{FF2B5EF4-FFF2-40B4-BE49-F238E27FC236}">
-                <a16:creationId xmlns:a16="http://schemas.microsoft.com/office/drawing/2014/main" id="{B5482EF9-7DCB-9207-562B-B03284AE167F}"/>
-              </a:ext>
-            </a:extLst>
-          </p:cNvPr>
-          <p:cNvSpPr txBox="1">
-            <a:spLocks noGrp="1"/>
-          </p:cNvSpPr>
-          <p:nvPr>
-            <p:ph type="sldNum" idx="12"/>
-          </p:nvPr>
-        </p:nvSpPr>
-        <p:spPr>
-          <a:xfrm>
-            <a:off x="8610600" y="6356350"/>
-            <a:ext cx="2743200" cy="365125"/>
-          </a:xfrm>
-          <a:prstGeom prst="rect">
-            <a:avLst/>
-          </a:prstGeom>
-          <a:noFill/>
-          <a:ln>
-            <a:noFill/>
-          </a:ln>
-        </p:spPr>
-        <p:txBody>
-          <a:bodyPr spcFirstLastPara="1" wrap="square" lIns="91425" tIns="45700" rIns="91425" bIns="45700" anchor="ctr" anchorCtr="0">
-            <a:noAutofit/>
-          </a:bodyPr>
-          <a:lstStyle/>
-          <a:p>
-            <a:pPr marL="0" lvl="0" indent="0" algn="r" rtl="0">
-              <a:lnSpc>
-                <a:spcPct val="100000"/>
-              </a:lnSpc>
-              <a:spcBef>
-                <a:spcPts val="0"/>
-              </a:spcBef>
-              <a:spcAft>
-                <a:spcPts val="0"/>
-              </a:spcAft>
-              <a:buSzPts val="1200"/>
-              <a:buNone/>
-            </a:pPr>
-            <a:fld id="{00000000-1234-1234-1234-123412341234}" type="slidenum">
-              <a:rPr lang="en-US">
-                <a:solidFill>
-                  <a:schemeClr val="lt1"/>
-                </a:solidFill>
-              </a:rPr>
-              <a:t>39</a:t>
-            </a:fld>
-            <a:endParaRPr>
-              <a:solidFill>
-                <a:schemeClr val="lt1"/>
-              </a:solidFill>
-            </a:endParaRPr>
-          </a:p>
-        </p:txBody>
-      </p:sp>
-      <p:sp>
-        <p:nvSpPr>
-          <p:cNvPr id="7" name="Text Placeholder 6">
-            <a:extLst>
-              <a:ext uri="{FF2B5EF4-FFF2-40B4-BE49-F238E27FC236}">
-                <a16:creationId xmlns:a16="http://schemas.microsoft.com/office/drawing/2014/main" id="{F5D39CE1-5FE9-9DEB-0F1E-73BFB25970AC}"/>
-              </a:ext>
-            </a:extLst>
-          </p:cNvPr>
-          <p:cNvSpPr>
-            <a:spLocks noGrp="1" noChangeArrowheads="1"/>
-          </p:cNvSpPr>
-          <p:nvPr>
-            <p:ph type="body" idx="1"/>
-          </p:nvPr>
-        </p:nvSpPr>
-        <p:spPr bwMode="auto">
-          <a:xfrm>
-            <a:off x="479115" y="1705923"/>
-            <a:ext cx="11233769" cy="4089325"/>
-          </a:xfrm>
-          <a:prstGeom prst="rect">
-            <a:avLst/>
-          </a:prstGeom>
-          <a:noFill/>
-          <a:ln>
-            <a:noFill/>
-          </a:ln>
-          <a:effectLst/>
-          <a:extLst>
-            <a:ext uri="{909E8E84-426E-40DD-AFC4-6F175D3DCCD1}">
-              <a14:hiddenFill xmlns:a14="http://schemas.microsoft.com/office/drawing/2010/main">
-                <a:solidFill>
-                  <a:schemeClr val="accent1"/>
-                </a:solidFill>
-              </a14:hiddenFill>
-            </a:ext>
-            <a:ext uri="{91240B29-F687-4F45-9708-019B960494DF}">
-              <a14:hiddenLine xmlns:a14="http://schemas.microsoft.com/office/drawing/2010/main" w="9525">
-                <a:solidFill>
-                  <a:schemeClr val="tx1"/>
-                </a:solidFill>
-                <a:miter lim="800000"/>
-                <a:headEnd/>
-                <a:tailEnd/>
-              </a14:hiddenLine>
-            </a:ext>
-            <a:ext uri="{AF507438-7753-43E0-B8FC-AC1667EBCBE1}">
-              <a14:hiddenEffects xmlns:a14="http://schemas.microsoft.com/office/drawing/2010/main">
-                <a:effectLst>
-                  <a:outerShdw dist="35921" dir="2700000" algn="ctr" rotWithShape="0">
-                    <a:schemeClr val="bg2"/>
-                  </a:outerShdw>
-                </a:effectLst>
-              </a14:hiddenEffects>
-            </a:ext>
-          </a:extLst>
-        </p:spPr>
-        <p:txBody>
-          <a:bodyPr vert="horz" wrap="square" lIns="91440" tIns="45720" rIns="91440" bIns="45720" numCol="1" anchor="ctr" anchorCtr="0" compatLnSpc="1">
-            <a:prstTxWarp prst="textNoShape">
-              <a:avLst/>
-            </a:prstTxWarp>
-            <a:spAutoFit/>
-          </a:bodyPr>
-          <a:lstStyle/>
-          <a:p>
-            <a:pPr marL="114300" indent="0">
-              <a:buNone/>
-            </a:pPr>
-            <a:r>
-              <a:rPr lang="en-IN" sz="1400" b="1" dirty="0"/>
-              <a:t>[6] </a:t>
-            </a:r>
-            <a:r>
-              <a:rPr lang="en-IN" sz="1400" b="1" dirty="0" err="1"/>
-              <a:t>WiPreSy</a:t>
-            </a:r>
-            <a:r>
-              <a:rPr lang="en-IN" sz="1400" b="1" dirty="0"/>
-              <a:t> </a:t>
-            </a:r>
-            <a:r>
-              <a:rPr lang="en-IN" sz="1400" b="1" dirty="0" err="1"/>
-              <a:t>IoT</a:t>
-            </a:r>
-            <a:r>
-              <a:rPr lang="en-IN" sz="1400" b="1" dirty="0"/>
-              <a:t>-Based Forest Fire Prediction System (ICICCS)</a:t>
-            </a:r>
-          </a:p>
-          <a:p>
-            <a:pPr marL="114300" indent="0">
-              <a:buNone/>
-            </a:pPr>
-            <a:r>
-              <a:rPr lang="en-IN" sz="1400" dirty="0"/>
-              <a:t>[Authors not shown], “</a:t>
-            </a:r>
-            <a:r>
-              <a:rPr lang="en-IN" sz="1400" dirty="0" err="1"/>
-              <a:t>WiPreSy</a:t>
-            </a:r>
-            <a:r>
-              <a:rPr lang="en-IN" sz="1400" dirty="0"/>
-              <a:t>: Wireless Prediction System for Forest Fires using </a:t>
-            </a:r>
-            <a:r>
-              <a:rPr lang="en-IN" sz="1400" dirty="0" err="1"/>
-              <a:t>IoT</a:t>
-            </a:r>
-            <a:r>
-              <a:rPr lang="en-IN" sz="1400" dirty="0"/>
-              <a:t> and Deep Learning,” in </a:t>
-            </a:r>
-            <a:r>
-              <a:rPr lang="en-IN" sz="1400" i="1" dirty="0"/>
-              <a:t>Proc. Int. Conf. Intelligent Computing and Control Systems (ICICCS)</a:t>
-            </a:r>
-            <a:r>
-              <a:rPr lang="en-IN" sz="1400" dirty="0"/>
-              <a:t>, IEEE, 2020.</a:t>
-            </a:r>
-          </a:p>
-          <a:p>
-            <a:pPr marL="114300" indent="0">
-              <a:buNone/>
-            </a:pPr>
-            <a:r>
-              <a:rPr lang="en-IN" sz="1400" b="1" dirty="0"/>
-              <a:t>[7] Pang et al., 2022</a:t>
-            </a:r>
-          </a:p>
-          <a:p>
-            <a:pPr marL="114300" indent="0">
-              <a:buNone/>
-            </a:pPr>
-            <a:r>
-              <a:rPr lang="en-IN" sz="1400" dirty="0"/>
-              <a:t>Y. Pang </a:t>
-            </a:r>
-            <a:r>
-              <a:rPr lang="en-IN" sz="1400" i="1" dirty="0"/>
-              <a:t>et al</a:t>
-            </a:r>
-            <a:r>
-              <a:rPr lang="en-IN" sz="1400" dirty="0"/>
-              <a:t>., “Forest fire occurrence prediction in China based on machine learning methods,” </a:t>
-            </a:r>
-            <a:r>
-              <a:rPr lang="en-IN" sz="1400" i="1" dirty="0"/>
-              <a:t>Remote Sensing</a:t>
-            </a:r>
-            <a:r>
-              <a:rPr lang="en-IN" sz="1400" dirty="0"/>
-              <a:t>, vol. 14, no. 21, p. 5546, 2022.</a:t>
-            </a:r>
-          </a:p>
-          <a:p>
-            <a:pPr marL="114300" indent="0">
-              <a:buNone/>
-            </a:pPr>
-            <a:r>
-              <a:rPr lang="en-IN" sz="1400" b="1" dirty="0"/>
-              <a:t>[8] Al-</a:t>
-            </a:r>
-            <a:r>
-              <a:rPr lang="en-IN" sz="1400" b="1" dirty="0" err="1"/>
-              <a:t>Bashiti</a:t>
-            </a:r>
-            <a:r>
-              <a:rPr lang="en-IN" sz="1400" b="1" dirty="0"/>
-              <a:t> and </a:t>
-            </a:r>
-            <a:r>
-              <a:rPr lang="en-IN" sz="1400" b="1" dirty="0" err="1"/>
-              <a:t>Naser</a:t>
-            </a:r>
-            <a:r>
-              <a:rPr lang="en-IN" sz="1400" b="1" dirty="0"/>
-              <a:t>, 2022</a:t>
-            </a:r>
-          </a:p>
-          <a:p>
-            <a:pPr marL="114300" indent="0">
-              <a:buNone/>
-            </a:pPr>
-            <a:r>
-              <a:rPr lang="en-IN" sz="1400" dirty="0"/>
-              <a:t>M. K. Al-</a:t>
-            </a:r>
-            <a:r>
-              <a:rPr lang="en-IN" sz="1400" dirty="0" err="1"/>
-              <a:t>Bashiti</a:t>
-            </a:r>
-            <a:r>
-              <a:rPr lang="en-IN" sz="1400" dirty="0"/>
-              <a:t> and M. Z. </a:t>
-            </a:r>
-            <a:r>
-              <a:rPr lang="en-IN" sz="1400" dirty="0" err="1"/>
-              <a:t>Naser</a:t>
-            </a:r>
-            <a:r>
-              <a:rPr lang="en-IN" sz="1400" dirty="0"/>
-              <a:t>, “Machine learning for wildfire classification: Exploring </a:t>
-            </a:r>
-            <a:r>
-              <a:rPr lang="en-IN" sz="1400" dirty="0" err="1"/>
-              <a:t>blackbox</a:t>
-            </a:r>
-            <a:r>
-              <a:rPr lang="en-IN" sz="1400" dirty="0"/>
-              <a:t>, explainable, symbolic, and SMOTE methods,” </a:t>
-            </a:r>
-            <a:r>
-              <a:rPr lang="en-IN" sz="1400" i="1" dirty="0"/>
-              <a:t>Natural Hazards Research</a:t>
-            </a:r>
-            <a:r>
-              <a:rPr lang="en-IN" sz="1400" dirty="0"/>
-              <a:t>, vol. 2, no. 3, pp. 154–165, 2022.</a:t>
-            </a:r>
-          </a:p>
-          <a:p>
-            <a:pPr marL="114300" indent="0">
-              <a:buNone/>
-            </a:pPr>
-            <a:r>
-              <a:rPr lang="en-IN" sz="1400" b="1" dirty="0"/>
-              <a:t>[9] </a:t>
-            </a:r>
-            <a:r>
-              <a:rPr lang="en-IN" sz="1400" b="1" dirty="0" err="1"/>
-              <a:t>Naderpour</a:t>
-            </a:r>
-            <a:r>
-              <a:rPr lang="en-IN" sz="1400" b="1" dirty="0"/>
-              <a:t> et al., 2021</a:t>
-            </a:r>
-          </a:p>
-          <a:p>
-            <a:pPr marL="114300" indent="0">
-              <a:buNone/>
-            </a:pPr>
-            <a:r>
-              <a:rPr lang="en-IN" sz="1400" dirty="0"/>
-              <a:t>H. </a:t>
-            </a:r>
-            <a:r>
-              <a:rPr lang="en-IN" sz="1400" dirty="0" err="1"/>
-              <a:t>Naderpour</a:t>
-            </a:r>
-            <a:r>
-              <a:rPr lang="en-IN" sz="1400" dirty="0"/>
-              <a:t>, P. </a:t>
-            </a:r>
-            <a:r>
-              <a:rPr lang="en-IN" sz="1400" dirty="0" err="1"/>
-              <a:t>Rizeei</a:t>
-            </a:r>
-            <a:r>
-              <a:rPr lang="en-IN" sz="1400" dirty="0"/>
-              <a:t>, A. D. A. A. </a:t>
-            </a:r>
-            <a:r>
-              <a:rPr lang="en-IN" sz="1400" dirty="0" err="1"/>
-              <a:t>Shahabi</a:t>
-            </a:r>
-            <a:r>
-              <a:rPr lang="en-IN" sz="1400" dirty="0"/>
-              <a:t>, and M. R. </a:t>
-            </a:r>
-            <a:r>
-              <a:rPr lang="en-IN" sz="1400" dirty="0" err="1"/>
-              <a:t>Mahiny</a:t>
-            </a:r>
-            <a:r>
-              <a:rPr lang="en-IN" sz="1400" dirty="0"/>
-              <a:t>, “Forest fire risk prediction: a spatial deep neural network-based framework,” </a:t>
-            </a:r>
-            <a:r>
-              <a:rPr lang="en-IN" sz="1400" i="1" dirty="0"/>
-              <a:t>Remote Sensing</a:t>
-            </a:r>
-            <a:r>
-              <a:rPr lang="en-IN" sz="1400" dirty="0"/>
-              <a:t>, vol. 13, no. 15, 2021.</a:t>
-            </a:r>
-          </a:p>
-          <a:p>
-            <a:pPr marL="114300" indent="0">
-              <a:buNone/>
-            </a:pPr>
-            <a:r>
-              <a:rPr lang="en-IN" sz="1400" b="1" dirty="0"/>
-              <a:t>[10] </a:t>
-            </a:r>
-            <a:r>
-              <a:rPr lang="en-IN" sz="1400" b="1" dirty="0" err="1"/>
-              <a:t>Nami</a:t>
-            </a:r>
-            <a:r>
-              <a:rPr lang="en-IN" sz="1400" b="1" dirty="0"/>
-              <a:t> et al., 2018</a:t>
-            </a:r>
-          </a:p>
-          <a:p>
-            <a:pPr marL="114300" indent="0">
-              <a:buNone/>
-            </a:pPr>
-            <a:r>
-              <a:rPr lang="en-IN" sz="1400" dirty="0"/>
-              <a:t>S. </a:t>
-            </a:r>
-            <a:r>
-              <a:rPr lang="en-IN" sz="1400" dirty="0" err="1"/>
-              <a:t>Nami</a:t>
-            </a:r>
-            <a:r>
-              <a:rPr lang="en-IN" sz="1400" dirty="0"/>
-              <a:t>, S. M. </a:t>
-            </a:r>
-            <a:r>
-              <a:rPr lang="en-IN" sz="1400" dirty="0" err="1"/>
-              <a:t>Moghadam</a:t>
-            </a:r>
-            <a:r>
-              <a:rPr lang="en-IN" sz="1400" dirty="0"/>
-              <a:t>, and A. H. </a:t>
-            </a:r>
-            <a:r>
-              <a:rPr lang="en-IN" sz="1400" dirty="0" err="1"/>
-              <a:t>Shamsoddini</a:t>
-            </a:r>
-            <a:r>
-              <a:rPr lang="en-IN" sz="1400" dirty="0"/>
-              <a:t>, “Spatial prediction of wildfire probability in the </a:t>
-            </a:r>
-            <a:r>
-              <a:rPr lang="en-IN" sz="1400" dirty="0" err="1"/>
-              <a:t>Hyrcanian</a:t>
-            </a:r>
-            <a:r>
-              <a:rPr lang="en-IN" sz="1400" dirty="0"/>
-              <a:t> ecoregion using evidential belief function model and GIS,” </a:t>
-            </a:r>
-            <a:r>
-              <a:rPr lang="en-IN" sz="1400" i="1" dirty="0"/>
-              <a:t>International Journal of Environmental Science and Technology</a:t>
-            </a:r>
-            <a:r>
-              <a:rPr lang="en-IN" sz="1400" dirty="0"/>
-              <a:t>, vol. 15, pp. 2015–2030, 2018.</a:t>
-            </a:r>
-          </a:p>
-        </p:txBody>
-      </p:sp>
-    </p:spTree>
-    <p:extLst>
-      <p:ext uri="{BB962C8B-B14F-4D97-AF65-F5344CB8AC3E}">
-        <p14:creationId xmlns:p14="http://schemas.microsoft.com/office/powerpoint/2010/main" val="791218357"/>
+        <p14:creationId xmlns:p14="http://schemas.microsoft.com/office/powerpoint/2010/main" val="2482059916"/>
       </p:ext>
     </p:extLst>
   </p:cSld>
@@ -32544,6 +32252,930 @@
   <p:cSld>
     <p:spTree>
       <p:nvGrpSpPr>
+        <p:cNvPr id="1" name="Shape 123">
+          <a:extLst>
+            <a:ext uri="{FF2B5EF4-FFF2-40B4-BE49-F238E27FC236}">
+              <a16:creationId xmlns:a16="http://schemas.microsoft.com/office/drawing/2014/main" id="{98673FEE-0015-EB04-593A-2F31EF3F36B5}"/>
+            </a:ext>
+          </a:extLst>
+        </p:cNvPr>
+        <p:cNvGrpSpPr/>
+        <p:nvPr/>
+      </p:nvGrpSpPr>
+      <p:grpSpPr>
+        <a:xfrm>
+          <a:off x="0" y="0"/>
+          <a:ext cx="0" cy="0"/>
+          <a:chOff x="0" y="0"/>
+          <a:chExt cx="0" cy="0"/>
+        </a:xfrm>
+      </p:grpSpPr>
+      <p:sp>
+        <p:nvSpPr>
+          <p:cNvPr id="124" name="Google Shape;124;p2">
+            <a:extLst>
+              <a:ext uri="{FF2B5EF4-FFF2-40B4-BE49-F238E27FC236}">
+                <a16:creationId xmlns:a16="http://schemas.microsoft.com/office/drawing/2014/main" id="{C1FB0668-D7A7-EC1A-2B57-39F366168178}"/>
+              </a:ext>
+            </a:extLst>
+          </p:cNvPr>
+          <p:cNvSpPr txBox="1">
+            <a:spLocks noGrp="1"/>
+          </p:cNvSpPr>
+          <p:nvPr>
+            <p:ph type="title"/>
+          </p:nvPr>
+        </p:nvSpPr>
+        <p:spPr>
+          <a:xfrm>
+            <a:off x="838200" y="500062"/>
+            <a:ext cx="10515600" cy="1325563"/>
+          </a:xfrm>
+          <a:prstGeom prst="rect">
+            <a:avLst/>
+          </a:prstGeom>
+          <a:noFill/>
+          <a:ln>
+            <a:noFill/>
+          </a:ln>
+        </p:spPr>
+        <p:txBody>
+          <a:bodyPr spcFirstLastPara="1" wrap="square" lIns="91425" tIns="45700" rIns="91425" bIns="45700" anchor="ctr" anchorCtr="0">
+            <a:normAutofit/>
+          </a:bodyPr>
+          <a:lstStyle/>
+          <a:p>
+            <a:pPr marL="0" lvl="0" indent="0" algn="ctr" rtl="0">
+              <a:lnSpc>
+                <a:spcPct val="90000"/>
+              </a:lnSpc>
+              <a:spcBef>
+                <a:spcPts val="0"/>
+              </a:spcBef>
+              <a:spcAft>
+                <a:spcPts val="0"/>
+              </a:spcAft>
+              <a:buSzPts val="1800"/>
+              <a:buNone/>
+            </a:pPr>
+            <a:r>
+              <a:rPr lang="en-US" sz="4000" b="1" dirty="0"/>
+              <a:t>References</a:t>
+            </a:r>
+            <a:endParaRPr lang="en-US" sz="4000" dirty="0"/>
+          </a:p>
+        </p:txBody>
+      </p:sp>
+      <p:sp>
+        <p:nvSpPr>
+          <p:cNvPr id="126" name="Google Shape;126;p2">
+            <a:extLst>
+              <a:ext uri="{FF2B5EF4-FFF2-40B4-BE49-F238E27FC236}">
+                <a16:creationId xmlns:a16="http://schemas.microsoft.com/office/drawing/2014/main" id="{B5482EF9-7DCB-9207-562B-B03284AE167F}"/>
+              </a:ext>
+            </a:extLst>
+          </p:cNvPr>
+          <p:cNvSpPr txBox="1">
+            <a:spLocks noGrp="1"/>
+          </p:cNvSpPr>
+          <p:nvPr>
+            <p:ph type="sldNum" idx="12"/>
+          </p:nvPr>
+        </p:nvSpPr>
+        <p:spPr>
+          <a:xfrm>
+            <a:off x="8610600" y="6356350"/>
+            <a:ext cx="2743200" cy="365125"/>
+          </a:xfrm>
+          <a:prstGeom prst="rect">
+            <a:avLst/>
+          </a:prstGeom>
+          <a:noFill/>
+          <a:ln>
+            <a:noFill/>
+          </a:ln>
+        </p:spPr>
+        <p:txBody>
+          <a:bodyPr spcFirstLastPara="1" wrap="square" lIns="91425" tIns="45700" rIns="91425" bIns="45700" anchor="ctr" anchorCtr="0">
+            <a:noAutofit/>
+          </a:bodyPr>
+          <a:lstStyle/>
+          <a:p>
+            <a:pPr marL="0" lvl="0" indent="0" algn="r" rtl="0">
+              <a:lnSpc>
+                <a:spcPct val="100000"/>
+              </a:lnSpc>
+              <a:spcBef>
+                <a:spcPts val="0"/>
+              </a:spcBef>
+              <a:spcAft>
+                <a:spcPts val="0"/>
+              </a:spcAft>
+              <a:buSzPts val="1200"/>
+              <a:buNone/>
+            </a:pPr>
+            <a:fld id="{00000000-1234-1234-1234-123412341234}" type="slidenum">
+              <a:rPr lang="en-US">
+                <a:solidFill>
+                  <a:schemeClr val="lt1"/>
+                </a:solidFill>
+              </a:rPr>
+              <a:t>40</a:t>
+            </a:fld>
+            <a:endParaRPr>
+              <a:solidFill>
+                <a:schemeClr val="lt1"/>
+              </a:solidFill>
+            </a:endParaRPr>
+          </a:p>
+        </p:txBody>
+      </p:sp>
+      <p:sp>
+        <p:nvSpPr>
+          <p:cNvPr id="7" name="Text Placeholder 6">
+            <a:extLst>
+              <a:ext uri="{FF2B5EF4-FFF2-40B4-BE49-F238E27FC236}">
+                <a16:creationId xmlns:a16="http://schemas.microsoft.com/office/drawing/2014/main" id="{F5D39CE1-5FE9-9DEB-0F1E-73BFB25970AC}"/>
+              </a:ext>
+            </a:extLst>
+          </p:cNvPr>
+          <p:cNvSpPr>
+            <a:spLocks noGrp="1" noChangeArrowheads="1"/>
+          </p:cNvSpPr>
+          <p:nvPr>
+            <p:ph type="body" idx="1"/>
+          </p:nvPr>
+        </p:nvSpPr>
+        <p:spPr bwMode="auto">
+          <a:xfrm>
+            <a:off x="479115" y="1705924"/>
+            <a:ext cx="11233769" cy="4089325"/>
+          </a:xfrm>
+          <a:prstGeom prst="rect">
+            <a:avLst/>
+          </a:prstGeom>
+          <a:noFill/>
+          <a:ln>
+            <a:noFill/>
+          </a:ln>
+          <a:effectLst/>
+          <a:extLst>
+            <a:ext uri="{909E8E84-426E-40DD-AFC4-6F175D3DCCD1}">
+              <a14:hiddenFill xmlns:a14="http://schemas.microsoft.com/office/drawing/2010/main">
+                <a:solidFill>
+                  <a:schemeClr val="accent1"/>
+                </a:solidFill>
+              </a14:hiddenFill>
+            </a:ext>
+            <a:ext uri="{91240B29-F687-4F45-9708-019B960494DF}">
+              <a14:hiddenLine xmlns:a14="http://schemas.microsoft.com/office/drawing/2010/main" w="9525">
+                <a:solidFill>
+                  <a:schemeClr val="tx1"/>
+                </a:solidFill>
+                <a:miter lim="800000"/>
+                <a:headEnd/>
+                <a:tailEnd/>
+              </a14:hiddenLine>
+            </a:ext>
+            <a:ext uri="{AF507438-7753-43E0-B8FC-AC1667EBCBE1}">
+              <a14:hiddenEffects xmlns:a14="http://schemas.microsoft.com/office/drawing/2010/main">
+                <a:effectLst>
+                  <a:outerShdw dist="35921" dir="2700000" algn="ctr" rotWithShape="0">
+                    <a:schemeClr val="bg2"/>
+                  </a:outerShdw>
+                </a:effectLst>
+              </a14:hiddenEffects>
+            </a:ext>
+          </a:extLst>
+        </p:spPr>
+        <p:txBody>
+          <a:bodyPr vert="horz" wrap="square" lIns="91440" tIns="45720" rIns="91440" bIns="45720" numCol="1" anchor="ctr" anchorCtr="0" compatLnSpc="1">
+            <a:prstTxWarp prst="textNoShape">
+              <a:avLst/>
+            </a:prstTxWarp>
+            <a:spAutoFit/>
+          </a:bodyPr>
+          <a:lstStyle/>
+          <a:p>
+            <a:pPr marL="114300" indent="0">
+              <a:buNone/>
+            </a:pPr>
+            <a:r>
+              <a:rPr lang="en-IN" sz="1400" b="1" dirty="0"/>
+              <a:t>[1] </a:t>
+            </a:r>
+            <a:r>
+              <a:rPr lang="en-IN" sz="1400" b="1" dirty="0" err="1"/>
+              <a:t>Illarionova</a:t>
+            </a:r>
+            <a:r>
+              <a:rPr lang="en-IN" sz="1400" b="1" dirty="0"/>
+              <a:t> et al., 2025</a:t>
+            </a:r>
+          </a:p>
+          <a:p>
+            <a:pPr marL="114300" indent="0">
+              <a:buNone/>
+            </a:pPr>
+            <a:r>
+              <a:rPr lang="en-IN" sz="1400" dirty="0"/>
+              <a:t>S. </a:t>
+            </a:r>
+            <a:r>
+              <a:rPr lang="en-IN" sz="1400" dirty="0" err="1"/>
+              <a:t>Illarionova</a:t>
+            </a:r>
+            <a:r>
+              <a:rPr lang="en-IN" sz="1400" dirty="0"/>
+              <a:t> </a:t>
+            </a:r>
+            <a:r>
+              <a:rPr lang="en-IN" sz="1400" i="1" dirty="0"/>
+              <a:t>et al</a:t>
+            </a:r>
+            <a:r>
+              <a:rPr lang="en-IN" sz="1400" dirty="0"/>
+              <a:t>., “Exploration of geo-spatial data and machine learning algorithms for robust wildfire occurrence prediction,” </a:t>
+            </a:r>
+            <a:r>
+              <a:rPr lang="en-IN" sz="1400" i="1" dirty="0"/>
+              <a:t>Scientific Reports</a:t>
+            </a:r>
+            <a:r>
+              <a:rPr lang="en-IN" sz="1400" dirty="0"/>
+              <a:t>, vol. 15, no. 10712, 2025.</a:t>
+            </a:r>
+          </a:p>
+          <a:p>
+            <a:pPr marL="114300" indent="0">
+              <a:buNone/>
+            </a:pPr>
+            <a:r>
+              <a:rPr lang="en-IN" sz="1400" b="1" dirty="0"/>
+              <a:t>[2] Ensemble-based Daily Wildfire Outbreak Prediction in Korea (2025)</a:t>
+            </a:r>
+          </a:p>
+          <a:p>
+            <a:pPr marL="114300" indent="0">
+              <a:buNone/>
+            </a:pPr>
+            <a:r>
+              <a:rPr lang="en-IN" sz="1400" dirty="0"/>
+              <a:t>[Authors not shown], “Ensemble-based daily wildfire outbreak prediction with explainable AI,” </a:t>
+            </a:r>
+            <a:r>
+              <a:rPr lang="en-IN" sz="1400" i="1" dirty="0"/>
+              <a:t>Scientific Reports</a:t>
+            </a:r>
+            <a:r>
+              <a:rPr lang="en-IN" sz="1400" dirty="0"/>
+              <a:t>, 2025.</a:t>
+            </a:r>
+          </a:p>
+          <a:p>
+            <a:pPr marL="114300" indent="0">
+              <a:buNone/>
+            </a:pPr>
+            <a:r>
+              <a:rPr lang="en-IN" sz="1400" b="1" dirty="0"/>
+              <a:t>[3] GLSTD Wildfire Risk Model – Yunnan Province</a:t>
+            </a:r>
+          </a:p>
+          <a:p>
+            <a:pPr marL="114300" indent="0">
+              <a:buNone/>
+            </a:pPr>
+            <a:r>
+              <a:rPr lang="en-IN" sz="1400" dirty="0"/>
+              <a:t>J. Deng, B. Hong, W. Wang, and G. </a:t>
+            </a:r>
+            <a:r>
+              <a:rPr lang="en-IN" sz="1400" dirty="0" err="1"/>
+              <a:t>Gu</a:t>
+            </a:r>
+            <a:r>
+              <a:rPr lang="en-IN" sz="1400" dirty="0"/>
+              <a:t>, “</a:t>
+            </a:r>
+            <a:r>
+              <a:rPr lang="en-IN" sz="1400" dirty="0" err="1"/>
+              <a:t>Spatio</a:t>
+            </a:r>
+            <a:r>
+              <a:rPr lang="en-IN" sz="1400" dirty="0"/>
+              <a:t>-temporal wildfire risk prediction using global–local dependency deep learning (GLSTD),” </a:t>
+            </a:r>
+            <a:r>
+              <a:rPr lang="en-IN" sz="1400" i="1" dirty="0"/>
+              <a:t>Environmental Modelling</a:t>
+            </a:r>
+            <a:r>
+              <a:rPr lang="en-IN" sz="1400" dirty="0"/>
+              <a:t>, 2024.</a:t>
+            </a:r>
+          </a:p>
+          <a:p>
+            <a:pPr marL="114300" indent="0">
+              <a:buNone/>
+            </a:pPr>
+            <a:r>
+              <a:rPr lang="en-IN" sz="1400" b="1" dirty="0"/>
+              <a:t>[4] Fitzgerald et al., 2023 (ICMI '23 — U-Net Attention)</a:t>
+            </a:r>
+          </a:p>
+          <a:p>
+            <a:pPr marL="114300" indent="0">
+              <a:buNone/>
+            </a:pPr>
+            <a:r>
+              <a:rPr lang="en-IN" sz="1400" dirty="0"/>
+              <a:t>N. Fitzgerald, M. </a:t>
+            </a:r>
+            <a:r>
+              <a:rPr lang="en-IN" sz="1400" dirty="0" err="1"/>
+              <a:t>Seefried</a:t>
+            </a:r>
+            <a:r>
+              <a:rPr lang="en-IN" sz="1400" dirty="0"/>
+              <a:t>, F. Yost </a:t>
+            </a:r>
+            <a:r>
+              <a:rPr lang="en-IN" sz="1400" i="1" dirty="0"/>
+              <a:t>et al</a:t>
+            </a:r>
+            <a:r>
+              <a:rPr lang="en-IN" sz="1400" dirty="0"/>
+              <a:t>., “Paying Attention to Wildfire: Using U-Net with Attention Blocks on Multimodal Data for Next Day Prediction,” in </a:t>
+            </a:r>
+            <a:r>
+              <a:rPr lang="en-IN" sz="1400" i="1" dirty="0"/>
+              <a:t>Proc. 25th ACM International Conference on Multimodal Interaction (ICMI ’23)</a:t>
+            </a:r>
+            <a:r>
+              <a:rPr lang="en-IN" sz="1400" dirty="0"/>
+              <a:t>, Paris, France, 2023.</a:t>
+            </a:r>
+          </a:p>
+          <a:p>
+            <a:pPr marL="114300" indent="0">
+              <a:buNone/>
+            </a:pPr>
+            <a:r>
+              <a:rPr lang="en-IN" sz="1400" b="1" dirty="0"/>
+              <a:t>[5] Wildfire Prediction &amp; Detection using ML + GUI (ICICCS/IEEE)</a:t>
+            </a:r>
+          </a:p>
+          <a:p>
+            <a:pPr marL="114300" indent="0">
+              <a:buNone/>
+            </a:pPr>
+            <a:r>
+              <a:rPr lang="en-IN" sz="1400" dirty="0"/>
+              <a:t>[Authors not shown], “An integrated machine learning and deep learning approach for wildfire prediction and detection using GUI,” in </a:t>
+            </a:r>
+            <a:r>
+              <a:rPr lang="en-IN" sz="1400" i="1" dirty="0"/>
+              <a:t>Proc. Int. Conf. Intelligent Computing and Control Systems (ICICCS)</a:t>
+            </a:r>
+            <a:r>
+              <a:rPr lang="en-IN" sz="1400" dirty="0"/>
+              <a:t>, IEEE, 2020.</a:t>
+            </a:r>
+          </a:p>
+        </p:txBody>
+      </p:sp>
+    </p:spTree>
+    <p:extLst>
+      <p:ext uri="{BB962C8B-B14F-4D97-AF65-F5344CB8AC3E}">
+        <p14:creationId xmlns:p14="http://schemas.microsoft.com/office/powerpoint/2010/main" val="3702129586"/>
+      </p:ext>
+    </p:extLst>
+  </p:cSld>
+  <p:clrMapOvr>
+    <a:masterClrMapping/>
+  </p:clrMapOvr>
+</p:sld>
+</file>
+
+<file path=ppt/slides/slide41.xml><?xml version="1.0" encoding="utf-8"?>
+<p:sld xmlns:a="http://schemas.openxmlformats.org/drawingml/2006/main" xmlns:r="http://schemas.openxmlformats.org/officeDocument/2006/relationships" xmlns:p="http://schemas.openxmlformats.org/presentationml/2006/main">
+  <p:cSld>
+    <p:spTree>
+      <p:nvGrpSpPr>
+        <p:cNvPr id="1" name="Shape 123">
+          <a:extLst>
+            <a:ext uri="{FF2B5EF4-FFF2-40B4-BE49-F238E27FC236}">
+              <a16:creationId xmlns:a16="http://schemas.microsoft.com/office/drawing/2014/main" id="{98673FEE-0015-EB04-593A-2F31EF3F36B5}"/>
+            </a:ext>
+          </a:extLst>
+        </p:cNvPr>
+        <p:cNvGrpSpPr/>
+        <p:nvPr/>
+      </p:nvGrpSpPr>
+      <p:grpSpPr>
+        <a:xfrm>
+          <a:off x="0" y="0"/>
+          <a:ext cx="0" cy="0"/>
+          <a:chOff x="0" y="0"/>
+          <a:chExt cx="0" cy="0"/>
+        </a:xfrm>
+      </p:grpSpPr>
+      <p:sp>
+        <p:nvSpPr>
+          <p:cNvPr id="124" name="Google Shape;124;p2">
+            <a:extLst>
+              <a:ext uri="{FF2B5EF4-FFF2-40B4-BE49-F238E27FC236}">
+                <a16:creationId xmlns:a16="http://schemas.microsoft.com/office/drawing/2014/main" id="{C1FB0668-D7A7-EC1A-2B57-39F366168178}"/>
+              </a:ext>
+            </a:extLst>
+          </p:cNvPr>
+          <p:cNvSpPr txBox="1">
+            <a:spLocks noGrp="1"/>
+          </p:cNvSpPr>
+          <p:nvPr>
+            <p:ph type="title"/>
+          </p:nvPr>
+        </p:nvSpPr>
+        <p:spPr>
+          <a:xfrm>
+            <a:off x="838200" y="500062"/>
+            <a:ext cx="10515600" cy="1325563"/>
+          </a:xfrm>
+          <a:prstGeom prst="rect">
+            <a:avLst/>
+          </a:prstGeom>
+          <a:noFill/>
+          <a:ln>
+            <a:noFill/>
+          </a:ln>
+        </p:spPr>
+        <p:txBody>
+          <a:bodyPr spcFirstLastPara="1" wrap="square" lIns="91425" tIns="45700" rIns="91425" bIns="45700" anchor="ctr" anchorCtr="0">
+            <a:normAutofit/>
+          </a:bodyPr>
+          <a:lstStyle/>
+          <a:p>
+            <a:pPr marL="0" lvl="0" indent="0" algn="ctr" rtl="0">
+              <a:lnSpc>
+                <a:spcPct val="90000"/>
+              </a:lnSpc>
+              <a:spcBef>
+                <a:spcPts val="0"/>
+              </a:spcBef>
+              <a:spcAft>
+                <a:spcPts val="0"/>
+              </a:spcAft>
+              <a:buSzPts val="1800"/>
+              <a:buNone/>
+            </a:pPr>
+            <a:r>
+              <a:rPr lang="en-US" sz="4000" b="1" dirty="0"/>
+              <a:t>References</a:t>
+            </a:r>
+            <a:endParaRPr lang="en-US" sz="4000" dirty="0"/>
+          </a:p>
+        </p:txBody>
+      </p:sp>
+      <p:sp>
+        <p:nvSpPr>
+          <p:cNvPr id="126" name="Google Shape;126;p2">
+            <a:extLst>
+              <a:ext uri="{FF2B5EF4-FFF2-40B4-BE49-F238E27FC236}">
+                <a16:creationId xmlns:a16="http://schemas.microsoft.com/office/drawing/2014/main" id="{B5482EF9-7DCB-9207-562B-B03284AE167F}"/>
+              </a:ext>
+            </a:extLst>
+          </p:cNvPr>
+          <p:cNvSpPr txBox="1">
+            <a:spLocks noGrp="1"/>
+          </p:cNvSpPr>
+          <p:nvPr>
+            <p:ph type="sldNum" idx="12"/>
+          </p:nvPr>
+        </p:nvSpPr>
+        <p:spPr>
+          <a:xfrm>
+            <a:off x="8610600" y="6356350"/>
+            <a:ext cx="2743200" cy="365125"/>
+          </a:xfrm>
+          <a:prstGeom prst="rect">
+            <a:avLst/>
+          </a:prstGeom>
+          <a:noFill/>
+          <a:ln>
+            <a:noFill/>
+          </a:ln>
+        </p:spPr>
+        <p:txBody>
+          <a:bodyPr spcFirstLastPara="1" wrap="square" lIns="91425" tIns="45700" rIns="91425" bIns="45700" anchor="ctr" anchorCtr="0">
+            <a:noAutofit/>
+          </a:bodyPr>
+          <a:lstStyle/>
+          <a:p>
+            <a:pPr marL="0" lvl="0" indent="0" algn="r" rtl="0">
+              <a:lnSpc>
+                <a:spcPct val="100000"/>
+              </a:lnSpc>
+              <a:spcBef>
+                <a:spcPts val="0"/>
+              </a:spcBef>
+              <a:spcAft>
+                <a:spcPts val="0"/>
+              </a:spcAft>
+              <a:buSzPts val="1200"/>
+              <a:buNone/>
+            </a:pPr>
+            <a:fld id="{00000000-1234-1234-1234-123412341234}" type="slidenum">
+              <a:rPr lang="en-US">
+                <a:solidFill>
+                  <a:schemeClr val="lt1"/>
+                </a:solidFill>
+              </a:rPr>
+              <a:t>41</a:t>
+            </a:fld>
+            <a:endParaRPr>
+              <a:solidFill>
+                <a:schemeClr val="lt1"/>
+              </a:solidFill>
+            </a:endParaRPr>
+          </a:p>
+        </p:txBody>
+      </p:sp>
+      <p:sp>
+        <p:nvSpPr>
+          <p:cNvPr id="7" name="Text Placeholder 6">
+            <a:extLst>
+              <a:ext uri="{FF2B5EF4-FFF2-40B4-BE49-F238E27FC236}">
+                <a16:creationId xmlns:a16="http://schemas.microsoft.com/office/drawing/2014/main" id="{F5D39CE1-5FE9-9DEB-0F1E-73BFB25970AC}"/>
+              </a:ext>
+            </a:extLst>
+          </p:cNvPr>
+          <p:cNvSpPr>
+            <a:spLocks noGrp="1" noChangeArrowheads="1"/>
+          </p:cNvSpPr>
+          <p:nvPr>
+            <p:ph type="body" idx="1"/>
+          </p:nvPr>
+        </p:nvSpPr>
+        <p:spPr bwMode="auto">
+          <a:xfrm>
+            <a:off x="479115" y="1705923"/>
+            <a:ext cx="11233769" cy="4089325"/>
+          </a:xfrm>
+          <a:prstGeom prst="rect">
+            <a:avLst/>
+          </a:prstGeom>
+          <a:noFill/>
+          <a:ln>
+            <a:noFill/>
+          </a:ln>
+          <a:effectLst/>
+          <a:extLst>
+            <a:ext uri="{909E8E84-426E-40DD-AFC4-6F175D3DCCD1}">
+              <a14:hiddenFill xmlns:a14="http://schemas.microsoft.com/office/drawing/2010/main">
+                <a:solidFill>
+                  <a:schemeClr val="accent1"/>
+                </a:solidFill>
+              </a14:hiddenFill>
+            </a:ext>
+            <a:ext uri="{91240B29-F687-4F45-9708-019B960494DF}">
+              <a14:hiddenLine xmlns:a14="http://schemas.microsoft.com/office/drawing/2010/main" w="9525">
+                <a:solidFill>
+                  <a:schemeClr val="tx1"/>
+                </a:solidFill>
+                <a:miter lim="800000"/>
+                <a:headEnd/>
+                <a:tailEnd/>
+              </a14:hiddenLine>
+            </a:ext>
+            <a:ext uri="{AF507438-7753-43E0-B8FC-AC1667EBCBE1}">
+              <a14:hiddenEffects xmlns:a14="http://schemas.microsoft.com/office/drawing/2010/main">
+                <a:effectLst>
+                  <a:outerShdw dist="35921" dir="2700000" algn="ctr" rotWithShape="0">
+                    <a:schemeClr val="bg2"/>
+                  </a:outerShdw>
+                </a:effectLst>
+              </a14:hiddenEffects>
+            </a:ext>
+          </a:extLst>
+        </p:spPr>
+        <p:txBody>
+          <a:bodyPr vert="horz" wrap="square" lIns="91440" tIns="45720" rIns="91440" bIns="45720" numCol="1" anchor="ctr" anchorCtr="0" compatLnSpc="1">
+            <a:prstTxWarp prst="textNoShape">
+              <a:avLst/>
+            </a:prstTxWarp>
+            <a:spAutoFit/>
+          </a:bodyPr>
+          <a:lstStyle/>
+          <a:p>
+            <a:pPr marL="114300" indent="0">
+              <a:buNone/>
+            </a:pPr>
+            <a:r>
+              <a:rPr lang="en-IN" sz="1400" b="1" dirty="0"/>
+              <a:t>[6] </a:t>
+            </a:r>
+            <a:r>
+              <a:rPr lang="en-IN" sz="1400" b="1" dirty="0" err="1"/>
+              <a:t>WiPreSy</a:t>
+            </a:r>
+            <a:r>
+              <a:rPr lang="en-IN" sz="1400" b="1" dirty="0"/>
+              <a:t> </a:t>
+            </a:r>
+            <a:r>
+              <a:rPr lang="en-IN" sz="1400" b="1" dirty="0" err="1"/>
+              <a:t>IoT</a:t>
+            </a:r>
+            <a:r>
+              <a:rPr lang="en-IN" sz="1400" b="1" dirty="0"/>
+              <a:t>-Based Forest Fire Prediction System (ICICCS)</a:t>
+            </a:r>
+          </a:p>
+          <a:p>
+            <a:pPr marL="114300" indent="0">
+              <a:buNone/>
+            </a:pPr>
+            <a:r>
+              <a:rPr lang="en-IN" sz="1400" dirty="0"/>
+              <a:t>[Authors not shown], “</a:t>
+            </a:r>
+            <a:r>
+              <a:rPr lang="en-IN" sz="1400" dirty="0" err="1"/>
+              <a:t>WiPreSy</a:t>
+            </a:r>
+            <a:r>
+              <a:rPr lang="en-IN" sz="1400" dirty="0"/>
+              <a:t>: Wireless Prediction System for Forest Fires using </a:t>
+            </a:r>
+            <a:r>
+              <a:rPr lang="en-IN" sz="1400" dirty="0" err="1"/>
+              <a:t>IoT</a:t>
+            </a:r>
+            <a:r>
+              <a:rPr lang="en-IN" sz="1400" dirty="0"/>
+              <a:t> and Deep Learning,” in </a:t>
+            </a:r>
+            <a:r>
+              <a:rPr lang="en-IN" sz="1400" i="1" dirty="0"/>
+              <a:t>Proc. Int. Conf. Intelligent Computing and Control Systems (ICICCS)</a:t>
+            </a:r>
+            <a:r>
+              <a:rPr lang="en-IN" sz="1400" dirty="0"/>
+              <a:t>, IEEE, 2020.</a:t>
+            </a:r>
+          </a:p>
+          <a:p>
+            <a:pPr marL="114300" indent="0">
+              <a:buNone/>
+            </a:pPr>
+            <a:r>
+              <a:rPr lang="en-IN" sz="1400" b="1" dirty="0"/>
+              <a:t>[7] Pang et al., 2022</a:t>
+            </a:r>
+          </a:p>
+          <a:p>
+            <a:pPr marL="114300" indent="0">
+              <a:buNone/>
+            </a:pPr>
+            <a:r>
+              <a:rPr lang="en-IN" sz="1400" dirty="0"/>
+              <a:t>Y. Pang </a:t>
+            </a:r>
+            <a:r>
+              <a:rPr lang="en-IN" sz="1400" i="1" dirty="0"/>
+              <a:t>et al</a:t>
+            </a:r>
+            <a:r>
+              <a:rPr lang="en-IN" sz="1400" dirty="0"/>
+              <a:t>., “Forest fire occurrence prediction in China based on machine learning methods,” </a:t>
+            </a:r>
+            <a:r>
+              <a:rPr lang="en-IN" sz="1400" i="1" dirty="0"/>
+              <a:t>Remote Sensing</a:t>
+            </a:r>
+            <a:r>
+              <a:rPr lang="en-IN" sz="1400" dirty="0"/>
+              <a:t>, vol. 14, no. 21, p. 5546, 2022.</a:t>
+            </a:r>
+          </a:p>
+          <a:p>
+            <a:pPr marL="114300" indent="0">
+              <a:buNone/>
+            </a:pPr>
+            <a:r>
+              <a:rPr lang="en-IN" sz="1400" b="1" dirty="0"/>
+              <a:t>[8] Al-</a:t>
+            </a:r>
+            <a:r>
+              <a:rPr lang="en-IN" sz="1400" b="1" dirty="0" err="1"/>
+              <a:t>Bashiti</a:t>
+            </a:r>
+            <a:r>
+              <a:rPr lang="en-IN" sz="1400" b="1" dirty="0"/>
+              <a:t> and </a:t>
+            </a:r>
+            <a:r>
+              <a:rPr lang="en-IN" sz="1400" b="1" dirty="0" err="1"/>
+              <a:t>Naser</a:t>
+            </a:r>
+            <a:r>
+              <a:rPr lang="en-IN" sz="1400" b="1" dirty="0"/>
+              <a:t>, 2022</a:t>
+            </a:r>
+          </a:p>
+          <a:p>
+            <a:pPr marL="114300" indent="0">
+              <a:buNone/>
+            </a:pPr>
+            <a:r>
+              <a:rPr lang="en-IN" sz="1400" dirty="0"/>
+              <a:t>M. K. Al-</a:t>
+            </a:r>
+            <a:r>
+              <a:rPr lang="en-IN" sz="1400" dirty="0" err="1"/>
+              <a:t>Bashiti</a:t>
+            </a:r>
+            <a:r>
+              <a:rPr lang="en-IN" sz="1400" dirty="0"/>
+              <a:t> and M. Z. </a:t>
+            </a:r>
+            <a:r>
+              <a:rPr lang="en-IN" sz="1400" dirty="0" err="1"/>
+              <a:t>Naser</a:t>
+            </a:r>
+            <a:r>
+              <a:rPr lang="en-IN" sz="1400" dirty="0"/>
+              <a:t>, “Machine learning for wildfire classification: Exploring </a:t>
+            </a:r>
+            <a:r>
+              <a:rPr lang="en-IN" sz="1400" dirty="0" err="1"/>
+              <a:t>blackbox</a:t>
+            </a:r>
+            <a:r>
+              <a:rPr lang="en-IN" sz="1400" dirty="0"/>
+              <a:t>, explainable, symbolic, and SMOTE methods,” </a:t>
+            </a:r>
+            <a:r>
+              <a:rPr lang="en-IN" sz="1400" i="1" dirty="0"/>
+              <a:t>Natural Hazards Research</a:t>
+            </a:r>
+            <a:r>
+              <a:rPr lang="en-IN" sz="1400" dirty="0"/>
+              <a:t>, vol. 2, no. 3, pp. 154–165, 2022.</a:t>
+            </a:r>
+          </a:p>
+          <a:p>
+            <a:pPr marL="114300" indent="0">
+              <a:buNone/>
+            </a:pPr>
+            <a:r>
+              <a:rPr lang="en-IN" sz="1400" b="1" dirty="0"/>
+              <a:t>[9] </a:t>
+            </a:r>
+            <a:r>
+              <a:rPr lang="en-IN" sz="1400" b="1" dirty="0" err="1"/>
+              <a:t>Naderpour</a:t>
+            </a:r>
+            <a:r>
+              <a:rPr lang="en-IN" sz="1400" b="1" dirty="0"/>
+              <a:t> et al., 2021</a:t>
+            </a:r>
+          </a:p>
+          <a:p>
+            <a:pPr marL="114300" indent="0">
+              <a:buNone/>
+            </a:pPr>
+            <a:r>
+              <a:rPr lang="en-IN" sz="1400" dirty="0"/>
+              <a:t>H. </a:t>
+            </a:r>
+            <a:r>
+              <a:rPr lang="en-IN" sz="1400" dirty="0" err="1"/>
+              <a:t>Naderpour</a:t>
+            </a:r>
+            <a:r>
+              <a:rPr lang="en-IN" sz="1400" dirty="0"/>
+              <a:t>, P. </a:t>
+            </a:r>
+            <a:r>
+              <a:rPr lang="en-IN" sz="1400" dirty="0" err="1"/>
+              <a:t>Rizeei</a:t>
+            </a:r>
+            <a:r>
+              <a:rPr lang="en-IN" sz="1400" dirty="0"/>
+              <a:t>, A. D. A. A. </a:t>
+            </a:r>
+            <a:r>
+              <a:rPr lang="en-IN" sz="1400" dirty="0" err="1"/>
+              <a:t>Shahabi</a:t>
+            </a:r>
+            <a:r>
+              <a:rPr lang="en-IN" sz="1400" dirty="0"/>
+              <a:t>, and M. R. </a:t>
+            </a:r>
+            <a:r>
+              <a:rPr lang="en-IN" sz="1400" dirty="0" err="1"/>
+              <a:t>Mahiny</a:t>
+            </a:r>
+            <a:r>
+              <a:rPr lang="en-IN" sz="1400" dirty="0"/>
+              <a:t>, “Forest fire risk prediction: a spatial deep neural network-based framework,” </a:t>
+            </a:r>
+            <a:r>
+              <a:rPr lang="en-IN" sz="1400" i="1" dirty="0"/>
+              <a:t>Remote Sensing</a:t>
+            </a:r>
+            <a:r>
+              <a:rPr lang="en-IN" sz="1400" dirty="0"/>
+              <a:t>, vol. 13, no. 15, 2021.</a:t>
+            </a:r>
+          </a:p>
+          <a:p>
+            <a:pPr marL="114300" indent="0">
+              <a:buNone/>
+            </a:pPr>
+            <a:r>
+              <a:rPr lang="en-IN" sz="1400" b="1" dirty="0"/>
+              <a:t>[10] </a:t>
+            </a:r>
+            <a:r>
+              <a:rPr lang="en-IN" sz="1400" b="1" dirty="0" err="1"/>
+              <a:t>Nami</a:t>
+            </a:r>
+            <a:r>
+              <a:rPr lang="en-IN" sz="1400" b="1" dirty="0"/>
+              <a:t> et al., 2018</a:t>
+            </a:r>
+          </a:p>
+          <a:p>
+            <a:pPr marL="114300" indent="0">
+              <a:buNone/>
+            </a:pPr>
+            <a:r>
+              <a:rPr lang="en-IN" sz="1400" dirty="0"/>
+              <a:t>S. </a:t>
+            </a:r>
+            <a:r>
+              <a:rPr lang="en-IN" sz="1400" dirty="0" err="1"/>
+              <a:t>Nami</a:t>
+            </a:r>
+            <a:r>
+              <a:rPr lang="en-IN" sz="1400" dirty="0"/>
+              <a:t>, S. M. </a:t>
+            </a:r>
+            <a:r>
+              <a:rPr lang="en-IN" sz="1400" dirty="0" err="1"/>
+              <a:t>Moghadam</a:t>
+            </a:r>
+            <a:r>
+              <a:rPr lang="en-IN" sz="1400" dirty="0"/>
+              <a:t>, and A. H. </a:t>
+            </a:r>
+            <a:r>
+              <a:rPr lang="en-IN" sz="1400" dirty="0" err="1"/>
+              <a:t>Shamsoddini</a:t>
+            </a:r>
+            <a:r>
+              <a:rPr lang="en-IN" sz="1400" dirty="0"/>
+              <a:t>, “Spatial prediction of wildfire probability in the </a:t>
+            </a:r>
+            <a:r>
+              <a:rPr lang="en-IN" sz="1400" dirty="0" err="1"/>
+              <a:t>Hyrcanian</a:t>
+            </a:r>
+            <a:r>
+              <a:rPr lang="en-IN" sz="1400" dirty="0"/>
+              <a:t> ecoregion using evidential belief function model and GIS,” </a:t>
+            </a:r>
+            <a:r>
+              <a:rPr lang="en-IN" sz="1400" i="1" dirty="0"/>
+              <a:t>International Journal of Environmental Science and Technology</a:t>
+            </a:r>
+            <a:r>
+              <a:rPr lang="en-IN" sz="1400" dirty="0"/>
+              <a:t>, vol. 15, pp. 2015–2030, 2018.</a:t>
+            </a:r>
+          </a:p>
+        </p:txBody>
+      </p:sp>
+    </p:spTree>
+    <p:extLst>
+      <p:ext uri="{BB962C8B-B14F-4D97-AF65-F5344CB8AC3E}">
+        <p14:creationId xmlns:p14="http://schemas.microsoft.com/office/powerpoint/2010/main" val="791218357"/>
+      </p:ext>
+    </p:extLst>
+  </p:cSld>
+  <p:clrMapOvr>
+    <a:masterClrMapping/>
+  </p:clrMapOvr>
+</p:sld>
+</file>
+
+<file path=ppt/slides/slide42.xml><?xml version="1.0" encoding="utf-8"?>
+<p:sld xmlns:a="http://schemas.openxmlformats.org/drawingml/2006/main" xmlns:r="http://schemas.openxmlformats.org/officeDocument/2006/relationships" xmlns:p="http://schemas.openxmlformats.org/presentationml/2006/main">
+  <p:cSld>
+    <p:spTree>
+      <p:nvGrpSpPr>
         <p:cNvPr id="1" name="Shape 144"/>
         <p:cNvGrpSpPr/>
         <p:nvPr/>
@@ -32643,7 +33275,7 @@
             </a:pPr>
             <a:fld id="{00000000-1234-1234-1234-123412341234}" type="slidenum">
               <a:rPr lang="en-US"/>
-              <a:t>40</a:t>
+              <a:t>42</a:t>
             </a:fld>
             <a:endParaRPr/>
           </a:p>

--- a/Honours_Project.pptx
+++ b/Honours_Project.pptx
@@ -308,7 +308,7 @@
       </p15:sldGuideLst>
     </p:ext>
     <p:ext uri="http://customooxmlschemas.google.com/">
-      <go:slidesCustomData xmlns:go="http://customooxmlschemas.google.com/" xmlns:ahyp="http://schemas.microsoft.com/office/drawing/2018/hyperlinkcolor" xmlns:p15="http://schemas.microsoft.com/office/powerpoint/2012/main" xmlns:p14="http://schemas.microsoft.com/office/powerpoint/2010/main" xmlns:com="http://schemas.openxmlformats.org/drawingml/2006/compatibility" xmlns:pvml="urn:schemas-microsoft-com:office:powerpoint" xmlns:v="urn:schemas-microsoft-com:vml" xmlns:o="urn:schemas-microsoft-com:office:office" xmlns:dgm="http://schemas.openxmlformats.org/drawingml/2006/diagram" xmlns:c="http://schemas.openxmlformats.org/drawingml/2006/chart" xmlns:mv="urn:schemas-microsoft-com:mac:vml" xmlns:mc="http://schemas.openxmlformats.org/markup-compatibility/2006" xmlns="" r:id="rId48" roundtripDataSignature="AMtx7mgOTeGwvpyXv+WHXkZujPTG/Ddnmw=="/>
+      <go:slidesCustomData xmlns="" xmlns:mc="http://schemas.openxmlformats.org/markup-compatibility/2006" xmlns:mv="urn:schemas-microsoft-com:mac:vml" xmlns:c="http://schemas.openxmlformats.org/drawingml/2006/chart" xmlns:dgm="http://schemas.openxmlformats.org/drawingml/2006/diagram" xmlns:o="urn:schemas-microsoft-com:office:office" xmlns:v="urn:schemas-microsoft-com:vml" xmlns:pvml="urn:schemas-microsoft-com:office:powerpoint" xmlns:com="http://schemas.openxmlformats.org/drawingml/2006/compatibility" xmlns:p14="http://schemas.microsoft.com/office/powerpoint/2010/main" xmlns:p15="http://schemas.microsoft.com/office/powerpoint/2012/main" xmlns:ahyp="http://schemas.microsoft.com/office/drawing/2018/hyperlinkcolor" xmlns:go="http://customooxmlschemas.google.com/" r:id="rId48" roundtripDataSignature="AMtx7mgOTeGwvpyXv+WHXkZujPTG/Ddnmw=="/>
     </p:ext>
   </p:extLst>
 </p:presentation>
@@ -29835,7 +29835,7 @@
         </p:nvSpPr>
         <p:spPr>
           <a:xfrm>
-            <a:off x="3170673" y="1988840"/>
+            <a:off x="3170673" y="136525"/>
             <a:ext cx="5850653" cy="1325400"/>
           </a:xfrm>
           <a:prstGeom prst="rect">
@@ -29930,6 +29930,36 @@
           </a:p>
         </p:txBody>
       </p:sp>
+      <p:pic>
+        <p:nvPicPr>
+          <p:cNvPr id="3" name="Picture 2">
+            <a:extLst>
+              <a:ext uri="{FF2B5EF4-FFF2-40B4-BE49-F238E27FC236}">
+                <a16:creationId xmlns:a16="http://schemas.microsoft.com/office/drawing/2014/main" id="{35E9ABDB-0EA0-ACAD-5459-E525470D8DAC}"/>
+              </a:ext>
+            </a:extLst>
+          </p:cNvPr>
+          <p:cNvPicPr>
+            <a:picLocks noChangeAspect="1"/>
+          </p:cNvPicPr>
+          <p:nvPr/>
+        </p:nvPicPr>
+        <p:blipFill>
+          <a:blip r:embed="rId3"/>
+          <a:stretch>
+            <a:fillRect/>
+          </a:stretch>
+        </p:blipFill>
+        <p:spPr>
+          <a:xfrm>
+            <a:off x="1991544" y="1140059"/>
+            <a:ext cx="7613356" cy="5717941"/>
+          </a:xfrm>
+          <a:prstGeom prst="rect">
+            <a:avLst/>
+          </a:prstGeom>
+        </p:spPr>
+      </p:pic>
     </p:spTree>
     <p:extLst>
       <p:ext uri="{BB962C8B-B14F-4D97-AF65-F5344CB8AC3E}">
